--- a/cits1003-lecture_slides/CITS1003-0 Overview.pptx
+++ b/cits1003-lecture_slides/CITS1003-0 Overview.pptx
@@ -5,23 +5,35 @@
     <p:sldMasterId id="2147483763" r:id="rId1"/>
   </p:sldMasterIdLst>
   <p:notesMasterIdLst>
-    <p:notesMasterId r:id="rId16"/>
+    <p:notesMasterId r:id="rId28"/>
   </p:notesMasterIdLst>
   <p:sldIdLst>
     <p:sldId id="256" r:id="rId2"/>
-    <p:sldId id="257" r:id="rId3"/>
-    <p:sldId id="271" r:id="rId4"/>
-    <p:sldId id="260" r:id="rId5"/>
-    <p:sldId id="272" r:id="rId6"/>
-    <p:sldId id="273" r:id="rId7"/>
-    <p:sldId id="274" r:id="rId8"/>
-    <p:sldId id="269" r:id="rId9"/>
-    <p:sldId id="258" r:id="rId10"/>
-    <p:sldId id="266" r:id="rId11"/>
-    <p:sldId id="267" r:id="rId12"/>
-    <p:sldId id="268" r:id="rId13"/>
-    <p:sldId id="270" r:id="rId14"/>
-    <p:sldId id="275" r:id="rId15"/>
+    <p:sldId id="271" r:id="rId3"/>
+    <p:sldId id="260" r:id="rId4"/>
+    <p:sldId id="312" r:id="rId5"/>
+    <p:sldId id="276" r:id="rId6"/>
+    <p:sldId id="319" r:id="rId7"/>
+    <p:sldId id="321" r:id="rId8"/>
+    <p:sldId id="320" r:id="rId9"/>
+    <p:sldId id="322" r:id="rId10"/>
+    <p:sldId id="272" r:id="rId11"/>
+    <p:sldId id="273" r:id="rId12"/>
+    <p:sldId id="344" r:id="rId13"/>
+    <p:sldId id="345" r:id="rId14"/>
+    <p:sldId id="274" r:id="rId15"/>
+    <p:sldId id="323" r:id="rId16"/>
+    <p:sldId id="343" r:id="rId17"/>
+    <p:sldId id="335" r:id="rId18"/>
+    <p:sldId id="342" r:id="rId19"/>
+    <p:sldId id="269" r:id="rId20"/>
+    <p:sldId id="258" r:id="rId21"/>
+    <p:sldId id="266" r:id="rId22"/>
+    <p:sldId id="267" r:id="rId23"/>
+    <p:sldId id="268" r:id="rId24"/>
+    <p:sldId id="270" r:id="rId25"/>
+    <p:sldId id="275" r:id="rId26"/>
+    <p:sldId id="333" r:id="rId27"/>
   </p:sldIdLst>
   <p:sldSz cx="12192000" cy="6858000"/>
   <p:notesSz cx="6858000" cy="9144000"/>
@@ -1165,9 +1177,9 @@
     <dgm:cxn modelId="{BA502309-51EF-4B4B-BF80-1573A6AE39BD}" srcId="{EAE55BE3-1DBD-4805-BA07-F888157FA08C}" destId="{0C2543A4-036D-4F32-AA33-EC2982AE3DAE}" srcOrd="0" destOrd="0" parTransId="{C6F814DB-4266-42CD-B6C9-665759BE333B}" sibTransId="{31AD1D09-B8F7-4697-91F8-72B429AA540B}"/>
     <dgm:cxn modelId="{B7EC041C-60F9-F34E-9998-E3F7BE44D0E8}" type="presOf" srcId="{0C2543A4-036D-4F32-AA33-EC2982AE3DAE}" destId="{DA6CB1C2-FEED-7E44-B3B0-483FFE843027}" srcOrd="0" destOrd="0" presId="urn:microsoft.com/office/officeart/2016/7/layout/LinearBlockProcessNumbered"/>
     <dgm:cxn modelId="{D4AA1D35-2910-684D-BE2E-F674F1310647}" type="presOf" srcId="{31AD1D09-B8F7-4697-91F8-72B429AA540B}" destId="{45450710-1DEA-6A4D-A047-F1DB159DCD43}" srcOrd="0" destOrd="0" presId="urn:microsoft.com/office/officeart/2016/7/layout/LinearBlockProcessNumbered"/>
-    <dgm:cxn modelId="{3FC38352-554B-4B46-AF5E-B30006D35602}" type="presOf" srcId="{1813DF02-F4AA-417C-90F2-F9A9F3284972}" destId="{40031D7F-9BDA-2944-8078-AD85E9FF92D7}" srcOrd="0" destOrd="0" presId="urn:microsoft.com/office/officeart/2016/7/layout/LinearBlockProcessNumbered"/>
     <dgm:cxn modelId="{DC69675E-CB97-AD43-B693-0F230814357A}" type="presOf" srcId="{DFB9D784-0E08-430C-B460-DB32834D5E2D}" destId="{0C9B0EE7-B943-D74A-AE60-A9970E75E8FE}" srcOrd="0" destOrd="0" presId="urn:microsoft.com/office/officeart/2016/7/layout/LinearBlockProcessNumbered"/>
     <dgm:cxn modelId="{8549C56E-DDB2-E249-A132-5A3A1F19142B}" type="presOf" srcId="{5F68298B-3382-4F45-97D1-FA94FC8397F1}" destId="{4910555F-C4BA-3645-8B1F-CF70B02616F5}" srcOrd="0" destOrd="0" presId="urn:microsoft.com/office/officeart/2016/7/layout/LinearBlockProcessNumbered"/>
+    <dgm:cxn modelId="{3FC38352-554B-4B46-AF5E-B30006D35602}" type="presOf" srcId="{1813DF02-F4AA-417C-90F2-F9A9F3284972}" destId="{40031D7F-9BDA-2944-8078-AD85E9FF92D7}" srcOrd="0" destOrd="0" presId="urn:microsoft.com/office/officeart/2016/7/layout/LinearBlockProcessNumbered"/>
     <dgm:cxn modelId="{5E01F78A-4C2A-6540-B71F-7D5BC48B4F03}" type="presOf" srcId="{5A2035BA-59ED-41B7-B3D5-F6661DA6294A}" destId="{055FD308-5585-A84A-9089-1BF2880A1880}" srcOrd="1" destOrd="0" presId="urn:microsoft.com/office/officeart/2016/7/layout/LinearBlockProcessNumbered"/>
     <dgm:cxn modelId="{BA0A8A8E-695B-4444-945E-00376938A138}" type="presOf" srcId="{0C2543A4-036D-4F32-AA33-EC2982AE3DAE}" destId="{DBEC1E7C-61B8-9C45-B519-CA1696A20037}" srcOrd="1" destOrd="0" presId="urn:microsoft.com/office/officeart/2016/7/layout/LinearBlockProcessNumbered"/>
     <dgm:cxn modelId="{82E22090-E23F-E54E-A7F7-767FEA0A5E06}" type="presOf" srcId="{1813DF02-F4AA-417C-90F2-F9A9F3284972}" destId="{C0C6040A-4A96-0844-A0A2-29C21B8CB8A0}" srcOrd="1" destOrd="0" presId="urn:microsoft.com/office/officeart/2016/7/layout/LinearBlockProcessNumbered"/>
@@ -1194,7 +1206,7 @@
   <dgm:whole/>
   <dgm:extLst>
     <a:ext uri="http://schemas.microsoft.com/office/drawing/2008/diagram">
-      <dsp:dataModelExt xmlns:dsp="http://schemas.microsoft.com/office/drawing/2008/diagram" relId="rId7" minVer="http://schemas.openxmlformats.org/drawingml/2006/diagram"/>
+      <dsp:dataModelExt xmlns:dsp="http://schemas.microsoft.com/office/drawing/2008/diagram" relId="rId6" minVer="http://schemas.openxmlformats.org/drawingml/2006/diagram"/>
     </a:ext>
   </dgm:extLst>
 </dgm:dataModel>
@@ -3107,7 +3119,7 @@
           <a:p>
             <a:fld id="{6D6D7260-B7E4-B548-BD1F-84ED14536037}" type="datetimeFigureOut">
               <a:rPr lang="en-AU" smtClean="0"/>
-              <a:t>29/7/21</a:t>
+              <a:t>7/02/2022</a:t>
             </a:fld>
             <a:endParaRPr lang="en-AU"/>
           </a:p>
@@ -3375,6 +3387,174 @@
 </p:notesMaster>
 </file>
 
+<file path=ppt/notesSlides/notesSlide1.xml><?xml version="1.0" encoding="utf-8"?>
+<p:notes xmlns:a="http://schemas.openxmlformats.org/drawingml/2006/main" xmlns:r="http://schemas.openxmlformats.org/officeDocument/2006/relationships" xmlns:p="http://schemas.openxmlformats.org/presentationml/2006/main">
+  <p:cSld>
+    <p:spTree>
+      <p:nvGrpSpPr>
+        <p:cNvPr id="1" name=""/>
+        <p:cNvGrpSpPr/>
+        <p:nvPr/>
+      </p:nvGrpSpPr>
+      <p:grpSpPr>
+        <a:xfrm>
+          <a:off x="0" y="0"/>
+          <a:ext cx="0" cy="0"/>
+          <a:chOff x="0" y="0"/>
+          <a:chExt cx="0" cy="0"/>
+        </a:xfrm>
+      </p:grpSpPr>
+      <p:sp>
+        <p:nvSpPr>
+          <p:cNvPr id="2" name="Slide Image Placeholder 1"/>
+          <p:cNvSpPr>
+            <a:spLocks noGrp="1" noRot="1" noChangeAspect="1"/>
+          </p:cNvSpPr>
+          <p:nvPr>
+            <p:ph type="sldImg"/>
+          </p:nvPr>
+        </p:nvSpPr>
+        <p:spPr/>
+      </p:sp>
+      <p:sp>
+        <p:nvSpPr>
+          <p:cNvPr id="3" name="Notes Placeholder 2"/>
+          <p:cNvSpPr>
+            <a:spLocks noGrp="1"/>
+          </p:cNvSpPr>
+          <p:nvPr>
+            <p:ph type="body" idx="1"/>
+          </p:nvPr>
+        </p:nvSpPr>
+        <p:spPr/>
+        <p:txBody>
+          <a:bodyPr/>
+          <a:lstStyle/>
+          <a:p>
+            <a:endParaRPr lang="en-AU"/>
+          </a:p>
+        </p:txBody>
+      </p:sp>
+      <p:sp>
+        <p:nvSpPr>
+          <p:cNvPr id="4" name="Slide Number Placeholder 3"/>
+          <p:cNvSpPr>
+            <a:spLocks noGrp="1"/>
+          </p:cNvSpPr>
+          <p:nvPr>
+            <p:ph type="sldNum" sz="quarter" idx="5"/>
+          </p:nvPr>
+        </p:nvSpPr>
+        <p:spPr/>
+        <p:txBody>
+          <a:bodyPr/>
+          <a:lstStyle/>
+          <a:p>
+            <a:fld id="{DF030C05-EF6C-9847-8923-580D76870F8E}" type="slidenum">
+              <a:rPr lang="en-AU" smtClean="0"/>
+              <a:t>12</a:t>
+            </a:fld>
+            <a:endParaRPr lang="en-AU"/>
+          </a:p>
+        </p:txBody>
+      </p:sp>
+    </p:spTree>
+    <p:extLst>
+      <p:ext uri="{BB962C8B-B14F-4D97-AF65-F5344CB8AC3E}">
+        <p14:creationId xmlns:p14="http://schemas.microsoft.com/office/powerpoint/2010/main" val="3122198458"/>
+      </p:ext>
+    </p:extLst>
+  </p:cSld>
+  <p:clrMapOvr>
+    <a:masterClrMapping/>
+  </p:clrMapOvr>
+</p:notes>
+</file>
+
+<file path=ppt/notesSlides/notesSlide2.xml><?xml version="1.0" encoding="utf-8"?>
+<p:notes xmlns:a="http://schemas.openxmlformats.org/drawingml/2006/main" xmlns:r="http://schemas.openxmlformats.org/officeDocument/2006/relationships" xmlns:p="http://schemas.openxmlformats.org/presentationml/2006/main">
+  <p:cSld>
+    <p:spTree>
+      <p:nvGrpSpPr>
+        <p:cNvPr id="1" name=""/>
+        <p:cNvGrpSpPr/>
+        <p:nvPr/>
+      </p:nvGrpSpPr>
+      <p:grpSpPr>
+        <a:xfrm>
+          <a:off x="0" y="0"/>
+          <a:ext cx="0" cy="0"/>
+          <a:chOff x="0" y="0"/>
+          <a:chExt cx="0" cy="0"/>
+        </a:xfrm>
+      </p:grpSpPr>
+      <p:sp>
+        <p:nvSpPr>
+          <p:cNvPr id="2" name="Slide Image Placeholder 1"/>
+          <p:cNvSpPr>
+            <a:spLocks noGrp="1" noRot="1" noChangeAspect="1"/>
+          </p:cNvSpPr>
+          <p:nvPr>
+            <p:ph type="sldImg"/>
+          </p:nvPr>
+        </p:nvSpPr>
+        <p:spPr/>
+      </p:sp>
+      <p:sp>
+        <p:nvSpPr>
+          <p:cNvPr id="3" name="Notes Placeholder 2"/>
+          <p:cNvSpPr>
+            <a:spLocks noGrp="1"/>
+          </p:cNvSpPr>
+          <p:nvPr>
+            <p:ph type="body" idx="1"/>
+          </p:nvPr>
+        </p:nvSpPr>
+        <p:spPr/>
+        <p:txBody>
+          <a:bodyPr/>
+          <a:lstStyle/>
+          <a:p>
+            <a:endParaRPr lang="en-AU" dirty="0"/>
+          </a:p>
+        </p:txBody>
+      </p:sp>
+      <p:sp>
+        <p:nvSpPr>
+          <p:cNvPr id="4" name="Slide Number Placeholder 3"/>
+          <p:cNvSpPr>
+            <a:spLocks noGrp="1"/>
+          </p:cNvSpPr>
+          <p:nvPr>
+            <p:ph type="sldNum" sz="quarter" idx="5"/>
+          </p:nvPr>
+        </p:nvSpPr>
+        <p:spPr/>
+        <p:txBody>
+          <a:bodyPr/>
+          <a:lstStyle/>
+          <a:p>
+            <a:fld id="{DF030C05-EF6C-9847-8923-580D76870F8E}" type="slidenum">
+              <a:rPr lang="en-AU" smtClean="0"/>
+              <a:t>13</a:t>
+            </a:fld>
+            <a:endParaRPr lang="en-AU"/>
+          </a:p>
+        </p:txBody>
+      </p:sp>
+    </p:spTree>
+    <p:extLst>
+      <p:ext uri="{BB962C8B-B14F-4D97-AF65-F5344CB8AC3E}">
+        <p14:creationId xmlns:p14="http://schemas.microsoft.com/office/powerpoint/2010/main" val="1728294375"/>
+      </p:ext>
+    </p:extLst>
+  </p:cSld>
+  <p:clrMapOvr>
+    <a:masterClrMapping/>
+  </p:clrMapOvr>
+</p:notes>
+</file>
+
 <file path=ppt/slideLayouts/slideLayout1.xml><?xml version="1.0" encoding="utf-8"?>
 <p:sldLayout xmlns:a="http://schemas.openxmlformats.org/drawingml/2006/main" xmlns:r="http://schemas.openxmlformats.org/officeDocument/2006/relationships" xmlns:p="http://schemas.openxmlformats.org/presentationml/2006/main" type="title" preserve="1">
   <p:cSld name="Title Slide">
@@ -3560,7 +3740,7 @@
           <a:p>
             <a:fld id="{88D38747-4367-4BD2-8D51-C97E202738E2}" type="datetime1">
               <a:rPr lang="en-US" smtClean="0"/>
-              <a:t>7/29/21</a:t>
+              <a:t>07-Feb-22</a:t>
             </a:fld>
             <a:endParaRPr lang="en-US" dirty="0"/>
           </a:p>
@@ -3865,7 +4045,7 @@
           <a:p>
             <a:fld id="{11F1B079-7EF0-44EE-B798-BCC497C9F3B2}" type="datetime1">
               <a:rPr lang="en-US" smtClean="0"/>
-              <a:t>7/29/21</a:t>
+              <a:t>07-Feb-22</a:t>
             </a:fld>
             <a:endParaRPr lang="en-US" dirty="0"/>
           </a:p>
@@ -4059,7 +4239,7 @@
           <a:p>
             <a:fld id="{28FF70A8-1D13-4657-95F0-A9EA54967B8D}" type="datetime1">
               <a:rPr lang="en-US" smtClean="0"/>
-              <a:t>7/29/21</a:t>
+              <a:t>07-Feb-22</a:t>
             </a:fld>
             <a:endParaRPr lang="en-US" dirty="0"/>
           </a:p>
@@ -4322,7 +4502,7 @@
           <a:p>
             <a:fld id="{21EB90AC-71BD-4C7F-8ACA-7B3F18292E63}" type="datetime1">
               <a:rPr lang="en-US" smtClean="0"/>
-              <a:t>7/29/21</a:t>
+              <a:t>07-Feb-22</a:t>
             </a:fld>
             <a:endParaRPr lang="en-US" dirty="0"/>
           </a:p>
@@ -4758,7 +4938,7 @@
           <a:p>
             <a:fld id="{4E6EFC2C-8905-46F0-B443-CE905B76BA01}" type="datetime1">
               <a:rPr lang="en-US" smtClean="0"/>
-              <a:t>7/29/21</a:t>
+              <a:t>07-Feb-22</a:t>
             </a:fld>
             <a:endParaRPr lang="en-US" dirty="0"/>
           </a:p>
@@ -5295,7 +5475,7 @@
           <a:p>
             <a:fld id="{D9079DC3-C9B5-499E-9140-0DC28B7074E2}" type="datetime1">
               <a:rPr lang="en-US" smtClean="0"/>
-              <a:t>7/29/21</a:t>
+              <a:t>07-Feb-22</a:t>
             </a:fld>
             <a:endParaRPr lang="en-US" dirty="0"/>
           </a:p>
@@ -6177,7 +6357,7 @@
           <a:p>
             <a:fld id="{30BB33EA-E472-4D22-9C03-A9C14AA21CED}" type="datetime1">
               <a:rPr lang="en-US" smtClean="0"/>
-              <a:t>7/29/21</a:t>
+              <a:t>07-Feb-22</a:t>
             </a:fld>
             <a:endParaRPr lang="en-US" dirty="0"/>
           </a:p>
@@ -6347,7 +6527,7 @@
           <a:p>
             <a:fld id="{217E833E-1B6D-415F-AD29-75AE8C43BD0D}" type="datetime1">
               <a:rPr lang="en-US" smtClean="0"/>
-              <a:t>7/29/21</a:t>
+              <a:t>07-Feb-22</a:t>
             </a:fld>
             <a:endParaRPr lang="en-US" dirty="0"/>
           </a:p>
@@ -6531,7 +6711,7 @@
           <a:p>
             <a:fld id="{8452596F-08A7-4B70-989A-F2B1CF31E66B}" type="datetime1">
               <a:rPr lang="en-US" smtClean="0"/>
-              <a:t>7/29/21</a:t>
+              <a:t>07-Feb-22</a:t>
             </a:fld>
             <a:endParaRPr lang="en-US" dirty="0"/>
           </a:p>
@@ -6701,7 +6881,7 @@
           <a:p>
             <a:fld id="{73C55A3C-5767-4844-A0A3-83778C2E5409}" type="datetime1">
               <a:rPr lang="en-US" smtClean="0"/>
-              <a:t>7/29/21</a:t>
+              <a:t>07-Feb-22</a:t>
             </a:fld>
             <a:endParaRPr lang="en-US" dirty="0"/>
           </a:p>
@@ -6945,7 +7125,7 @@
           <a:p>
             <a:fld id="{CAE507A8-A5CF-4D38-AB86-7EDDA87A85D4}" type="datetime1">
               <a:rPr lang="en-US" smtClean="0"/>
-              <a:t>7/29/21</a:t>
+              <a:t>07-Feb-22</a:t>
             </a:fld>
             <a:endParaRPr lang="en-US" dirty="0"/>
           </a:p>
@@ -7187,7 +7367,7 @@
           <a:p>
             <a:fld id="{BDFCD27C-8599-43EF-BA1D-14DDC1946E06}" type="datetime1">
               <a:rPr lang="en-US" smtClean="0"/>
-              <a:t>7/29/21</a:t>
+              <a:t>07-Feb-22</a:t>
             </a:fld>
             <a:endParaRPr lang="en-US" dirty="0"/>
           </a:p>
@@ -7668,7 +7848,7 @@
           <a:p>
             <a:fld id="{49343D99-809A-49C0-96E5-4250D0B498EE}" type="datetime1">
               <a:rPr lang="en-US" smtClean="0"/>
-              <a:t>7/29/21</a:t>
+              <a:t>07-Feb-22</a:t>
             </a:fld>
             <a:endParaRPr lang="en-US" dirty="0"/>
           </a:p>
@@ -7786,7 +7966,7 @@
           <a:p>
             <a:fld id="{A143DE9B-B678-4EFB-BB7D-A4370204A0B0}" type="datetime1">
               <a:rPr lang="en-US" smtClean="0"/>
-              <a:t>7/29/21</a:t>
+              <a:t>07-Feb-22</a:t>
             </a:fld>
             <a:endParaRPr lang="en-US" dirty="0"/>
           </a:p>
@@ -7881,7 +8061,7 @@
           <a:p>
             <a:fld id="{E68812DA-F765-4142-A6A3-A8ED7235E082}" type="datetime1">
               <a:rPr lang="en-US" smtClean="0"/>
-              <a:t>7/29/21</a:t>
+              <a:t>07-Feb-22</a:t>
             </a:fld>
             <a:endParaRPr lang="en-US" dirty="0"/>
           </a:p>
@@ -8136,7 +8316,7 @@
           <a:p>
             <a:fld id="{3E0277FD-7DE6-41D4-930D-AC99F5AFE54E}" type="datetime1">
               <a:rPr lang="en-US" smtClean="0"/>
-              <a:t>7/29/21</a:t>
+              <a:t>07-Feb-22</a:t>
             </a:fld>
             <a:endParaRPr lang="en-US" dirty="0"/>
           </a:p>
@@ -8443,7 +8623,7 @@
           <a:p>
             <a:fld id="{9EA15526-7079-4B7B-987C-1B5FAE11A0FF}" type="datetime1">
               <a:rPr lang="en-US" smtClean="0"/>
-              <a:t>7/29/21</a:t>
+              <a:t>07-Feb-22</a:t>
             </a:fld>
             <a:endParaRPr lang="en-US" dirty="0"/>
           </a:p>
@@ -8678,7 +8858,7 @@
           <a:p>
             <a:fld id="{073ED0CC-082F-4160-86E5-0D6041F12778}" type="datetime1">
               <a:rPr lang="en-US" smtClean="0"/>
-              <a:t>7/29/21</a:t>
+              <a:t>07-Feb-22</a:t>
             </a:fld>
             <a:endParaRPr lang="en-US" dirty="0"/>
           </a:p>
@@ -9589,7 +9769,7 @@
           </a:effectLst>
           <a:extLst>
             <a:ext uri="{91240B29-F687-4f45-9708-019B960494DF}">
-              <a14:hiddenLine xmlns:a16="http://schemas.microsoft.com/office/drawing/2014/main" xmlns:p14="http://schemas.microsoft.com/office/powerpoint/2010/main" xmlns:a14="http://schemas.microsoft.com/office/drawing/2010/main" xmlns="" w="9525">
+              <a14:hiddenLine xmlns="" xmlns:a14="http://schemas.microsoft.com/office/drawing/2010/main" xmlns:p14="http://schemas.microsoft.com/office/powerpoint/2010/main" xmlns:a16="http://schemas.microsoft.com/office/drawing/2014/main" w="9525">
                 <a:solidFill>
                   <a:srgbClr val="000000"/>
                 </a:solidFill>
@@ -9649,7 +9829,7 @@
             </a:br>
             <a:r>
               <a:rPr lang="en-US" sz="4800" dirty="0"/>
-              <a:t>[1] Unit overview</a:t>
+              <a:t>[0] Unit overview</a:t>
             </a:r>
           </a:p>
         </p:txBody>
@@ -9688,7 +9868,7 @@
                   <a:srgbClr val="20D1FF"/>
                 </a:solidFill>
               </a:rPr>
-              <a:t>Dr David Glance</a:t>
+              <a:t>Dr Jin Hong</a:t>
             </a:r>
           </a:p>
         </p:txBody>
@@ -9707,6 +9887,2047 @@
 </file>
 
 <file path=ppt/slides/slide10.xml><?xml version="1.0" encoding="utf-8"?>
+<p:sld xmlns:a="http://schemas.openxmlformats.org/drawingml/2006/main" xmlns:r="http://schemas.openxmlformats.org/officeDocument/2006/relationships" xmlns:p="http://schemas.openxmlformats.org/presentationml/2006/main">
+  <p:cSld>
+    <p:spTree>
+      <p:nvGrpSpPr>
+        <p:cNvPr id="1" name=""/>
+        <p:cNvGrpSpPr/>
+        <p:nvPr/>
+      </p:nvGrpSpPr>
+      <p:grpSpPr>
+        <a:xfrm>
+          <a:off x="0" y="0"/>
+          <a:ext cx="0" cy="0"/>
+          <a:chOff x="0" y="0"/>
+          <a:chExt cx="0" cy="0"/>
+        </a:xfrm>
+      </p:grpSpPr>
+      <p:sp>
+        <p:nvSpPr>
+          <p:cNvPr id="2" name="Title 1">
+            <a:extLst>
+              <a:ext uri="{FF2B5EF4-FFF2-40B4-BE49-F238E27FC236}">
+                <a16:creationId xmlns:a16="http://schemas.microsoft.com/office/drawing/2014/main" id="{92B3B218-E6B7-E949-9413-DBDFA9A361B9}"/>
+              </a:ext>
+            </a:extLst>
+          </p:cNvPr>
+          <p:cNvSpPr>
+            <a:spLocks noGrp="1"/>
+          </p:cNvSpPr>
+          <p:nvPr>
+            <p:ph type="title"/>
+          </p:nvPr>
+        </p:nvSpPr>
+        <p:spPr/>
+        <p:txBody>
+          <a:bodyPr/>
+          <a:lstStyle/>
+          <a:p>
+            <a:r>
+              <a:rPr lang="en-AU" dirty="0"/>
+              <a:t>Topics</a:t>
+            </a:r>
+          </a:p>
+        </p:txBody>
+      </p:sp>
+      <p:sp>
+        <p:nvSpPr>
+          <p:cNvPr id="3" name="Content Placeholder 2">
+            <a:extLst>
+              <a:ext uri="{FF2B5EF4-FFF2-40B4-BE49-F238E27FC236}">
+                <a16:creationId xmlns:a16="http://schemas.microsoft.com/office/drawing/2014/main" id="{13DB3674-2D4B-8645-8753-8E30E629B377}"/>
+              </a:ext>
+            </a:extLst>
+          </p:cNvPr>
+          <p:cNvSpPr>
+            <a:spLocks noGrp="1"/>
+          </p:cNvSpPr>
+          <p:nvPr>
+            <p:ph idx="1"/>
+          </p:nvPr>
+        </p:nvSpPr>
+        <p:spPr>
+          <a:xfrm>
+            <a:off x="913795" y="2076450"/>
+            <a:ext cx="10353762" cy="4564982"/>
+          </a:xfrm>
+        </p:spPr>
+        <p:txBody>
+          <a:bodyPr>
+            <a:normAutofit fontScale="85000" lnSpcReduction="20000"/>
+          </a:bodyPr>
+          <a:lstStyle/>
+          <a:p>
+            <a:pPr marL="494100" indent="-457200">
+              <a:buFont typeface="+mj-lt"/>
+              <a:buAutoNum type="arabicPeriod"/>
+            </a:pPr>
+            <a:r>
+              <a:rPr lang="en-AU" dirty="0">
+                <a:latin typeface="Arial" panose="020B0604020202020204" pitchFamily="34" charset="0"/>
+                <a:cs typeface="Arial" panose="020B0604020202020204" pitchFamily="34" charset="0"/>
+              </a:rPr>
+              <a:t>Introduction to overall definitions and concepts of information security, the CIA triad, vulnerabilities, threats and risk</a:t>
+            </a:r>
+          </a:p>
+          <a:p>
+            <a:pPr marL="494100" indent="-457200">
+              <a:buFont typeface="+mj-lt"/>
+              <a:buAutoNum type="arabicPeriod"/>
+            </a:pPr>
+            <a:r>
+              <a:rPr lang="en-AU" dirty="0">
+                <a:latin typeface="Arial" panose="020B0604020202020204" pitchFamily="34" charset="0"/>
+                <a:cs typeface="Arial" panose="020B0604020202020204" pitchFamily="34" charset="0"/>
+              </a:rPr>
+              <a:t>Cryptography: codes and ciphers</a:t>
+            </a:r>
+          </a:p>
+          <a:p>
+            <a:pPr marL="494100" indent="-457200">
+              <a:buFont typeface="+mj-lt"/>
+              <a:buAutoNum type="arabicPeriod"/>
+            </a:pPr>
+            <a:r>
+              <a:rPr lang="en-AU" dirty="0">
+                <a:latin typeface="Arial" panose="020B0604020202020204" pitchFamily="34" charset="0"/>
+                <a:cs typeface="Arial" panose="020B0604020202020204" pitchFamily="34" charset="0"/>
+              </a:rPr>
+              <a:t>Computers and Networks</a:t>
+            </a:r>
+          </a:p>
+          <a:p>
+            <a:pPr marL="494100" indent="-457200">
+              <a:buFont typeface="+mj-lt"/>
+              <a:buAutoNum type="arabicPeriod"/>
+            </a:pPr>
+            <a:r>
+              <a:rPr lang="en-AU" dirty="0">
+                <a:latin typeface="Arial" panose="020B0604020202020204" pitchFamily="34" charset="0"/>
+                <a:cs typeface="Arial" panose="020B0604020202020204" pitchFamily="34" charset="0"/>
+              </a:rPr>
+              <a:t>Threats</a:t>
+            </a:r>
+          </a:p>
+          <a:p>
+            <a:pPr marL="494100" indent="-457200">
+              <a:buFont typeface="+mj-lt"/>
+              <a:buAutoNum type="arabicPeriod"/>
+            </a:pPr>
+            <a:r>
+              <a:rPr lang="en-AU" dirty="0">
+                <a:latin typeface="Arial" panose="020B0604020202020204" pitchFamily="34" charset="0"/>
+                <a:cs typeface="Arial" panose="020B0604020202020204" pitchFamily="34" charset="0"/>
+              </a:rPr>
+              <a:t>Vulnerabilities</a:t>
+            </a:r>
+          </a:p>
+          <a:p>
+            <a:pPr marL="494100" indent="-457200">
+              <a:buFont typeface="+mj-lt"/>
+              <a:buAutoNum type="arabicPeriod"/>
+            </a:pPr>
+            <a:r>
+              <a:rPr lang="en-AU" dirty="0">
+                <a:latin typeface="Arial" panose="020B0604020202020204" pitchFamily="34" charset="0"/>
+                <a:cs typeface="Arial" panose="020B0604020202020204" pitchFamily="34" charset="0"/>
+              </a:rPr>
+              <a:t>Security management</a:t>
+            </a:r>
+          </a:p>
+          <a:p>
+            <a:pPr marL="494100" indent="-457200">
+              <a:buFont typeface="+mj-lt"/>
+              <a:buAutoNum type="arabicPeriod"/>
+            </a:pPr>
+            <a:r>
+              <a:rPr lang="en-AU" dirty="0">
+                <a:latin typeface="Arial" panose="020B0604020202020204" pitchFamily="34" charset="0"/>
+                <a:cs typeface="Arial" panose="020B0604020202020204" pitchFamily="34" charset="0"/>
+              </a:rPr>
+              <a:t>Incidents</a:t>
+            </a:r>
+          </a:p>
+          <a:p>
+            <a:pPr marL="494100" indent="-457200">
+              <a:buFont typeface="+mj-lt"/>
+              <a:buAutoNum type="arabicPeriod"/>
+            </a:pPr>
+            <a:r>
+              <a:rPr lang="en-AU" dirty="0">
+                <a:latin typeface="Arial" panose="020B0604020202020204" pitchFamily="34" charset="0"/>
+                <a:cs typeface="Arial" panose="020B0604020202020204" pitchFamily="34" charset="0"/>
+              </a:rPr>
+              <a:t>Forensics</a:t>
+            </a:r>
+          </a:p>
+          <a:p>
+            <a:pPr marL="494100" indent="-457200">
+              <a:buFont typeface="+mj-lt"/>
+              <a:buAutoNum type="arabicPeriod"/>
+            </a:pPr>
+            <a:r>
+              <a:rPr lang="en-AU" dirty="0">
+                <a:latin typeface="Arial" panose="020B0604020202020204" pitchFamily="34" charset="0"/>
+                <a:cs typeface="Arial" panose="020B0604020202020204" pitchFamily="34" charset="0"/>
+              </a:rPr>
+              <a:t>Critical Infrastructure and Cyber Physical Systems</a:t>
+            </a:r>
+          </a:p>
+          <a:p>
+            <a:pPr marL="494100" indent="-457200">
+              <a:buFont typeface="+mj-lt"/>
+              <a:buAutoNum type="arabicPeriod"/>
+            </a:pPr>
+            <a:r>
+              <a:rPr lang="en-AU" dirty="0">
+                <a:latin typeface="Arial" panose="020B0604020202020204" pitchFamily="34" charset="0"/>
+                <a:cs typeface="Arial" panose="020B0604020202020204" pitchFamily="34" charset="0"/>
+              </a:rPr>
+              <a:t>Cyber Law</a:t>
+            </a:r>
+          </a:p>
+          <a:p>
+            <a:pPr marL="494100" indent="-457200">
+              <a:buFont typeface="+mj-lt"/>
+              <a:buAutoNum type="arabicPeriod"/>
+            </a:pPr>
+            <a:r>
+              <a:rPr lang="en-AU" dirty="0">
+                <a:latin typeface="Arial" panose="020B0604020202020204" pitchFamily="34" charset="0"/>
+                <a:cs typeface="Arial" panose="020B0604020202020204" pitchFamily="34" charset="0"/>
+              </a:rPr>
+              <a:t>AI and Cybersecurity</a:t>
+            </a:r>
+          </a:p>
+        </p:txBody>
+      </p:sp>
+    </p:spTree>
+    <p:extLst>
+      <p:ext uri="{BB962C8B-B14F-4D97-AF65-F5344CB8AC3E}">
+        <p14:creationId xmlns:p14="http://schemas.microsoft.com/office/powerpoint/2010/main" val="182683393"/>
+      </p:ext>
+    </p:extLst>
+  </p:cSld>
+  <p:clrMapOvr>
+    <a:masterClrMapping/>
+  </p:clrMapOvr>
+</p:sld>
+</file>
+
+<file path=ppt/slides/slide11.xml><?xml version="1.0" encoding="utf-8"?>
+<p:sld xmlns:a="http://schemas.openxmlformats.org/drawingml/2006/main" xmlns:r="http://schemas.openxmlformats.org/officeDocument/2006/relationships" xmlns:p="http://schemas.openxmlformats.org/presentationml/2006/main">
+  <p:cSld>
+    <p:spTree>
+      <p:nvGrpSpPr>
+        <p:cNvPr id="1" name=""/>
+        <p:cNvGrpSpPr/>
+        <p:nvPr/>
+      </p:nvGrpSpPr>
+      <p:grpSpPr>
+        <a:xfrm>
+          <a:off x="0" y="0"/>
+          <a:ext cx="0" cy="0"/>
+          <a:chOff x="0" y="0"/>
+          <a:chExt cx="0" cy="0"/>
+        </a:xfrm>
+      </p:grpSpPr>
+      <p:sp>
+        <p:nvSpPr>
+          <p:cNvPr id="2" name="Title 1">
+            <a:extLst>
+              <a:ext uri="{FF2B5EF4-FFF2-40B4-BE49-F238E27FC236}">
+                <a16:creationId xmlns:a16="http://schemas.microsoft.com/office/drawing/2014/main" id="{AF12F404-5848-8D4C-8FB6-3349BDEB8F75}"/>
+              </a:ext>
+            </a:extLst>
+          </p:cNvPr>
+          <p:cNvSpPr>
+            <a:spLocks noGrp="1"/>
+          </p:cNvSpPr>
+          <p:nvPr>
+            <p:ph type="title"/>
+          </p:nvPr>
+        </p:nvSpPr>
+        <p:spPr/>
+        <p:txBody>
+          <a:bodyPr/>
+          <a:lstStyle/>
+          <a:p>
+            <a:r>
+              <a:rPr lang="en-AU" dirty="0"/>
+              <a:t>Labs</a:t>
+            </a:r>
+          </a:p>
+        </p:txBody>
+      </p:sp>
+      <p:sp>
+        <p:nvSpPr>
+          <p:cNvPr id="3" name="Content Placeholder 2">
+            <a:extLst>
+              <a:ext uri="{FF2B5EF4-FFF2-40B4-BE49-F238E27FC236}">
+                <a16:creationId xmlns:a16="http://schemas.microsoft.com/office/drawing/2014/main" id="{56279952-E4DB-7445-83D2-1C8ADC55F074}"/>
+              </a:ext>
+            </a:extLst>
+          </p:cNvPr>
+          <p:cNvSpPr>
+            <a:spLocks noGrp="1"/>
+          </p:cNvSpPr>
+          <p:nvPr>
+            <p:ph idx="1"/>
+          </p:nvPr>
+        </p:nvSpPr>
+        <p:spPr>
+          <a:xfrm>
+            <a:off x="913795" y="2076450"/>
+            <a:ext cx="10353762" cy="4516855"/>
+          </a:xfrm>
+        </p:spPr>
+        <p:txBody>
+          <a:bodyPr>
+            <a:normAutofit fontScale="92500"/>
+          </a:bodyPr>
+          <a:lstStyle/>
+          <a:p>
+            <a:r>
+              <a:rPr lang="en-AU" dirty="0">
+                <a:latin typeface="Arial" panose="020B0604020202020204" pitchFamily="34" charset="0"/>
+                <a:cs typeface="Arial" panose="020B0604020202020204" pitchFamily="34" charset="0"/>
+              </a:rPr>
+              <a:t>The labs rely on using a technology called Docker</a:t>
+            </a:r>
+          </a:p>
+          <a:p>
+            <a:r>
+              <a:rPr lang="en-AU" dirty="0">
+                <a:latin typeface="Arial" panose="020B0604020202020204" pitchFamily="34" charset="0"/>
+                <a:cs typeface="Arial" panose="020B0604020202020204" pitchFamily="34" charset="0"/>
+              </a:rPr>
+              <a:t>As this technology is *not* available on UWA lab machines, it must be run on your laptops</a:t>
+            </a:r>
+          </a:p>
+          <a:p>
+            <a:r>
+              <a:rPr lang="en-AU" dirty="0">
+                <a:latin typeface="Arial" panose="020B0604020202020204" pitchFamily="34" charset="0"/>
+                <a:cs typeface="Arial" panose="020B0604020202020204" pitchFamily="34" charset="0"/>
+              </a:rPr>
+              <a:t>If you do not have a laptop that is capable of running the labs, you can arrange to borrow one: </a:t>
+            </a:r>
+            <a:r>
+              <a:rPr lang="en-AU" dirty="0">
+                <a:latin typeface="Arial" panose="020B0604020202020204" pitchFamily="34" charset="0"/>
+                <a:cs typeface="Arial" panose="020B0604020202020204" pitchFamily="34" charset="0"/>
+                <a:hlinkClick r:id="rId2"/>
+              </a:rPr>
+              <a:t>https://uwacyber.gitbook.io/cits1003/cits1003-labs/introduction-to-labs</a:t>
+            </a:r>
+            <a:endParaRPr lang="en-AU" dirty="0">
+              <a:latin typeface="Arial" panose="020B0604020202020204" pitchFamily="34" charset="0"/>
+              <a:cs typeface="Arial" panose="020B0604020202020204" pitchFamily="34" charset="0"/>
+            </a:endParaRPr>
+          </a:p>
+          <a:p>
+            <a:r>
+              <a:rPr lang="en-AU" dirty="0">
+                <a:latin typeface="Arial" panose="020B0604020202020204" pitchFamily="34" charset="0"/>
+                <a:cs typeface="Arial" panose="020B0604020202020204" pitchFamily="34" charset="0"/>
+              </a:rPr>
+              <a:t>Else – invest in a decent laptop – it will make a big difference to your University life.</a:t>
+            </a:r>
+          </a:p>
+          <a:p>
+            <a:r>
+              <a:rPr lang="en-AU" dirty="0">
+                <a:latin typeface="Arial" panose="020B0604020202020204" pitchFamily="34" charset="0"/>
+                <a:cs typeface="Arial" panose="020B0604020202020204" pitchFamily="34" charset="0"/>
+              </a:rPr>
+              <a:t>If none of these options are available to you, please come and chat with me.</a:t>
+            </a:r>
+          </a:p>
+          <a:p>
+            <a:r>
+              <a:rPr lang="en-AU" dirty="0">
+                <a:latin typeface="Arial" panose="020B0604020202020204" pitchFamily="34" charset="0"/>
+                <a:cs typeface="Arial" panose="020B0604020202020204" pitchFamily="34" charset="0"/>
+              </a:rPr>
+              <a:t>Labs start in Week 2.</a:t>
+            </a:r>
+          </a:p>
+          <a:p>
+            <a:r>
+              <a:rPr lang="en-AU" dirty="0">
+                <a:latin typeface="Arial" panose="020B0604020202020204" pitchFamily="34" charset="0"/>
+                <a:cs typeface="Arial" panose="020B0604020202020204" pitchFamily="34" charset="0"/>
+              </a:rPr>
+              <a:t>There will be a companion Capture The Flag server where you will need to provide flags that you find during the labs as evidence that you have completed them </a:t>
+            </a:r>
+          </a:p>
+          <a:p>
+            <a:r>
+              <a:rPr lang="en-AU" dirty="0">
+                <a:latin typeface="Arial" panose="020B0604020202020204" pitchFamily="34" charset="0"/>
+                <a:cs typeface="Arial" panose="020B0604020202020204" pitchFamily="34" charset="0"/>
+              </a:rPr>
+              <a:t>Labs are worth 25% of assessment.</a:t>
+            </a:r>
+          </a:p>
+        </p:txBody>
+      </p:sp>
+    </p:spTree>
+    <p:extLst>
+      <p:ext uri="{BB962C8B-B14F-4D97-AF65-F5344CB8AC3E}">
+        <p14:creationId xmlns:p14="http://schemas.microsoft.com/office/powerpoint/2010/main" val="3259726858"/>
+      </p:ext>
+    </p:extLst>
+  </p:cSld>
+  <p:clrMapOvr>
+    <a:masterClrMapping/>
+  </p:clrMapOvr>
+</p:sld>
+</file>
+
+<file path=ppt/slides/slide12.xml><?xml version="1.0" encoding="utf-8"?>
+<p:sld xmlns:a="http://schemas.openxmlformats.org/drawingml/2006/main" xmlns:r="http://schemas.openxmlformats.org/officeDocument/2006/relationships" xmlns:p="http://schemas.openxmlformats.org/presentationml/2006/main">
+  <p:cSld>
+    <p:bg>
+      <p:bgPr>
+        <a:blipFill rotWithShape="1">
+          <a:blip r:embed="rId3">
+            <a:duotone>
+              <a:schemeClr val="bg1">
+                <a:shade val="80000"/>
+                <a:lumMod val="80000"/>
+              </a:schemeClr>
+              <a:schemeClr val="bg1">
+                <a:tint val="98000"/>
+              </a:schemeClr>
+            </a:duotone>
+          </a:blip>
+          <a:stretch/>
+        </a:blipFill>
+        <a:effectLst/>
+      </p:bgPr>
+    </p:bg>
+    <p:spTree>
+      <p:nvGrpSpPr>
+        <p:cNvPr id="1" name=""/>
+        <p:cNvGrpSpPr/>
+        <p:nvPr/>
+      </p:nvGrpSpPr>
+      <p:grpSpPr>
+        <a:xfrm>
+          <a:off x="0" y="0"/>
+          <a:ext cx="0" cy="0"/>
+          <a:chOff x="0" y="0"/>
+          <a:chExt cx="0" cy="0"/>
+        </a:xfrm>
+      </p:grpSpPr>
+      <p:sp>
+        <p:nvSpPr>
+          <p:cNvPr id="2" name="Title 1"/>
+          <p:cNvSpPr>
+            <a:spLocks noGrp="1"/>
+          </p:cNvSpPr>
+          <p:nvPr>
+            <p:ph type="title"/>
+          </p:nvPr>
+        </p:nvSpPr>
+        <p:spPr/>
+        <p:txBody>
+          <a:bodyPr>
+            <a:normAutofit/>
+          </a:bodyPr>
+          <a:lstStyle/>
+          <a:p>
+            <a:r>
+              <a:rPr lang="en-US" dirty="0"/>
+              <a:t>Labs – Help server</a:t>
+            </a:r>
+            <a:endParaRPr lang="en-AU" dirty="0"/>
+          </a:p>
+        </p:txBody>
+      </p:sp>
+      <p:sp>
+        <p:nvSpPr>
+          <p:cNvPr id="12" name="Content Placeholder 11">
+            <a:extLst>
+              <a:ext uri="{FF2B5EF4-FFF2-40B4-BE49-F238E27FC236}">
+                <a16:creationId xmlns:a16="http://schemas.microsoft.com/office/drawing/2014/main" id="{CE911F61-0C25-4130-AF43-D05DA2141FAF}"/>
+              </a:ext>
+            </a:extLst>
+          </p:cNvPr>
+          <p:cNvSpPr>
+            <a:spLocks noGrp="1"/>
+          </p:cNvSpPr>
+          <p:nvPr>
+            <p:ph idx="1"/>
+          </p:nvPr>
+        </p:nvSpPr>
+        <p:spPr/>
+        <p:txBody>
+          <a:bodyPr/>
+          <a:lstStyle/>
+          <a:p>
+            <a:endParaRPr lang="en-AU"/>
+          </a:p>
+        </p:txBody>
+      </p:sp>
+      <p:pic>
+        <p:nvPicPr>
+          <p:cNvPr id="4" name="Picture 3"/>
+          <p:cNvPicPr>
+            <a:picLocks noChangeAspect="1"/>
+          </p:cNvPicPr>
+          <p:nvPr/>
+        </p:nvPicPr>
+        <p:blipFill rotWithShape="1">
+          <a:blip r:embed="rId4"/>
+          <a:srcRect t="12901" r="782" b="5201"/>
+          <a:stretch/>
+        </p:blipFill>
+        <p:spPr>
+          <a:xfrm>
+            <a:off x="1382864" y="1797405"/>
+            <a:ext cx="9415623" cy="4371740"/>
+          </a:xfrm>
+          <a:prstGeom prst="rect">
+            <a:avLst/>
+          </a:prstGeom>
+        </p:spPr>
+      </p:pic>
+    </p:spTree>
+    <p:extLst>
+      <p:ext uri="{BB962C8B-B14F-4D97-AF65-F5344CB8AC3E}">
+        <p14:creationId xmlns:p14="http://schemas.microsoft.com/office/powerpoint/2010/main" val="3270160539"/>
+      </p:ext>
+    </p:extLst>
+  </p:cSld>
+  <p:clrMapOvr>
+    <a:masterClrMapping/>
+  </p:clrMapOvr>
+</p:sld>
+</file>
+
+<file path=ppt/slides/slide13.xml><?xml version="1.0" encoding="utf-8"?>
+<p:sld xmlns:a="http://schemas.openxmlformats.org/drawingml/2006/main" xmlns:r="http://schemas.openxmlformats.org/officeDocument/2006/relationships" xmlns:p="http://schemas.openxmlformats.org/presentationml/2006/main">
+  <p:cSld>
+    <p:spTree>
+      <p:nvGrpSpPr>
+        <p:cNvPr id="1" name=""/>
+        <p:cNvGrpSpPr/>
+        <p:nvPr/>
+      </p:nvGrpSpPr>
+      <p:grpSpPr>
+        <a:xfrm>
+          <a:off x="0" y="0"/>
+          <a:ext cx="0" cy="0"/>
+          <a:chOff x="0" y="0"/>
+          <a:chExt cx="0" cy="0"/>
+        </a:xfrm>
+      </p:grpSpPr>
+      <p:sp>
+        <p:nvSpPr>
+          <p:cNvPr id="2" name="Title 1"/>
+          <p:cNvSpPr>
+            <a:spLocks noGrp="1"/>
+          </p:cNvSpPr>
+          <p:nvPr>
+            <p:ph type="title"/>
+          </p:nvPr>
+        </p:nvSpPr>
+        <p:spPr/>
+        <p:txBody>
+          <a:bodyPr/>
+          <a:lstStyle/>
+          <a:p>
+            <a:r>
+              <a:rPr lang="en-US" dirty="0"/>
+              <a:t>Labs – Help server</a:t>
+            </a:r>
+            <a:endParaRPr lang="en-AU" dirty="0"/>
+          </a:p>
+        </p:txBody>
+      </p:sp>
+      <p:sp>
+        <p:nvSpPr>
+          <p:cNvPr id="3" name="Content Placeholder 2"/>
+          <p:cNvSpPr>
+            <a:spLocks noGrp="1"/>
+          </p:cNvSpPr>
+          <p:nvPr>
+            <p:ph idx="1"/>
+          </p:nvPr>
+        </p:nvSpPr>
+        <p:spPr>
+          <a:xfrm>
+            <a:off x="913795" y="2076450"/>
+            <a:ext cx="10353762" cy="4519222"/>
+          </a:xfrm>
+        </p:spPr>
+        <p:txBody>
+          <a:bodyPr>
+            <a:normAutofit fontScale="85000" lnSpcReduction="10000"/>
+          </a:bodyPr>
+          <a:lstStyle/>
+          <a:p>
+            <a:r>
+              <a:rPr lang="en-US" dirty="0">
+                <a:latin typeface="Arial" panose="020B0604020202020204" pitchFamily="34" charset="0"/>
+                <a:cs typeface="Arial" panose="020B0604020202020204" pitchFamily="34" charset="0"/>
+              </a:rPr>
+              <a:t>For labs, we will be using the help server, which allow students to queue to get help</a:t>
+            </a:r>
+          </a:p>
+          <a:p>
+            <a:pPr lvl="1"/>
+            <a:r>
+              <a:rPr lang="en-US" dirty="0">
+                <a:latin typeface="Arial" panose="020B0604020202020204" pitchFamily="34" charset="0"/>
+                <a:cs typeface="Arial" panose="020B0604020202020204" pitchFamily="34" charset="0"/>
+              </a:rPr>
+              <a:t>This means no fighting over who put their hands up first</a:t>
+            </a:r>
+          </a:p>
+          <a:p>
+            <a:pPr lvl="1"/>
+            <a:r>
+              <a:rPr lang="en-US" dirty="0">
+                <a:latin typeface="Arial" panose="020B0604020202020204" pitchFamily="34" charset="0"/>
+                <a:cs typeface="Arial" panose="020B0604020202020204" pitchFamily="34" charset="0"/>
+              </a:rPr>
+              <a:t>Online people can get noticed better!</a:t>
+            </a:r>
+          </a:p>
+          <a:p>
+            <a:pPr lvl="1"/>
+            <a:r>
+              <a:rPr lang="en-US" dirty="0">
+                <a:latin typeface="Arial" panose="020B0604020202020204" pitchFamily="34" charset="0"/>
+                <a:cs typeface="Arial" panose="020B0604020202020204" pitchFamily="34" charset="0"/>
+              </a:rPr>
+              <a:t>Please note, </a:t>
+            </a:r>
+            <a:r>
+              <a:rPr lang="en-AU" sz="2000" dirty="0">
+                <a:latin typeface="Arial" panose="020B0604020202020204" pitchFamily="34" charset="0"/>
+                <a:cs typeface="Arial" panose="020B0604020202020204" pitchFamily="34" charset="0"/>
+              </a:rPr>
+              <a:t>You won't get help </a:t>
+            </a:r>
+            <a:r>
+              <a:rPr lang="en-AU" sz="2000" b="1" dirty="0">
+                <a:solidFill>
+                  <a:srgbClr val="FF0000"/>
+                </a:solidFill>
+                <a:latin typeface="Arial" panose="020B0604020202020204" pitchFamily="34" charset="0"/>
+                <a:cs typeface="Arial" panose="020B0604020202020204" pitchFamily="34" charset="0"/>
+              </a:rPr>
+              <a:t>outside</a:t>
+            </a:r>
+            <a:r>
+              <a:rPr lang="en-AU" sz="2000" dirty="0">
+                <a:latin typeface="Arial" panose="020B0604020202020204" pitchFamily="34" charset="0"/>
+                <a:cs typeface="Arial" panose="020B0604020202020204" pitchFamily="34" charset="0"/>
+              </a:rPr>
+              <a:t> the scheduled lab hours!</a:t>
+            </a:r>
+            <a:endParaRPr lang="en-US" dirty="0">
+              <a:latin typeface="Arial" panose="020B0604020202020204" pitchFamily="34" charset="0"/>
+              <a:cs typeface="Arial" panose="020B0604020202020204" pitchFamily="34" charset="0"/>
+            </a:endParaRPr>
+          </a:p>
+          <a:p>
+            <a:endParaRPr lang="en-US" dirty="0">
+              <a:latin typeface="Arial" panose="020B0604020202020204" pitchFamily="34" charset="0"/>
+              <a:cs typeface="Arial" panose="020B0604020202020204" pitchFamily="34" charset="0"/>
+            </a:endParaRPr>
+          </a:p>
+          <a:p>
+            <a:r>
+              <a:rPr lang="en-US" dirty="0">
+                <a:latin typeface="Arial" panose="020B0604020202020204" pitchFamily="34" charset="0"/>
+                <a:cs typeface="Arial" panose="020B0604020202020204" pitchFamily="34" charset="0"/>
+              </a:rPr>
+              <a:t>How it works:</a:t>
+            </a:r>
+          </a:p>
+          <a:p>
+            <a:pPr marL="800100" lvl="1" indent="-342900">
+              <a:buFont typeface="+mj-lt"/>
+              <a:buAutoNum type="arabicPeriod"/>
+            </a:pPr>
+            <a:r>
+              <a:rPr lang="en-US" dirty="0">
+                <a:latin typeface="Arial" panose="020B0604020202020204" pitchFamily="34" charset="0"/>
+                <a:cs typeface="Arial" panose="020B0604020202020204" pitchFamily="34" charset="0"/>
+              </a:rPr>
+              <a:t>Login to the help server at: </a:t>
+            </a:r>
+            <a:r>
+              <a:rPr lang="en-US" dirty="0">
+                <a:latin typeface="Arial" panose="020B0604020202020204" pitchFamily="34" charset="0"/>
+                <a:cs typeface="Arial" panose="020B0604020202020204" pitchFamily="34" charset="0"/>
+                <a:hlinkClick r:id="rId3"/>
+              </a:rPr>
+              <a:t>https://help.jinhong.org/</a:t>
+            </a:r>
+            <a:r>
+              <a:rPr lang="en-US" dirty="0">
+                <a:latin typeface="Arial" panose="020B0604020202020204" pitchFamily="34" charset="0"/>
+                <a:cs typeface="Arial" panose="020B0604020202020204" pitchFamily="34" charset="0"/>
+              </a:rPr>
+              <a:t>  </a:t>
+            </a:r>
+          </a:p>
+          <a:p>
+            <a:pPr marL="1200150" lvl="2" indent="-342900"/>
+            <a:r>
+              <a:rPr lang="en-US" dirty="0">
+                <a:latin typeface="Arial" panose="020B0604020202020204" pitchFamily="34" charset="0"/>
+                <a:cs typeface="Arial" panose="020B0604020202020204" pitchFamily="34" charset="0"/>
+              </a:rPr>
+              <a:t>by default, you use your student ID with temporary password “</a:t>
+            </a:r>
+            <a:r>
+              <a:rPr lang="en-US" dirty="0" err="1">
+                <a:latin typeface="Arial" panose="020B0604020202020204" pitchFamily="34" charset="0"/>
+                <a:cs typeface="Arial" panose="020B0604020202020204" pitchFamily="34" charset="0"/>
+              </a:rPr>
+              <a:t>helloworld</a:t>
+            </a:r>
+            <a:r>
+              <a:rPr lang="en-US" dirty="0">
+                <a:latin typeface="Arial" panose="020B0604020202020204" pitchFamily="34" charset="0"/>
+                <a:cs typeface="Arial" panose="020B0604020202020204" pitchFamily="34" charset="0"/>
+              </a:rPr>
+              <a:t>”</a:t>
+            </a:r>
+          </a:p>
+          <a:p>
+            <a:pPr marL="1200150" lvl="2" indent="-342900"/>
+            <a:r>
+              <a:rPr lang="en-US" dirty="0">
+                <a:latin typeface="Arial" panose="020B0604020202020204" pitchFamily="34" charset="0"/>
+                <a:cs typeface="Arial" panose="020B0604020202020204" pitchFamily="34" charset="0"/>
+              </a:rPr>
+              <a:t>You can change your password once you login (you have to re-login after)</a:t>
+            </a:r>
+          </a:p>
+          <a:p>
+            <a:pPr marL="1200150" lvl="2" indent="-342900"/>
+            <a:r>
+              <a:rPr lang="en-US" dirty="0">
+                <a:latin typeface="Arial" panose="020B0604020202020204" pitchFamily="34" charset="0"/>
+                <a:cs typeface="Arial" panose="020B0604020202020204" pitchFamily="34" charset="0"/>
+              </a:rPr>
+              <a:t>Any issues logging in, contact any of the facilitators or the UC</a:t>
+            </a:r>
+          </a:p>
+          <a:p>
+            <a:pPr marL="800100" lvl="1" indent="-342900">
+              <a:buFont typeface="+mj-lt"/>
+              <a:buAutoNum type="arabicPeriod"/>
+            </a:pPr>
+            <a:r>
+              <a:rPr lang="en-US" dirty="0">
+                <a:latin typeface="Arial" panose="020B0604020202020204" pitchFamily="34" charset="0"/>
+                <a:cs typeface="Arial" panose="020B0604020202020204" pitchFamily="34" charset="0"/>
+              </a:rPr>
+              <a:t>Fill out the form and wait until a facilitator comes to you!</a:t>
+            </a:r>
+          </a:p>
+          <a:p>
+            <a:pPr marL="1106100" lvl="2" indent="-342900">
+              <a:buFont typeface="+mj-lt"/>
+              <a:buAutoNum type="arabicPeriod"/>
+            </a:pPr>
+            <a:r>
+              <a:rPr lang="en-US" dirty="0">
+                <a:latin typeface="Arial" panose="020B0604020202020204" pitchFamily="34" charset="0"/>
+                <a:cs typeface="Arial" panose="020B0604020202020204" pitchFamily="34" charset="0"/>
+              </a:rPr>
+              <a:t>Note: for the location, write the desk number for F2F students, and "online" for online students.</a:t>
+            </a:r>
+          </a:p>
+          <a:p>
+            <a:pPr marL="800100" lvl="1" indent="-342900">
+              <a:buFont typeface="+mj-lt"/>
+              <a:buAutoNum type="arabicPeriod"/>
+            </a:pPr>
+            <a:r>
+              <a:rPr lang="en-US" dirty="0">
+                <a:latin typeface="Arial" panose="020B0604020202020204" pitchFamily="34" charset="0"/>
+                <a:cs typeface="Arial" panose="020B0604020202020204" pitchFamily="34" charset="0"/>
+              </a:rPr>
+              <a:t>If you are doing labs via online, then the facilitator will contact you via Teams!</a:t>
+            </a:r>
+            <a:endParaRPr lang="en-AU" dirty="0">
+              <a:latin typeface="Arial" panose="020B0604020202020204" pitchFamily="34" charset="0"/>
+              <a:cs typeface="Arial" panose="020B0604020202020204" pitchFamily="34" charset="0"/>
+            </a:endParaRPr>
+          </a:p>
+        </p:txBody>
+      </p:sp>
+    </p:spTree>
+    <p:extLst>
+      <p:ext uri="{BB962C8B-B14F-4D97-AF65-F5344CB8AC3E}">
+        <p14:creationId xmlns:p14="http://schemas.microsoft.com/office/powerpoint/2010/main" val="3909952585"/>
+      </p:ext>
+    </p:extLst>
+  </p:cSld>
+  <p:clrMapOvr>
+    <a:masterClrMapping/>
+  </p:clrMapOvr>
+</p:sld>
+</file>
+
+<file path=ppt/slides/slide14.xml><?xml version="1.0" encoding="utf-8"?>
+<p:sld xmlns:a="http://schemas.openxmlformats.org/drawingml/2006/main" xmlns:r="http://schemas.openxmlformats.org/officeDocument/2006/relationships" xmlns:p="http://schemas.openxmlformats.org/presentationml/2006/main">
+  <p:cSld>
+    <p:spTree>
+      <p:nvGrpSpPr>
+        <p:cNvPr id="1" name=""/>
+        <p:cNvGrpSpPr/>
+        <p:nvPr/>
+      </p:nvGrpSpPr>
+      <p:grpSpPr>
+        <a:xfrm>
+          <a:off x="0" y="0"/>
+          <a:ext cx="0" cy="0"/>
+          <a:chOff x="0" y="0"/>
+          <a:chExt cx="0" cy="0"/>
+        </a:xfrm>
+      </p:grpSpPr>
+      <p:sp>
+        <p:nvSpPr>
+          <p:cNvPr id="2" name="Title 1">
+            <a:extLst>
+              <a:ext uri="{FF2B5EF4-FFF2-40B4-BE49-F238E27FC236}">
+                <a16:creationId xmlns:a16="http://schemas.microsoft.com/office/drawing/2014/main" id="{DDA4E7FC-13D5-D64F-970D-EE15EF0A474C}"/>
+              </a:ext>
+            </a:extLst>
+          </p:cNvPr>
+          <p:cNvSpPr>
+            <a:spLocks noGrp="1"/>
+          </p:cNvSpPr>
+          <p:nvPr>
+            <p:ph type="title"/>
+          </p:nvPr>
+        </p:nvSpPr>
+        <p:spPr/>
+        <p:txBody>
+          <a:bodyPr/>
+          <a:lstStyle/>
+          <a:p>
+            <a:r>
+              <a:rPr lang="en-AU" dirty="0"/>
+              <a:t>Other Assessment</a:t>
+            </a:r>
+          </a:p>
+        </p:txBody>
+      </p:sp>
+      <p:sp>
+        <p:nvSpPr>
+          <p:cNvPr id="3" name="Content Placeholder 2">
+            <a:extLst>
+              <a:ext uri="{FF2B5EF4-FFF2-40B4-BE49-F238E27FC236}">
+                <a16:creationId xmlns:a16="http://schemas.microsoft.com/office/drawing/2014/main" id="{D414E03A-E6FC-764F-9D80-282B98177B8B}"/>
+              </a:ext>
+            </a:extLst>
+          </p:cNvPr>
+          <p:cNvSpPr>
+            <a:spLocks noGrp="1"/>
+          </p:cNvSpPr>
+          <p:nvPr>
+            <p:ph idx="1"/>
+          </p:nvPr>
+        </p:nvSpPr>
+        <p:spPr/>
+        <p:txBody>
+          <a:bodyPr/>
+          <a:lstStyle/>
+          <a:p>
+            <a:r>
+              <a:rPr lang="en-AU" dirty="0">
+                <a:latin typeface="Arial" panose="020B0604020202020204" pitchFamily="34" charset="0"/>
+                <a:cs typeface="Arial" panose="020B0604020202020204" pitchFamily="34" charset="0"/>
+              </a:rPr>
+              <a:t>Project released in Week 6 (TBC) and ending in Week 10 (TBC). This will be similar in format to the labs – except without the guidance part</a:t>
+            </a:r>
+          </a:p>
+          <a:p>
+            <a:pPr lvl="1"/>
+            <a:r>
+              <a:rPr lang="en-AU" dirty="0">
+                <a:latin typeface="Arial" panose="020B0604020202020204" pitchFamily="34" charset="0"/>
+                <a:cs typeface="Arial" panose="020B0604020202020204" pitchFamily="34" charset="0"/>
+              </a:rPr>
+              <a:t>Project is worth 25% of assessment</a:t>
+            </a:r>
+          </a:p>
+          <a:p>
+            <a:r>
+              <a:rPr lang="en-AU" dirty="0">
+                <a:latin typeface="Arial" panose="020B0604020202020204" pitchFamily="34" charset="0"/>
+                <a:cs typeface="Arial" panose="020B0604020202020204" pitchFamily="34" charset="0"/>
+              </a:rPr>
+              <a:t>Final Exam: 50% of final assessment</a:t>
+            </a:r>
+          </a:p>
+          <a:p>
+            <a:pPr lvl="1"/>
+            <a:r>
+              <a:rPr lang="en-AU" dirty="0">
+                <a:latin typeface="Arial" panose="020B0604020202020204" pitchFamily="34" charset="0"/>
+                <a:cs typeface="Arial" panose="020B0604020202020204" pitchFamily="34" charset="0"/>
+              </a:rPr>
+              <a:t>Exam overview will be done in week 12.</a:t>
+            </a:r>
+          </a:p>
+        </p:txBody>
+      </p:sp>
+    </p:spTree>
+    <p:extLst>
+      <p:ext uri="{BB962C8B-B14F-4D97-AF65-F5344CB8AC3E}">
+        <p14:creationId xmlns:p14="http://schemas.microsoft.com/office/powerpoint/2010/main" val="1892611882"/>
+      </p:ext>
+    </p:extLst>
+  </p:cSld>
+  <p:clrMapOvr>
+    <a:masterClrMapping/>
+  </p:clrMapOvr>
+</p:sld>
+</file>
+
+<file path=ppt/slides/slide15.xml><?xml version="1.0" encoding="utf-8"?>
+<p:sld xmlns:a="http://schemas.openxmlformats.org/drawingml/2006/main" xmlns:r="http://schemas.openxmlformats.org/officeDocument/2006/relationships" xmlns:p="http://schemas.openxmlformats.org/presentationml/2006/main">
+  <p:cSld>
+    <p:spTree>
+      <p:nvGrpSpPr>
+        <p:cNvPr id="1" name=""/>
+        <p:cNvGrpSpPr/>
+        <p:nvPr/>
+      </p:nvGrpSpPr>
+      <p:grpSpPr>
+        <a:xfrm>
+          <a:off x="0" y="0"/>
+          <a:ext cx="0" cy="0"/>
+          <a:chOff x="0" y="0"/>
+          <a:chExt cx="0" cy="0"/>
+        </a:xfrm>
+      </p:grpSpPr>
+      <p:sp>
+        <p:nvSpPr>
+          <p:cNvPr id="2" name="Title 1">
+            <a:extLst>
+              <a:ext uri="{FF2B5EF4-FFF2-40B4-BE49-F238E27FC236}">
+                <a16:creationId xmlns:a16="http://schemas.microsoft.com/office/drawing/2014/main" id="{19B458F1-055E-425C-AA83-5B63B4C48326}"/>
+              </a:ext>
+            </a:extLst>
+          </p:cNvPr>
+          <p:cNvSpPr>
+            <a:spLocks noGrp="1"/>
+          </p:cNvSpPr>
+          <p:nvPr>
+            <p:ph type="title"/>
+          </p:nvPr>
+        </p:nvSpPr>
+        <p:spPr/>
+        <p:txBody>
+          <a:bodyPr/>
+          <a:lstStyle/>
+          <a:p>
+            <a:r>
+              <a:rPr lang="en-AU" dirty="0"/>
+              <a:t>Online Resources</a:t>
+            </a:r>
+          </a:p>
+        </p:txBody>
+      </p:sp>
+      <p:sp>
+        <p:nvSpPr>
+          <p:cNvPr id="3" name="Content Placeholder 2">
+            <a:extLst>
+              <a:ext uri="{FF2B5EF4-FFF2-40B4-BE49-F238E27FC236}">
+                <a16:creationId xmlns:a16="http://schemas.microsoft.com/office/drawing/2014/main" id="{7B315C7D-E5E2-4025-98AD-B4A66ECC32C4}"/>
+              </a:ext>
+            </a:extLst>
+          </p:cNvPr>
+          <p:cNvSpPr>
+            <a:spLocks noGrp="1"/>
+          </p:cNvSpPr>
+          <p:nvPr>
+            <p:ph idx="1"/>
+          </p:nvPr>
+        </p:nvSpPr>
+        <p:spPr/>
+        <p:txBody>
+          <a:bodyPr/>
+          <a:lstStyle/>
+          <a:p>
+            <a:r>
+              <a:rPr lang="en-AU" dirty="0">
+                <a:latin typeface="Arial" panose="020B0604020202020204" pitchFamily="34" charset="0"/>
+                <a:cs typeface="Arial" panose="020B0604020202020204" pitchFamily="34" charset="0"/>
+              </a:rPr>
+              <a:t>You may find David's book on Ethical Hacking with Hack The Box useful</a:t>
+            </a:r>
+          </a:p>
+          <a:p>
+            <a:pPr lvl="1"/>
+            <a:r>
+              <a:rPr lang="en-AU" dirty="0">
+                <a:latin typeface="Arial" panose="020B0604020202020204" pitchFamily="34" charset="0"/>
+                <a:cs typeface="Arial" panose="020B0604020202020204" pitchFamily="34" charset="0"/>
+                <a:hlinkClick r:id="rId2"/>
+              </a:rPr>
+              <a:t>https://book.ethicalhackinghtb.xyz/</a:t>
+            </a:r>
+            <a:r>
+              <a:rPr lang="en-AU" dirty="0">
+                <a:latin typeface="Arial" panose="020B0604020202020204" pitchFamily="34" charset="0"/>
+                <a:cs typeface="Arial" panose="020B0604020202020204" pitchFamily="34" charset="0"/>
+              </a:rPr>
+              <a:t> </a:t>
+            </a:r>
+          </a:p>
+          <a:p>
+            <a:endParaRPr lang="en-AU" dirty="0">
+              <a:latin typeface="Arial" panose="020B0604020202020204" pitchFamily="34" charset="0"/>
+              <a:cs typeface="Arial" panose="020B0604020202020204" pitchFamily="34" charset="0"/>
+            </a:endParaRPr>
+          </a:p>
+          <a:p>
+            <a:r>
+              <a:rPr lang="en-AU" dirty="0">
+                <a:latin typeface="Arial" panose="020B0604020202020204" pitchFamily="34" charset="0"/>
+                <a:cs typeface="Arial" panose="020B0604020202020204" pitchFamily="34" charset="0"/>
+              </a:rPr>
+              <a:t>Other useful online resources will be provided throughout the weeks as necessary.</a:t>
+            </a:r>
+          </a:p>
+        </p:txBody>
+      </p:sp>
+    </p:spTree>
+    <p:extLst>
+      <p:ext uri="{BB962C8B-B14F-4D97-AF65-F5344CB8AC3E}">
+        <p14:creationId xmlns:p14="http://schemas.microsoft.com/office/powerpoint/2010/main" val="4119705678"/>
+      </p:ext>
+    </p:extLst>
+  </p:cSld>
+  <p:clrMapOvr>
+    <a:masterClrMapping/>
+  </p:clrMapOvr>
+</p:sld>
+</file>
+
+<file path=ppt/slides/slide16.xml><?xml version="1.0" encoding="utf-8"?>
+<p:sld xmlns:a="http://schemas.openxmlformats.org/drawingml/2006/main" xmlns:r="http://schemas.openxmlformats.org/officeDocument/2006/relationships" xmlns:p="http://schemas.openxmlformats.org/presentationml/2006/main">
+  <p:cSld>
+    <p:spTree>
+      <p:nvGrpSpPr>
+        <p:cNvPr id="1" name=""/>
+        <p:cNvGrpSpPr/>
+        <p:nvPr/>
+      </p:nvGrpSpPr>
+      <p:grpSpPr>
+        <a:xfrm>
+          <a:off x="0" y="0"/>
+          <a:ext cx="0" cy="0"/>
+          <a:chOff x="0" y="0"/>
+          <a:chExt cx="0" cy="0"/>
+        </a:xfrm>
+      </p:grpSpPr>
+      <p:sp>
+        <p:nvSpPr>
+          <p:cNvPr id="2" name="Title 1"/>
+          <p:cNvSpPr>
+            <a:spLocks noGrp="1"/>
+          </p:cNvSpPr>
+          <p:nvPr>
+            <p:ph type="title"/>
+          </p:nvPr>
+        </p:nvSpPr>
+        <p:spPr/>
+        <p:txBody>
+          <a:bodyPr/>
+          <a:lstStyle/>
+          <a:p>
+            <a:r>
+              <a:rPr lang="en-AU" dirty="0"/>
+              <a:t>FAQ - Lectures</a:t>
+            </a:r>
+          </a:p>
+        </p:txBody>
+      </p:sp>
+      <p:sp>
+        <p:nvSpPr>
+          <p:cNvPr id="3" name="Content Placeholder 2"/>
+          <p:cNvSpPr>
+            <a:spLocks noGrp="1"/>
+          </p:cNvSpPr>
+          <p:nvPr>
+            <p:ph idx="1"/>
+          </p:nvPr>
+        </p:nvSpPr>
+        <p:spPr/>
+        <p:txBody>
+          <a:bodyPr>
+            <a:normAutofit fontScale="85000" lnSpcReduction="20000"/>
+          </a:bodyPr>
+          <a:lstStyle/>
+          <a:p>
+            <a:pPr marL="0" indent="0">
+              <a:buNone/>
+            </a:pPr>
+            <a:r>
+              <a:rPr lang="en-US" dirty="0">
+                <a:latin typeface="Arial" panose="020B0604020202020204" pitchFamily="34" charset="0"/>
+                <a:cs typeface="Arial" panose="020B0604020202020204" pitchFamily="34" charset="0"/>
+              </a:rPr>
+              <a:t>Q: Some lecture videos are not clear (e.g., visual, audio), can you remake them?</a:t>
+            </a:r>
+          </a:p>
+          <a:p>
+            <a:pPr marL="0" indent="0">
+              <a:buNone/>
+            </a:pPr>
+            <a:r>
+              <a:rPr lang="en-US" dirty="0">
+                <a:latin typeface="Arial" panose="020B0604020202020204" pitchFamily="34" charset="0"/>
+                <a:cs typeface="Arial" panose="020B0604020202020204" pitchFamily="34" charset="0"/>
+              </a:rPr>
+              <a:t>A: Contact me about the issue and I will review it.</a:t>
+            </a:r>
+          </a:p>
+          <a:p>
+            <a:r>
+              <a:rPr lang="en-US" dirty="0">
+                <a:latin typeface="Arial" panose="020B0604020202020204" pitchFamily="34" charset="0"/>
+                <a:cs typeface="Arial" panose="020B0604020202020204" pitchFamily="34" charset="0"/>
+              </a:rPr>
+              <a:t>If there are technical faults, I will remake them.</a:t>
+            </a:r>
+          </a:p>
+          <a:p>
+            <a:r>
+              <a:rPr lang="en-US" dirty="0">
+                <a:latin typeface="Arial" panose="020B0604020202020204" pitchFamily="34" charset="0"/>
+                <a:cs typeface="Arial" panose="020B0604020202020204" pitchFamily="34" charset="0"/>
+              </a:rPr>
+              <a:t>If it is about clarity of the contents, and many of you found the same issue, it will also be addressed</a:t>
+            </a:r>
+          </a:p>
+          <a:p>
+            <a:pPr lvl="1"/>
+            <a:r>
+              <a:rPr lang="en-US" dirty="0">
+                <a:latin typeface="Arial" panose="020B0604020202020204" pitchFamily="34" charset="0"/>
+                <a:cs typeface="Arial" panose="020B0604020202020204" pitchFamily="34" charset="0"/>
+              </a:rPr>
+              <a:t>Otherwise it will be explained in person</a:t>
+            </a:r>
+          </a:p>
+          <a:p>
+            <a:pPr marL="0" indent="0">
+              <a:buNone/>
+            </a:pPr>
+            <a:endParaRPr lang="en-US" dirty="0">
+              <a:latin typeface="Arial" panose="020B0604020202020204" pitchFamily="34" charset="0"/>
+              <a:cs typeface="Arial" panose="020B0604020202020204" pitchFamily="34" charset="0"/>
+            </a:endParaRPr>
+          </a:p>
+          <a:p>
+            <a:pPr marL="0" indent="0">
+              <a:buNone/>
+            </a:pPr>
+            <a:endParaRPr lang="en-US" dirty="0">
+              <a:latin typeface="Arial" panose="020B0604020202020204" pitchFamily="34" charset="0"/>
+              <a:cs typeface="Arial" panose="020B0604020202020204" pitchFamily="34" charset="0"/>
+            </a:endParaRPr>
+          </a:p>
+          <a:p>
+            <a:pPr marL="0" indent="0">
+              <a:buNone/>
+            </a:pPr>
+            <a:r>
+              <a:rPr lang="en-US" dirty="0">
+                <a:latin typeface="Arial" panose="020B0604020202020204" pitchFamily="34" charset="0"/>
+                <a:cs typeface="Arial" panose="020B0604020202020204" pitchFamily="34" charset="0"/>
+              </a:rPr>
+              <a:t>Q: I want to learn about [______], can it be covered?</a:t>
+            </a:r>
+          </a:p>
+          <a:p>
+            <a:pPr marL="0" indent="0">
+              <a:buNone/>
+            </a:pPr>
+            <a:r>
+              <a:rPr lang="en-US" dirty="0">
+                <a:latin typeface="Arial" panose="020B0604020202020204" pitchFamily="34" charset="0"/>
+                <a:cs typeface="Arial" panose="020B0604020202020204" pitchFamily="34" charset="0"/>
+              </a:rPr>
+              <a:t>A: I will take suggestions to add that content into CITS1003.</a:t>
+            </a:r>
+            <a:endParaRPr lang="en-AU" dirty="0">
+              <a:latin typeface="Arial" panose="020B0604020202020204" pitchFamily="34" charset="0"/>
+              <a:cs typeface="Arial" panose="020B0604020202020204" pitchFamily="34" charset="0"/>
+            </a:endParaRPr>
+          </a:p>
+          <a:p>
+            <a:pPr marL="0" indent="0">
+              <a:buNone/>
+            </a:pPr>
+            <a:endParaRPr lang="en-US" dirty="0">
+              <a:latin typeface="Arial" panose="020B0604020202020204" pitchFamily="34" charset="0"/>
+              <a:cs typeface="Arial" panose="020B0604020202020204" pitchFamily="34" charset="0"/>
+            </a:endParaRPr>
+          </a:p>
+        </p:txBody>
+      </p:sp>
+    </p:spTree>
+    <p:extLst>
+      <p:ext uri="{BB962C8B-B14F-4D97-AF65-F5344CB8AC3E}">
+        <p14:creationId xmlns:p14="http://schemas.microsoft.com/office/powerpoint/2010/main" val="1861967182"/>
+      </p:ext>
+    </p:extLst>
+  </p:cSld>
+  <p:clrMapOvr>
+    <a:masterClrMapping/>
+  </p:clrMapOvr>
+</p:sld>
+</file>
+
+<file path=ppt/slides/slide17.xml><?xml version="1.0" encoding="utf-8"?>
+<p:sld xmlns:a="http://schemas.openxmlformats.org/drawingml/2006/main" xmlns:r="http://schemas.openxmlformats.org/officeDocument/2006/relationships" xmlns:p="http://schemas.openxmlformats.org/presentationml/2006/main">
+  <p:cSld>
+    <p:spTree>
+      <p:nvGrpSpPr>
+        <p:cNvPr id="1" name=""/>
+        <p:cNvGrpSpPr/>
+        <p:nvPr/>
+      </p:nvGrpSpPr>
+      <p:grpSpPr>
+        <a:xfrm>
+          <a:off x="0" y="0"/>
+          <a:ext cx="0" cy="0"/>
+          <a:chOff x="0" y="0"/>
+          <a:chExt cx="0" cy="0"/>
+        </a:xfrm>
+      </p:grpSpPr>
+      <p:sp>
+        <p:nvSpPr>
+          <p:cNvPr id="2" name="Title 1"/>
+          <p:cNvSpPr>
+            <a:spLocks noGrp="1"/>
+          </p:cNvSpPr>
+          <p:nvPr>
+            <p:ph type="title"/>
+          </p:nvPr>
+        </p:nvSpPr>
+        <p:spPr/>
+        <p:txBody>
+          <a:bodyPr/>
+          <a:lstStyle/>
+          <a:p>
+            <a:r>
+              <a:rPr lang="en-AU" dirty="0"/>
+              <a:t>FAQ - Labs</a:t>
+            </a:r>
+          </a:p>
+        </p:txBody>
+      </p:sp>
+      <p:sp>
+        <p:nvSpPr>
+          <p:cNvPr id="3" name="Content Placeholder 2"/>
+          <p:cNvSpPr>
+            <a:spLocks noGrp="1"/>
+          </p:cNvSpPr>
+          <p:nvPr>
+            <p:ph idx="1"/>
+          </p:nvPr>
+        </p:nvSpPr>
+        <p:spPr>
+          <a:xfrm>
+            <a:off x="913795" y="2076450"/>
+            <a:ext cx="10353762" cy="4492792"/>
+          </a:xfrm>
+        </p:spPr>
+        <p:txBody>
+          <a:bodyPr>
+            <a:normAutofit fontScale="70000" lnSpcReduction="20000"/>
+          </a:bodyPr>
+          <a:lstStyle/>
+          <a:p>
+            <a:pPr marL="0" indent="0">
+              <a:buNone/>
+            </a:pPr>
+            <a:r>
+              <a:rPr lang="en-US" dirty="0">
+                <a:latin typeface="Arial" panose="020B0604020202020204" pitchFamily="34" charset="0"/>
+                <a:cs typeface="Arial" panose="020B0604020202020204" pitchFamily="34" charset="0"/>
+              </a:rPr>
+              <a:t>Q: Why labs take too long to finish?</a:t>
+            </a:r>
+          </a:p>
+          <a:p>
+            <a:pPr marL="0" indent="0">
+              <a:buNone/>
+            </a:pPr>
+            <a:r>
+              <a:rPr lang="en-US" dirty="0">
+                <a:latin typeface="Arial" panose="020B0604020202020204" pitchFamily="34" charset="0"/>
+                <a:cs typeface="Arial" panose="020B0604020202020204" pitchFamily="34" charset="0"/>
+              </a:rPr>
+              <a:t>A: </a:t>
+            </a:r>
+          </a:p>
+          <a:p>
+            <a:r>
+              <a:rPr lang="en-US" dirty="0">
+                <a:latin typeface="Arial" panose="020B0604020202020204" pitchFamily="34" charset="0"/>
+                <a:cs typeface="Arial" panose="020B0604020202020204" pitchFamily="34" charset="0"/>
+              </a:rPr>
+              <a:t>Labs are to get you familiar with various cybersecurity concepts, and it could take longer than the allocated 2 hours for the lab to finish it. </a:t>
+            </a:r>
+          </a:p>
+          <a:p>
+            <a:r>
+              <a:rPr lang="en-US" dirty="0">
+                <a:latin typeface="Arial" panose="020B0604020202020204" pitchFamily="34" charset="0"/>
+                <a:cs typeface="Arial" panose="020B0604020202020204" pitchFamily="34" charset="0"/>
+              </a:rPr>
+              <a:t>You are welcome to attend other scheduled labs (given there is a room for extra students) to complete the labs with a help of lab facilitators. </a:t>
+            </a:r>
+          </a:p>
+          <a:p>
+            <a:pPr marL="0" indent="0">
+              <a:buNone/>
+            </a:pPr>
+            <a:endParaRPr lang="en-US" dirty="0"/>
+          </a:p>
+          <a:p>
+            <a:pPr marL="0" indent="0">
+              <a:buNone/>
+            </a:pPr>
+            <a:r>
+              <a:rPr lang="en-US" dirty="0">
+                <a:latin typeface="Arial" panose="020B0604020202020204" pitchFamily="34" charset="0"/>
+                <a:cs typeface="Arial" panose="020B0604020202020204" pitchFamily="34" charset="0"/>
+              </a:rPr>
+              <a:t>Q: Why don’t we get sample answers for labs (and others)?</a:t>
+            </a:r>
+          </a:p>
+          <a:p>
+            <a:pPr marL="0" indent="0">
+              <a:buNone/>
+            </a:pPr>
+            <a:r>
+              <a:rPr lang="en-US" dirty="0">
+                <a:latin typeface="Arial" panose="020B0604020202020204" pitchFamily="34" charset="0"/>
+                <a:cs typeface="Arial" panose="020B0604020202020204" pitchFamily="34" charset="0"/>
+              </a:rPr>
+              <a:t>A: </a:t>
+            </a:r>
+          </a:p>
+          <a:p>
+            <a:r>
+              <a:rPr lang="en-US" dirty="0">
+                <a:latin typeface="Arial" panose="020B0604020202020204" pitchFamily="34" charset="0"/>
+                <a:cs typeface="Arial" panose="020B0604020202020204" pitchFamily="34" charset="0"/>
+              </a:rPr>
+              <a:t>The lab solutions for this unit can be different significantly from one to another, even with reasonably simple questions.</a:t>
+            </a:r>
+          </a:p>
+          <a:p>
+            <a:r>
+              <a:rPr lang="en-US" dirty="0">
+                <a:latin typeface="Arial" panose="020B0604020202020204" pitchFamily="34" charset="0"/>
+                <a:cs typeface="Arial" panose="020B0604020202020204" pitchFamily="34" charset="0"/>
+              </a:rPr>
+              <a:t>We simply don’t want you to learn sample answers, but rather learn to explore various ways of solving (i.e., improve problem solving skills).</a:t>
+            </a:r>
+          </a:p>
+          <a:p>
+            <a:r>
+              <a:rPr lang="en-US" dirty="0">
+                <a:latin typeface="Arial" panose="020B0604020202020204" pitchFamily="34" charset="0"/>
+                <a:cs typeface="Arial" panose="020B0604020202020204" pitchFamily="34" charset="0"/>
+              </a:rPr>
+              <a:t>We (facilitators and lecturers) are happy to discuss your solution, work out what might be going wrong and try to fix it with you.</a:t>
+            </a:r>
+            <a:endParaRPr lang="en-AU" dirty="0">
+              <a:latin typeface="Arial" panose="020B0604020202020204" pitchFamily="34" charset="0"/>
+              <a:cs typeface="Arial" panose="020B0604020202020204" pitchFamily="34" charset="0"/>
+            </a:endParaRPr>
+          </a:p>
+          <a:p>
+            <a:endParaRPr lang="en-AU" dirty="0">
+              <a:latin typeface="Arial" panose="020B0604020202020204" pitchFamily="34" charset="0"/>
+              <a:cs typeface="Arial" panose="020B0604020202020204" pitchFamily="34" charset="0"/>
+            </a:endParaRPr>
+          </a:p>
+        </p:txBody>
+      </p:sp>
+    </p:spTree>
+    <p:extLst>
+      <p:ext uri="{BB962C8B-B14F-4D97-AF65-F5344CB8AC3E}">
+        <p14:creationId xmlns:p14="http://schemas.microsoft.com/office/powerpoint/2010/main" val="405155425"/>
+      </p:ext>
+    </p:extLst>
+  </p:cSld>
+  <p:clrMapOvr>
+    <a:masterClrMapping/>
+  </p:clrMapOvr>
+</p:sld>
+</file>
+
+<file path=ppt/slides/slide18.xml><?xml version="1.0" encoding="utf-8"?>
+<p:sld xmlns:a="http://schemas.openxmlformats.org/drawingml/2006/main" xmlns:r="http://schemas.openxmlformats.org/officeDocument/2006/relationships" xmlns:p="http://schemas.openxmlformats.org/presentationml/2006/main">
+  <p:cSld>
+    <p:spTree>
+      <p:nvGrpSpPr>
+        <p:cNvPr id="1" name=""/>
+        <p:cNvGrpSpPr/>
+        <p:nvPr/>
+      </p:nvGrpSpPr>
+      <p:grpSpPr>
+        <a:xfrm>
+          <a:off x="0" y="0"/>
+          <a:ext cx="0" cy="0"/>
+          <a:chOff x="0" y="0"/>
+          <a:chExt cx="0" cy="0"/>
+        </a:xfrm>
+      </p:grpSpPr>
+      <p:sp>
+        <p:nvSpPr>
+          <p:cNvPr id="2" name="Title 1"/>
+          <p:cNvSpPr>
+            <a:spLocks noGrp="1"/>
+          </p:cNvSpPr>
+          <p:nvPr>
+            <p:ph type="title"/>
+          </p:nvPr>
+        </p:nvSpPr>
+        <p:spPr/>
+        <p:txBody>
+          <a:bodyPr/>
+          <a:lstStyle/>
+          <a:p>
+            <a:r>
+              <a:rPr lang="en-US" dirty="0"/>
+              <a:t>Cheating</a:t>
+            </a:r>
+            <a:endParaRPr lang="en-AU" dirty="0"/>
+          </a:p>
+        </p:txBody>
+      </p:sp>
+      <p:sp>
+        <p:nvSpPr>
+          <p:cNvPr id="3" name="Content Placeholder 2"/>
+          <p:cNvSpPr>
+            <a:spLocks noGrp="1"/>
+          </p:cNvSpPr>
+          <p:nvPr>
+            <p:ph idx="1"/>
+          </p:nvPr>
+        </p:nvSpPr>
+        <p:spPr/>
+        <p:txBody>
+          <a:bodyPr/>
+          <a:lstStyle/>
+          <a:p>
+            <a:r>
+              <a:rPr lang="en-US" dirty="0"/>
+              <a:t>Please don’t cheat on any of the assessment items.</a:t>
+            </a:r>
+          </a:p>
+          <a:p>
+            <a:r>
+              <a:rPr lang="en-US" dirty="0"/>
+              <a:t>Don’t copy your friend’s code.</a:t>
+            </a:r>
+          </a:p>
+          <a:p>
+            <a:r>
+              <a:rPr lang="en-US" dirty="0"/>
+              <a:t>Don’t copy code from online.</a:t>
+            </a:r>
+          </a:p>
+          <a:p>
+            <a:r>
+              <a:rPr lang="en-US" dirty="0"/>
+              <a:t>Don’t share your code structure with your friends </a:t>
+            </a:r>
+          </a:p>
+          <a:p>
+            <a:pPr lvl="1"/>
+            <a:r>
+              <a:rPr lang="en-US" dirty="0"/>
+              <a:t>Only share ideas</a:t>
+            </a:r>
+          </a:p>
+          <a:p>
+            <a:endParaRPr lang="en-US" dirty="0"/>
+          </a:p>
+          <a:p>
+            <a:r>
+              <a:rPr lang="en-US" dirty="0"/>
+              <a:t>Consequences are dire!</a:t>
+            </a:r>
+            <a:endParaRPr lang="en-AU" dirty="0"/>
+          </a:p>
+        </p:txBody>
+      </p:sp>
+      <p:pic>
+        <p:nvPicPr>
+          <p:cNvPr id="2050" name="Picture 2" descr="Image result for but why"/>
+          <p:cNvPicPr>
+            <a:picLocks noChangeAspect="1" noChangeArrowheads="1"/>
+          </p:cNvPicPr>
+          <p:nvPr/>
+        </p:nvPicPr>
+        <p:blipFill>
+          <a:blip r:embed="rId2" cstate="print">
+            <a:extLst>
+              <a:ext uri="{28A0092B-C50C-407E-A947-70E740481C1C}">
+                <a14:useLocalDpi xmlns:a14="http://schemas.microsoft.com/office/drawing/2010/main" val="0"/>
+              </a:ext>
+            </a:extLst>
+          </a:blip>
+          <a:srcRect/>
+          <a:stretch>
+            <a:fillRect/>
+          </a:stretch>
+        </p:blipFill>
+        <p:spPr bwMode="auto">
+          <a:xfrm>
+            <a:off x="7931696" y="3372800"/>
+            <a:ext cx="2376264" cy="2766847"/>
+          </a:xfrm>
+          <a:prstGeom prst="rect">
+            <a:avLst/>
+          </a:prstGeom>
+          <a:noFill/>
+          <a:extLst>
+            <a:ext uri="{909E8E84-426E-40DD-AFC4-6F175D3DCCD1}">
+              <a14:hiddenFill xmlns:a14="http://schemas.microsoft.com/office/drawing/2010/main">
+                <a:solidFill>
+                  <a:srgbClr val="FFFFFF"/>
+                </a:solidFill>
+              </a14:hiddenFill>
+            </a:ext>
+          </a:extLst>
+        </p:spPr>
+      </p:pic>
+    </p:spTree>
+    <p:extLst>
+      <p:ext uri="{BB962C8B-B14F-4D97-AF65-F5344CB8AC3E}">
+        <p14:creationId xmlns:p14="http://schemas.microsoft.com/office/powerpoint/2010/main" val="2727606522"/>
+      </p:ext>
+    </p:extLst>
+  </p:cSld>
+  <p:clrMapOvr>
+    <a:masterClrMapping/>
+  </p:clrMapOvr>
+</p:sld>
+</file>
+
+<file path=ppt/slides/slide19.xml><?xml version="1.0" encoding="utf-8"?>
+<p:sld xmlns:a="http://schemas.openxmlformats.org/drawingml/2006/main" xmlns:r="http://schemas.openxmlformats.org/officeDocument/2006/relationships" xmlns:p="http://schemas.openxmlformats.org/presentationml/2006/main">
+  <p:cSld>
+    <p:spTree>
+      <p:nvGrpSpPr>
+        <p:cNvPr id="1" name=""/>
+        <p:cNvGrpSpPr/>
+        <p:nvPr/>
+      </p:nvGrpSpPr>
+      <p:grpSpPr>
+        <a:xfrm>
+          <a:off x="0" y="0"/>
+          <a:ext cx="0" cy="0"/>
+          <a:chOff x="0" y="0"/>
+          <a:chExt cx="0" cy="0"/>
+        </a:xfrm>
+      </p:grpSpPr>
+      <p:sp>
+        <p:nvSpPr>
+          <p:cNvPr id="2" name="Title 1">
+            <a:extLst>
+              <a:ext uri="{FF2B5EF4-FFF2-40B4-BE49-F238E27FC236}">
+                <a16:creationId xmlns:a16="http://schemas.microsoft.com/office/drawing/2014/main" id="{5C4F01C5-5333-2248-B03B-703C97F7CC69}"/>
+              </a:ext>
+            </a:extLst>
+          </p:cNvPr>
+          <p:cNvSpPr>
+            <a:spLocks noGrp="1"/>
+          </p:cNvSpPr>
+          <p:nvPr>
+            <p:ph type="title"/>
+          </p:nvPr>
+        </p:nvSpPr>
+        <p:spPr/>
+        <p:txBody>
+          <a:bodyPr/>
+          <a:lstStyle/>
+          <a:p>
+            <a:r>
+              <a:rPr lang="en-AU" dirty="0"/>
+              <a:t>Information Security</a:t>
+            </a:r>
+          </a:p>
+        </p:txBody>
+      </p:sp>
+      <p:sp>
+        <p:nvSpPr>
+          <p:cNvPr id="3" name="Content Placeholder 2">
+            <a:extLst>
+              <a:ext uri="{FF2B5EF4-FFF2-40B4-BE49-F238E27FC236}">
+                <a16:creationId xmlns:a16="http://schemas.microsoft.com/office/drawing/2014/main" id="{F7DD7DCB-C7E2-1B4F-BD83-3B7AF005DD76}"/>
+              </a:ext>
+            </a:extLst>
+          </p:cNvPr>
+          <p:cNvSpPr>
+            <a:spLocks noGrp="1"/>
+          </p:cNvSpPr>
+          <p:nvPr>
+            <p:ph idx="1"/>
+          </p:nvPr>
+        </p:nvSpPr>
+        <p:spPr/>
+        <p:txBody>
+          <a:bodyPr>
+            <a:normAutofit/>
+          </a:bodyPr>
+          <a:lstStyle/>
+          <a:p>
+            <a:r>
+              <a:rPr lang="en-AU" dirty="0">
+                <a:latin typeface="Arial" panose="020B0604020202020204" pitchFamily="34" charset="0"/>
+                <a:cs typeface="Arial" panose="020B0604020202020204" pitchFamily="34" charset="0"/>
+              </a:rPr>
+              <a:t>All human endeavour relies on information </a:t>
+            </a:r>
+          </a:p>
+          <a:p>
+            <a:pPr lvl="1"/>
+            <a:r>
+              <a:rPr lang="en-AU" dirty="0">
+                <a:latin typeface="Arial" panose="020B0604020202020204" pitchFamily="34" charset="0"/>
+                <a:cs typeface="Arial" panose="020B0604020202020204" pitchFamily="34" charset="0"/>
+              </a:rPr>
+              <a:t>Business, Government, Education, Research, Personal life</a:t>
+            </a:r>
+          </a:p>
+          <a:p>
+            <a:r>
+              <a:rPr lang="en-AU" dirty="0">
+                <a:latin typeface="Arial" panose="020B0604020202020204" pitchFamily="34" charset="0"/>
+                <a:cs typeface="Arial" panose="020B0604020202020204" pitchFamily="34" charset="0"/>
+              </a:rPr>
+              <a:t>Information security is about protecting this information from “unauthorised access, harm or misuse”</a:t>
+            </a:r>
+            <a:r>
+              <a:rPr lang="en-AU" baseline="30000" dirty="0">
+                <a:latin typeface="Arial" panose="020B0604020202020204" pitchFamily="34" charset="0"/>
+                <a:cs typeface="Arial" panose="020B0604020202020204" pitchFamily="34" charset="0"/>
+              </a:rPr>
+              <a:t>1</a:t>
+            </a:r>
+            <a:endParaRPr lang="en-AU" dirty="0">
+              <a:latin typeface="Arial" panose="020B0604020202020204" pitchFamily="34" charset="0"/>
+              <a:cs typeface="Arial" panose="020B0604020202020204" pitchFamily="34" charset="0"/>
+            </a:endParaRPr>
+          </a:p>
+          <a:p>
+            <a:r>
+              <a:rPr lang="en-AU" dirty="0">
+                <a:latin typeface="Arial" panose="020B0604020202020204" pitchFamily="34" charset="0"/>
+                <a:cs typeface="Arial" panose="020B0604020202020204" pitchFamily="34" charset="0"/>
+              </a:rPr>
+              <a:t>This is done by preserving </a:t>
+            </a:r>
+            <a:r>
+              <a:rPr lang="en-AU" u="sng" dirty="0">
+                <a:solidFill>
+                  <a:srgbClr val="00B0F0"/>
+                </a:solidFill>
+                <a:latin typeface="Arial" panose="020B0604020202020204" pitchFamily="34" charset="0"/>
+                <a:cs typeface="Arial" panose="020B0604020202020204" pitchFamily="34" charset="0"/>
+              </a:rPr>
+              <a:t>C</a:t>
+            </a:r>
+            <a:r>
+              <a:rPr lang="en-AU" dirty="0">
+                <a:latin typeface="Arial" panose="020B0604020202020204" pitchFamily="34" charset="0"/>
+                <a:cs typeface="Arial" panose="020B0604020202020204" pitchFamily="34" charset="0"/>
+              </a:rPr>
+              <a:t>onfidentiality, </a:t>
+            </a:r>
+            <a:r>
+              <a:rPr lang="en-AU" u="sng" dirty="0">
+                <a:solidFill>
+                  <a:srgbClr val="00B0F0"/>
+                </a:solidFill>
+                <a:latin typeface="Arial" panose="020B0604020202020204" pitchFamily="34" charset="0"/>
+                <a:cs typeface="Arial" panose="020B0604020202020204" pitchFamily="34" charset="0"/>
+              </a:rPr>
+              <a:t>I</a:t>
+            </a:r>
+            <a:r>
+              <a:rPr lang="en-AU" dirty="0">
+                <a:latin typeface="Arial" panose="020B0604020202020204" pitchFamily="34" charset="0"/>
+                <a:cs typeface="Arial" panose="020B0604020202020204" pitchFamily="34" charset="0"/>
+              </a:rPr>
+              <a:t>ntegrity and </a:t>
+            </a:r>
+            <a:r>
+              <a:rPr lang="en-AU" u="sng" dirty="0">
+                <a:solidFill>
+                  <a:srgbClr val="00B0F0"/>
+                </a:solidFill>
+                <a:latin typeface="Arial" panose="020B0604020202020204" pitchFamily="34" charset="0"/>
+                <a:cs typeface="Arial" panose="020B0604020202020204" pitchFamily="34" charset="0"/>
+              </a:rPr>
+              <a:t>A</a:t>
+            </a:r>
+            <a:r>
+              <a:rPr lang="en-AU" dirty="0">
+                <a:latin typeface="Arial" panose="020B0604020202020204" pitchFamily="34" charset="0"/>
+                <a:cs typeface="Arial" panose="020B0604020202020204" pitchFamily="34" charset="0"/>
+              </a:rPr>
+              <a:t>vailability of information</a:t>
+            </a:r>
+          </a:p>
+        </p:txBody>
+      </p:sp>
+      <p:sp>
+        <p:nvSpPr>
+          <p:cNvPr id="4" name="Footer Placeholder 3">
+            <a:extLst>
+              <a:ext uri="{FF2B5EF4-FFF2-40B4-BE49-F238E27FC236}">
+                <a16:creationId xmlns:a16="http://schemas.microsoft.com/office/drawing/2014/main" id="{5293465A-4C2A-754E-8F5A-63A08A730A0E}"/>
+              </a:ext>
+            </a:extLst>
+          </p:cNvPr>
+          <p:cNvSpPr>
+            <a:spLocks noGrp="1"/>
+          </p:cNvSpPr>
+          <p:nvPr>
+            <p:ph type="ftr" sz="quarter" idx="11"/>
+          </p:nvPr>
+        </p:nvSpPr>
+        <p:spPr/>
+        <p:txBody>
+          <a:bodyPr/>
+          <a:lstStyle/>
+          <a:p>
+            <a:r>
+              <a:rPr lang="en-US" dirty="0"/>
+              <a:t>1 </a:t>
+            </a:r>
+            <a:r>
+              <a:rPr lang="en-US" dirty="0" err="1"/>
+              <a:t>Cybok</a:t>
+            </a:r>
+            <a:r>
+              <a:rPr lang="en-US" dirty="0"/>
+              <a:t> 1.0 2019 https://</a:t>
+            </a:r>
+            <a:r>
+              <a:rPr lang="en-US" dirty="0" err="1"/>
+              <a:t>www.cybok.org</a:t>
+            </a:r>
+            <a:r>
+              <a:rPr lang="en-US" dirty="0"/>
+              <a:t>/media/downloads/CyBOK_version_1.0_YMKBy7a.pdf</a:t>
+            </a:r>
+          </a:p>
+        </p:txBody>
+      </p:sp>
+    </p:spTree>
+    <p:extLst>
+      <p:ext uri="{BB962C8B-B14F-4D97-AF65-F5344CB8AC3E}">
+        <p14:creationId xmlns:p14="http://schemas.microsoft.com/office/powerpoint/2010/main" val="1476963364"/>
+      </p:ext>
+    </p:extLst>
+  </p:cSld>
+  <p:clrMapOvr>
+    <a:masterClrMapping/>
+  </p:clrMapOvr>
+</p:sld>
+</file>
+
+<file path=ppt/slides/slide2.xml><?xml version="1.0" encoding="utf-8"?>
+<p:sld xmlns:a="http://schemas.openxmlformats.org/drawingml/2006/main" xmlns:r="http://schemas.openxmlformats.org/officeDocument/2006/relationships" xmlns:p="http://schemas.openxmlformats.org/presentationml/2006/main">
+  <p:cSld>
+    <p:spTree>
+      <p:nvGrpSpPr>
+        <p:cNvPr id="1" name=""/>
+        <p:cNvGrpSpPr/>
+        <p:nvPr/>
+      </p:nvGrpSpPr>
+      <p:grpSpPr>
+        <a:xfrm>
+          <a:off x="0" y="0"/>
+          <a:ext cx="0" cy="0"/>
+          <a:chOff x="0" y="0"/>
+          <a:chExt cx="0" cy="0"/>
+        </a:xfrm>
+      </p:grpSpPr>
+      <p:sp>
+        <p:nvSpPr>
+          <p:cNvPr id="2" name="Title 1">
+            <a:extLst>
+              <a:ext uri="{FF2B5EF4-FFF2-40B4-BE49-F238E27FC236}">
+                <a16:creationId xmlns:a16="http://schemas.microsoft.com/office/drawing/2014/main" id="{8D0C49C1-730C-F94A-AE4C-BE3A366F79A1}"/>
+              </a:ext>
+            </a:extLst>
+          </p:cNvPr>
+          <p:cNvSpPr>
+            <a:spLocks noGrp="1"/>
+          </p:cNvSpPr>
+          <p:nvPr>
+            <p:ph type="title"/>
+          </p:nvPr>
+        </p:nvSpPr>
+        <p:spPr>
+          <a:xfrm>
+            <a:off x="913795" y="609600"/>
+            <a:ext cx="10353762" cy="1257300"/>
+          </a:xfrm>
+        </p:spPr>
+        <p:txBody>
+          <a:bodyPr>
+            <a:normAutofit/>
+          </a:bodyPr>
+          <a:lstStyle/>
+          <a:p>
+            <a:r>
+              <a:rPr lang="en-AU" dirty="0">
+                <a:solidFill>
+                  <a:srgbClr val="FFFFFF"/>
+                </a:solidFill>
+              </a:rPr>
+              <a:t>3 Things</a:t>
+            </a:r>
+          </a:p>
+        </p:txBody>
+      </p:sp>
+      <p:graphicFrame>
+        <p:nvGraphicFramePr>
+          <p:cNvPr id="5" name="Content Placeholder 2">
+            <a:extLst>
+              <a:ext uri="{FF2B5EF4-FFF2-40B4-BE49-F238E27FC236}">
+                <a16:creationId xmlns:a16="http://schemas.microsoft.com/office/drawing/2014/main" id="{2B81B40E-1876-4B42-AF04-04C3FC3951A0}"/>
+              </a:ext>
+            </a:extLst>
+          </p:cNvPr>
+          <p:cNvGraphicFramePr>
+            <a:graphicFrameLocks noGrp="1"/>
+          </p:cNvGraphicFramePr>
+          <p:nvPr>
+            <p:ph idx="1"/>
+          </p:nvPr>
+        </p:nvGraphicFramePr>
+        <p:xfrm>
+          <a:off x="914400" y="2647784"/>
+          <a:ext cx="10353675" cy="3143416"/>
+        </p:xfrm>
+        <a:graphic>
+          <a:graphicData uri="http://schemas.openxmlformats.org/drawingml/2006/diagram">
+            <dgm:relIds xmlns:dgm="http://schemas.openxmlformats.org/drawingml/2006/diagram" xmlns:r="http://schemas.openxmlformats.org/officeDocument/2006/relationships" r:dm="rId2" r:lo="rId3" r:qs="rId4" r:cs="rId5"/>
+          </a:graphicData>
+        </a:graphic>
+      </p:graphicFrame>
+    </p:spTree>
+    <p:extLst>
+      <p:ext uri="{BB962C8B-B14F-4D97-AF65-F5344CB8AC3E}">
+        <p14:creationId xmlns:p14="http://schemas.microsoft.com/office/powerpoint/2010/main" val="2349667832"/>
+      </p:ext>
+    </p:extLst>
+  </p:cSld>
+  <p:clrMapOvr>
+    <a:masterClrMapping/>
+  </p:clrMapOvr>
+</p:sld>
+</file>
+
+<file path=ppt/slides/slide20.xml><?xml version="1.0" encoding="utf-8"?>
+<p:sld xmlns:a="http://schemas.openxmlformats.org/drawingml/2006/main" xmlns:r="http://schemas.openxmlformats.org/officeDocument/2006/relationships" xmlns:p="http://schemas.openxmlformats.org/presentationml/2006/main">
+  <p:cSld>
+    <p:spTree>
+      <p:nvGrpSpPr>
+        <p:cNvPr id="1" name=""/>
+        <p:cNvGrpSpPr/>
+        <p:nvPr/>
+      </p:nvGrpSpPr>
+      <p:grpSpPr>
+        <a:xfrm>
+          <a:off x="0" y="0"/>
+          <a:ext cx="0" cy="0"/>
+          <a:chOff x="0" y="0"/>
+          <a:chExt cx="0" cy="0"/>
+        </a:xfrm>
+      </p:grpSpPr>
+      <p:sp>
+        <p:nvSpPr>
+          <p:cNvPr id="2" name="Title 1">
+            <a:extLst>
+              <a:ext uri="{FF2B5EF4-FFF2-40B4-BE49-F238E27FC236}">
+                <a16:creationId xmlns:a16="http://schemas.microsoft.com/office/drawing/2014/main" id="{5C4F01C5-5333-2248-B03B-703C97F7CC69}"/>
+              </a:ext>
+            </a:extLst>
+          </p:cNvPr>
+          <p:cNvSpPr>
+            <a:spLocks noGrp="1"/>
+          </p:cNvSpPr>
+          <p:nvPr>
+            <p:ph type="title"/>
+          </p:nvPr>
+        </p:nvSpPr>
+        <p:spPr/>
+        <p:txBody>
+          <a:bodyPr/>
+          <a:lstStyle/>
+          <a:p>
+            <a:r>
+              <a:rPr lang="en-AU" dirty="0"/>
+              <a:t>What is Cybersecurity?</a:t>
+            </a:r>
+          </a:p>
+        </p:txBody>
+      </p:sp>
+      <p:sp>
+        <p:nvSpPr>
+          <p:cNvPr id="3" name="Content Placeholder 2">
+            <a:extLst>
+              <a:ext uri="{FF2B5EF4-FFF2-40B4-BE49-F238E27FC236}">
+                <a16:creationId xmlns:a16="http://schemas.microsoft.com/office/drawing/2014/main" id="{F7DD7DCB-C7E2-1B4F-BD83-3B7AF005DD76}"/>
+              </a:ext>
+            </a:extLst>
+          </p:cNvPr>
+          <p:cNvSpPr>
+            <a:spLocks noGrp="1"/>
+          </p:cNvSpPr>
+          <p:nvPr>
+            <p:ph idx="1"/>
+          </p:nvPr>
+        </p:nvSpPr>
+        <p:spPr/>
+        <p:txBody>
+          <a:bodyPr>
+            <a:normAutofit/>
+          </a:bodyPr>
+          <a:lstStyle/>
+          <a:p>
+            <a:r>
+              <a:rPr lang="en-AU" dirty="0">
+                <a:latin typeface="Arial" panose="020B0604020202020204" pitchFamily="34" charset="0"/>
+                <a:cs typeface="Arial" panose="020B0604020202020204" pitchFamily="34" charset="0"/>
+              </a:rPr>
+              <a:t>Cybersecurity is a subset of Information Security that concerns the digital realm – so:</a:t>
+            </a:r>
+          </a:p>
+          <a:p>
+            <a:pPr marL="414000" lvl="1" indent="0">
+              <a:buNone/>
+            </a:pPr>
+            <a:r>
+              <a:rPr lang="en-AU" b="1" i="1" dirty="0">
+                <a:effectLst/>
+                <a:latin typeface="Arial" panose="020B0604020202020204" pitchFamily="34" charset="0"/>
+                <a:cs typeface="Arial" panose="020B0604020202020204" pitchFamily="34" charset="0"/>
+              </a:rPr>
+              <a:t>Cyber security </a:t>
+            </a:r>
+            <a:r>
+              <a:rPr lang="en-AU" dirty="0">
+                <a:effectLst/>
+                <a:latin typeface="Arial" panose="020B0604020202020204" pitchFamily="34" charset="0"/>
+                <a:cs typeface="Arial" panose="020B0604020202020204" pitchFamily="34" charset="0"/>
+              </a:rPr>
+              <a:t>refers to the protection of information systems (hardware, software and associated infrastructure), the data on them, and the services they provide, from unauthorised access, harm or misuse. This includes harm caused intentionally by the operator of the system, or accidentally, as a result of failing to follow security procedures.</a:t>
+            </a:r>
+            <a:r>
+              <a:rPr lang="en-AU" baseline="30000" dirty="0">
+                <a:effectLst/>
+                <a:latin typeface="Arial" panose="020B0604020202020204" pitchFamily="34" charset="0"/>
+                <a:cs typeface="Arial" panose="020B0604020202020204" pitchFamily="34" charset="0"/>
+              </a:rPr>
+              <a:t>1</a:t>
+            </a:r>
+            <a:r>
+              <a:rPr lang="en-AU" dirty="0">
+                <a:effectLst/>
+                <a:latin typeface="Arial" panose="020B0604020202020204" pitchFamily="34" charset="0"/>
+                <a:cs typeface="Arial" panose="020B0604020202020204" pitchFamily="34" charset="0"/>
+              </a:rPr>
+              <a:t> </a:t>
+            </a:r>
+          </a:p>
+          <a:p>
+            <a:r>
+              <a:rPr lang="en-AU" dirty="0">
+                <a:effectLst/>
+                <a:latin typeface="Arial" panose="020B0604020202020204" pitchFamily="34" charset="0"/>
+                <a:cs typeface="Arial" panose="020B0604020202020204" pitchFamily="34" charset="0"/>
+              </a:rPr>
+              <a:t>CIA is sometimes extended to include Authentication, Accountability, Non-Repudiation and Reliability</a:t>
+            </a:r>
+            <a:endParaRPr lang="en-AU" dirty="0">
+              <a:latin typeface="Arial" panose="020B0604020202020204" pitchFamily="34" charset="0"/>
+              <a:cs typeface="Arial" panose="020B0604020202020204" pitchFamily="34" charset="0"/>
+            </a:endParaRPr>
+          </a:p>
+          <a:p>
+            <a:endParaRPr lang="en-AU" dirty="0">
+              <a:latin typeface="Arial" panose="020B0604020202020204" pitchFamily="34" charset="0"/>
+              <a:cs typeface="Arial" panose="020B0604020202020204" pitchFamily="34" charset="0"/>
+            </a:endParaRPr>
+          </a:p>
+        </p:txBody>
+      </p:sp>
+      <p:sp>
+        <p:nvSpPr>
+          <p:cNvPr id="4" name="Footer Placeholder 3">
+            <a:extLst>
+              <a:ext uri="{FF2B5EF4-FFF2-40B4-BE49-F238E27FC236}">
+                <a16:creationId xmlns:a16="http://schemas.microsoft.com/office/drawing/2014/main" id="{5293465A-4C2A-754E-8F5A-63A08A730A0E}"/>
+              </a:ext>
+            </a:extLst>
+          </p:cNvPr>
+          <p:cNvSpPr>
+            <a:spLocks noGrp="1"/>
+          </p:cNvSpPr>
+          <p:nvPr>
+            <p:ph type="ftr" sz="quarter" idx="11"/>
+          </p:nvPr>
+        </p:nvSpPr>
+        <p:spPr/>
+        <p:txBody>
+          <a:bodyPr/>
+          <a:lstStyle/>
+          <a:p>
+            <a:endParaRPr lang="en-US" dirty="0"/>
+          </a:p>
+        </p:txBody>
+      </p:sp>
+    </p:spTree>
+    <p:extLst>
+      <p:ext uri="{BB962C8B-B14F-4D97-AF65-F5344CB8AC3E}">
+        <p14:creationId xmlns:p14="http://schemas.microsoft.com/office/powerpoint/2010/main" val="2850690858"/>
+      </p:ext>
+    </p:extLst>
+  </p:cSld>
+  <p:clrMapOvr>
+    <a:masterClrMapping/>
+  </p:clrMapOvr>
+</p:sld>
+</file>
+
+<file path=ppt/slides/slide21.xml><?xml version="1.0" encoding="utf-8"?>
 <p:sld xmlns:a="http://schemas.openxmlformats.org/drawingml/2006/main" xmlns:r="http://schemas.openxmlformats.org/officeDocument/2006/relationships" xmlns:p="http://schemas.openxmlformats.org/presentationml/2006/main">
   <p:cSld>
     <p:bg>
@@ -10075,7 +12296,7 @@
 </p:sld>
 </file>
 
-<file path=ppt/slides/slide11.xml><?xml version="1.0" encoding="utf-8"?>
+<file path=ppt/slides/slide22.xml><?xml version="1.0" encoding="utf-8"?>
 <p:sld xmlns:a="http://schemas.openxmlformats.org/drawingml/2006/main" xmlns:r="http://schemas.openxmlformats.org/officeDocument/2006/relationships" xmlns:p="http://schemas.openxmlformats.org/presentationml/2006/main">
   <p:cSld>
     <p:bg>
@@ -10444,7 +12665,7 @@
 </p:sld>
 </file>
 
-<file path=ppt/slides/slide12.xml><?xml version="1.0" encoding="utf-8"?>
+<file path=ppt/slides/slide23.xml><?xml version="1.0" encoding="utf-8"?>
 <p:sld xmlns:a="http://schemas.openxmlformats.org/drawingml/2006/main" xmlns:r="http://schemas.openxmlformats.org/officeDocument/2006/relationships" xmlns:p="http://schemas.openxmlformats.org/presentationml/2006/main">
   <p:cSld>
     <p:spTree>
@@ -10505,16 +12726,23 @@
             <p:ph idx="1"/>
           </p:nvPr>
         </p:nvSpPr>
-        <p:spPr/>
+        <p:spPr>
+          <a:xfrm>
+            <a:off x="913795" y="2076450"/>
+            <a:ext cx="10353762" cy="3924299"/>
+          </a:xfrm>
+        </p:spPr>
         <p:txBody>
           <a:bodyPr>
-            <a:normAutofit fontScale="92500"/>
+            <a:normAutofit lnSpcReduction="10000"/>
           </a:bodyPr>
           <a:lstStyle/>
           <a:p>
             <a:r>
               <a:rPr lang="en-GB" dirty="0">
                 <a:effectLst/>
+                <a:latin typeface="Arial" panose="020B0604020202020204" pitchFamily="34" charset="0"/>
+                <a:cs typeface="Arial" panose="020B0604020202020204" pitchFamily="34" charset="0"/>
               </a:rPr>
               <a:t>To understand and be able to articulate</a:t>
             </a:r>
@@ -10524,6 +12752,8 @@
             <a:r>
               <a:rPr lang="en-GB" dirty="0">
                 <a:effectLst/>
+                <a:latin typeface="Arial" panose="020B0604020202020204" pitchFamily="34" charset="0"/>
+                <a:cs typeface="Arial" panose="020B0604020202020204" pitchFamily="34" charset="0"/>
               </a:rPr>
               <a:t>The language of Cybersecurity</a:t>
             </a:r>
@@ -10533,6 +12763,8 @@
             <a:r>
               <a:rPr lang="en-GB" dirty="0">
                 <a:effectLst/>
+                <a:latin typeface="Arial" panose="020B0604020202020204" pitchFamily="34" charset="0"/>
+                <a:cs typeface="Arial" panose="020B0604020202020204" pitchFamily="34" charset="0"/>
               </a:rPr>
               <a:t>The principles of preserving Confidentiality, Integrity and Availability</a:t>
             </a:r>
@@ -10542,6 +12774,8 @@
             <a:r>
               <a:rPr lang="en-GB" dirty="0">
                 <a:effectLst/>
+                <a:latin typeface="Arial" panose="020B0604020202020204" pitchFamily="34" charset="0"/>
+                <a:cs typeface="Arial" panose="020B0604020202020204" pitchFamily="34" charset="0"/>
               </a:rPr>
               <a:t>Principles of Risk Management</a:t>
             </a:r>
@@ -10551,6 +12785,8 @@
             <a:r>
               <a:rPr lang="en-GB" dirty="0">
                 <a:effectLst/>
+                <a:latin typeface="Arial" panose="020B0604020202020204" pitchFamily="34" charset="0"/>
+                <a:cs typeface="Arial" panose="020B0604020202020204" pitchFamily="34" charset="0"/>
               </a:rPr>
               <a:t>Cybersecurity in the domains of </a:t>
             </a:r>
@@ -10560,6 +12796,8 @@
             <a:r>
               <a:rPr lang="en-GB" dirty="0">
                 <a:effectLst/>
+                <a:latin typeface="Arial" panose="020B0604020202020204" pitchFamily="34" charset="0"/>
+                <a:cs typeface="Arial" panose="020B0604020202020204" pitchFamily="34" charset="0"/>
               </a:rPr>
               <a:t>* Human organisational and regulatory aspects, * Attacks and Defences, * System Security, * Software and Platform Security, * Infrastructure Security</a:t>
             </a:r>
@@ -10568,6 +12806,8 @@
             <a:r>
               <a:rPr lang="en-GB" dirty="0">
                 <a:effectLst/>
+                <a:latin typeface="Arial" panose="020B0604020202020204" pitchFamily="34" charset="0"/>
+                <a:cs typeface="Arial" panose="020B0604020202020204" pitchFamily="34" charset="0"/>
               </a:rPr>
               <a:t>Case studies will be used to illustrate and concretise language, terms and concepts throughout</a:t>
             </a:r>
@@ -10576,6 +12816,8 @@
             <a:r>
               <a:rPr lang="en-GB" dirty="0">
                 <a:effectLst/>
+                <a:latin typeface="Arial" panose="020B0604020202020204" pitchFamily="34" charset="0"/>
+                <a:cs typeface="Arial" panose="020B0604020202020204" pitchFamily="34" charset="0"/>
               </a:rPr>
               <a:t>Practical laboratory work will assist in practical aspects of Cybersecurity</a:t>
             </a:r>
@@ -10620,7 +12862,7 @@
 </p:sld>
 </file>
 
-<file path=ppt/slides/slide13.xml><?xml version="1.0" encoding="utf-8"?>
+<file path=ppt/slides/slide24.xml><?xml version="1.0" encoding="utf-8"?>
 <p:sld xmlns:a="http://schemas.openxmlformats.org/drawingml/2006/main" xmlns:r="http://schemas.openxmlformats.org/officeDocument/2006/relationships" xmlns:p="http://schemas.openxmlformats.org/presentationml/2006/main">
   <p:cSld>
     <p:spTree>
@@ -10688,7 +12930,12 @@
             <p:ph idx="1"/>
           </p:nvPr>
         </p:nvSpPr>
-        <p:spPr/>
+        <p:spPr>
+          <a:xfrm>
+            <a:off x="913795" y="2076450"/>
+            <a:ext cx="10353762" cy="4384508"/>
+          </a:xfrm>
+        </p:spPr>
         <p:txBody>
           <a:bodyPr>
             <a:normAutofit/>
@@ -10696,50 +12943,74 @@
           <a:lstStyle/>
           <a:p>
             <a:r>
-              <a:rPr lang="en-AU" dirty="0"/>
+              <a:rPr lang="en-AU" dirty="0">
+                <a:latin typeface="Arial" panose="020B0604020202020204" pitchFamily="34" charset="0"/>
+                <a:cs typeface="Arial" panose="020B0604020202020204" pitchFamily="34" charset="0"/>
+              </a:rPr>
               <a:t> Codes of Ethics are needed by all endeavours that are ”professions”. In cybersecurity, there are several organisations that have them</a:t>
             </a:r>
           </a:p>
           <a:p>
             <a:r>
-              <a:rPr lang="en-AU" dirty="0"/>
+              <a:rPr lang="en-AU" dirty="0">
+                <a:latin typeface="Arial" panose="020B0604020202020204" pitchFamily="34" charset="0"/>
+                <a:cs typeface="Arial" panose="020B0604020202020204" pitchFamily="34" charset="0"/>
+              </a:rPr>
               <a:t>ISC</a:t>
             </a:r>
             <a:r>
-              <a:rPr lang="en-AU" baseline="30000" dirty="0"/>
+              <a:rPr lang="en-AU" baseline="30000" dirty="0">
+                <a:latin typeface="Arial" panose="020B0604020202020204" pitchFamily="34" charset="0"/>
+                <a:cs typeface="Arial" panose="020B0604020202020204" pitchFamily="34" charset="0"/>
+              </a:rPr>
               <a:t>2</a:t>
             </a:r>
           </a:p>
           <a:p>
             <a:pPr lvl="1"/>
             <a:r>
-              <a:rPr lang="en-AU" dirty="0"/>
+              <a:rPr lang="en-AU" dirty="0">
+                <a:latin typeface="Arial" panose="020B0604020202020204" pitchFamily="34" charset="0"/>
+                <a:cs typeface="Arial" panose="020B0604020202020204" pitchFamily="34" charset="0"/>
+              </a:rPr>
               <a:t>Protect society, the common good, necessary public trust and confidence, and the infrastructure. </a:t>
             </a:r>
           </a:p>
           <a:p>
             <a:pPr lvl="1"/>
             <a:r>
-              <a:rPr lang="en-AU" dirty="0"/>
+              <a:rPr lang="en-AU" dirty="0">
+                <a:latin typeface="Arial" panose="020B0604020202020204" pitchFamily="34" charset="0"/>
+                <a:cs typeface="Arial" panose="020B0604020202020204" pitchFamily="34" charset="0"/>
+              </a:rPr>
               <a:t>Act honourably, honestly, justly, responsibly, and legally. </a:t>
             </a:r>
           </a:p>
           <a:p>
             <a:pPr lvl="1"/>
             <a:r>
-              <a:rPr lang="en-AU" dirty="0"/>
+              <a:rPr lang="en-AU" dirty="0">
+                <a:latin typeface="Arial" panose="020B0604020202020204" pitchFamily="34" charset="0"/>
+                <a:cs typeface="Arial" panose="020B0604020202020204" pitchFamily="34" charset="0"/>
+              </a:rPr>
               <a:t>Provide diligent and competent service to principals. </a:t>
             </a:r>
           </a:p>
           <a:p>
             <a:pPr lvl="1"/>
             <a:r>
-              <a:rPr lang="en-AU" dirty="0"/>
+              <a:rPr lang="en-AU" dirty="0">
+                <a:latin typeface="Arial" panose="020B0604020202020204" pitchFamily="34" charset="0"/>
+                <a:cs typeface="Arial" panose="020B0604020202020204" pitchFamily="34" charset="0"/>
+              </a:rPr>
               <a:t>Advance and protect the profession.</a:t>
             </a:r>
           </a:p>
           <a:p>
-            <a:endParaRPr lang="en-AU" dirty="0"/>
+            <a:endParaRPr lang="en-AU" dirty="0">
+              <a:latin typeface="Arial" panose="020B0604020202020204" pitchFamily="34" charset="0"/>
+              <a:cs typeface="Arial" panose="020B0604020202020204" pitchFamily="34" charset="0"/>
+            </a:endParaRPr>
           </a:p>
         </p:txBody>
       </p:sp>
@@ -10756,7 +13027,7 @@
 </p:sld>
 </file>
 
-<file path=ppt/slides/slide14.xml><?xml version="1.0" encoding="utf-8"?>
+<file path=ppt/slides/slide25.xml><?xml version="1.0" encoding="utf-8"?>
 <p:sld xmlns:a="http://schemas.openxmlformats.org/drawingml/2006/main" xmlns:r="http://schemas.openxmlformats.org/officeDocument/2006/relationships" xmlns:p="http://schemas.openxmlformats.org/presentationml/2006/main">
   <p:cSld>
     <p:spTree>
@@ -10817,37 +13088,57 @@
             <p:ph idx="1"/>
           </p:nvPr>
         </p:nvSpPr>
-        <p:spPr/>
+        <p:spPr>
+          <a:xfrm>
+            <a:off x="913795" y="2076450"/>
+            <a:ext cx="10353762" cy="4023561"/>
+          </a:xfrm>
+        </p:spPr>
         <p:txBody>
           <a:bodyPr/>
           <a:lstStyle/>
           <a:p>
             <a:r>
-              <a:rPr lang="en-AU" dirty="0"/>
+              <a:rPr lang="en-AU" dirty="0">
+                <a:latin typeface="Arial" panose="020B0604020202020204" pitchFamily="34" charset="0"/>
+                <a:cs typeface="Arial" panose="020B0604020202020204" pitchFamily="34" charset="0"/>
+              </a:rPr>
               <a:t>Don’t do anything that you don’t have explicit authorisation to do</a:t>
             </a:r>
           </a:p>
           <a:p>
             <a:r>
-              <a:rPr lang="en-AU" dirty="0"/>
+              <a:rPr lang="en-AU" dirty="0">
+                <a:latin typeface="Arial" panose="020B0604020202020204" pitchFamily="34" charset="0"/>
+                <a:cs typeface="Arial" panose="020B0604020202020204" pitchFamily="34" charset="0"/>
+              </a:rPr>
               <a:t>Being helpful and pointing out vulnerabilities to organisations is often problematic</a:t>
             </a:r>
           </a:p>
           <a:p>
             <a:r>
-              <a:rPr lang="en-AU" dirty="0"/>
+              <a:rPr lang="en-AU" dirty="0">
+                <a:latin typeface="Arial" panose="020B0604020202020204" pitchFamily="34" charset="0"/>
+                <a:cs typeface="Arial" panose="020B0604020202020204" pitchFamily="34" charset="0"/>
+              </a:rPr>
               <a:t>Hacking without authorization is a crime in most countries</a:t>
             </a:r>
           </a:p>
           <a:p>
             <a:r>
-              <a:rPr lang="en-AU" dirty="0"/>
+              <a:rPr lang="en-AU" dirty="0">
+                <a:latin typeface="Arial" panose="020B0604020202020204" pitchFamily="34" charset="0"/>
+                <a:cs typeface="Arial" panose="020B0604020202020204" pitchFamily="34" charset="0"/>
+              </a:rPr>
               <a:t>You can cause damage to yourself and others by being negligent</a:t>
             </a:r>
           </a:p>
           <a:p>
             <a:r>
-              <a:rPr lang="en-AU" dirty="0"/>
+              <a:rPr lang="en-AU" dirty="0">
+                <a:latin typeface="Arial" panose="020B0604020202020204" pitchFamily="34" charset="0"/>
+                <a:cs typeface="Arial" panose="020B0604020202020204" pitchFamily="34" charset="0"/>
+              </a:rPr>
               <a:t>However that doesn’t stop you exploring, investigating and learning</a:t>
             </a:r>
           </a:p>
@@ -10866,28 +13157,9 @@
 </p:sld>
 </file>
 
-<file path=ppt/slides/slide2.xml><?xml version="1.0" encoding="utf-8"?>
+<file path=ppt/slides/slide26.xml><?xml version="1.0" encoding="utf-8"?>
 <p:sld xmlns:a="http://schemas.openxmlformats.org/drawingml/2006/main" xmlns:r="http://schemas.openxmlformats.org/officeDocument/2006/relationships" xmlns:p="http://schemas.openxmlformats.org/presentationml/2006/main">
   <p:cSld>
-    <p:bg>
-      <p:bgPr>
-        <a:blipFill rotWithShape="1">
-          <a:blip r:embed="rId2">
-            <a:duotone>
-              <a:schemeClr val="bg1">
-                <a:shade val="80000"/>
-                <a:lumMod val="80000"/>
-              </a:schemeClr>
-              <a:schemeClr val="bg1">
-                <a:tint val="98000"/>
-              </a:schemeClr>
-            </a:duotone>
-          </a:blip>
-          <a:stretch/>
-        </a:blipFill>
-        <a:effectLst/>
-      </p:bgPr>
-    </p:bg>
     <p:spTree>
       <p:nvGrpSpPr>
         <p:cNvPr id="1" name=""/>
@@ -10902,197 +13174,192 @@
           <a:chExt cx="0" cy="0"/>
         </a:xfrm>
       </p:grpSpPr>
-      <p:sp useBgFill="1">
-        <p:nvSpPr>
-          <p:cNvPr id="20" name="Rectangle 19">
+      <p:sp>
+        <p:nvSpPr>
+          <p:cNvPr id="4" name="Title 3"/>
+          <p:cNvSpPr>
+            <a:spLocks noGrp="1"/>
+          </p:cNvSpPr>
+          <p:nvPr>
+            <p:ph type="title"/>
+          </p:nvPr>
+        </p:nvSpPr>
+        <p:spPr/>
+        <p:txBody>
+          <a:bodyPr/>
+          <a:lstStyle/>
+          <a:p>
+            <a:r>
+              <a:rPr lang="en-AU"/>
+              <a:t>Copyright notice</a:t>
+            </a:r>
+            <a:endParaRPr lang="en-AU" dirty="0"/>
+          </a:p>
+        </p:txBody>
+      </p:sp>
+      <p:sp>
+        <p:nvSpPr>
+          <p:cNvPr id="2" name="Content Placeholder 1">
             <a:extLst>
               <a:ext uri="{FF2B5EF4-FFF2-40B4-BE49-F238E27FC236}">
-                <a16:creationId xmlns:a16="http://schemas.microsoft.com/office/drawing/2014/main" id="{1E70A317-DCED-4E80-AA2D-467D8702E5CB}"/>
-              </a:ext>
-              <a:ext uri="{C183D7F6-B498-43B3-948B-1728B52AA6E4}">
-                <adec:decorative xmlns:adec="http://schemas.microsoft.com/office/drawing/2017/decorative" val="1"/>
+                <a16:creationId xmlns:a16="http://schemas.microsoft.com/office/drawing/2014/main" id="{75A042B4-6EB2-4F38-8355-D92C4E4A5EF9}"/>
               </a:ext>
             </a:extLst>
           </p:cNvPr>
           <p:cNvSpPr>
-            <a:spLocks noGrp="1" noRot="1" noChangeAspect="1" noMove="1" noResize="1" noEditPoints="1" noAdjustHandles="1" noChangeArrowheads="1" noChangeShapeType="1" noTextEdit="1"/>
-          </p:cNvSpPr>
-          <p:nvPr>
-            <p:extLst>
-              <p:ext uri="{386F3935-93C4-4BCD-93E2-E3B085C9AB24}">
-                <p16:designElem xmlns:p16="http://schemas.microsoft.com/office/powerpoint/2015/main" val="1"/>
-              </p:ext>
-            </p:extLst>
+            <a:spLocks noGrp="1"/>
+          </p:cNvSpPr>
+          <p:nvPr>
+            <p:ph idx="1"/>
           </p:nvPr>
         </p:nvSpPr>
         <p:spPr>
           <a:xfrm>
-            <a:off x="0" y="0"/>
-            <a:ext cx="12192000" cy="6858000"/>
-          </a:xfrm>
-          <a:prstGeom prst="rect">
-            <a:avLst/>
-          </a:prstGeom>
-          <a:ln>
-            <a:noFill/>
-          </a:ln>
-        </p:spPr>
-        <p:style>
-          <a:lnRef idx="2">
-            <a:schemeClr val="accent1">
-              <a:shade val="50000"/>
-            </a:schemeClr>
-          </a:lnRef>
-          <a:fillRef idx="1">
-            <a:schemeClr val="accent1"/>
-          </a:fillRef>
-          <a:effectRef idx="0">
-            <a:schemeClr val="accent1"/>
-          </a:effectRef>
-          <a:fontRef idx="minor">
-            <a:schemeClr val="lt1"/>
-          </a:fontRef>
-        </p:style>
-        <p:txBody>
-          <a:bodyPr rtlCol="0" anchor="ctr"/>
-          <a:lstStyle/>
-          <a:p>
-            <a:pPr algn="ctr"/>
-            <a:endParaRPr lang="en-US"/>
-          </a:p>
-        </p:txBody>
-      </p:sp>
-      <p:sp>
-        <p:nvSpPr>
-          <p:cNvPr id="2" name="Title 1">
-            <a:extLst>
-              <a:ext uri="{FF2B5EF4-FFF2-40B4-BE49-F238E27FC236}">
-                <a16:creationId xmlns:a16="http://schemas.microsoft.com/office/drawing/2014/main" id="{5C4F01C5-5333-2248-B03B-703C97F7CC69}"/>
-              </a:ext>
-            </a:extLst>
-          </p:cNvPr>
-          <p:cNvSpPr>
-            <a:spLocks noGrp="1"/>
-          </p:cNvSpPr>
-          <p:nvPr>
-            <p:ph type="title"/>
-          </p:nvPr>
-        </p:nvSpPr>
-        <p:spPr>
-          <a:xfrm>
-            <a:off x="861791" y="835383"/>
-            <a:ext cx="3382832" cy="3499549"/>
+            <a:off x="913795" y="2076450"/>
+            <a:ext cx="10353762" cy="4354330"/>
           </a:xfrm>
         </p:spPr>
         <p:txBody>
-          <a:bodyPr vert="horz" lIns="91440" tIns="45720" rIns="91440" bIns="45720" rtlCol="0" anchor="b">
-            <a:normAutofit/>
+          <a:bodyPr>
+            <a:normAutofit fontScale="70000" lnSpcReduction="20000"/>
           </a:bodyPr>
           <a:lstStyle/>
           <a:p>
-            <a:pPr algn="l"/>
-            <a:r>
-              <a:rPr lang="en-US" sz="4200"/>
-              <a:t>A unit about </a:t>
-            </a:r>
-            <a:r>
-              <a:rPr lang="en-US" sz="4200" strike="sngStrike"/>
-              <a:t>cats</a:t>
-            </a:r>
-            <a:r>
-              <a:rPr lang="en-US" sz="4200"/>
-              <a:t> cybersecurity</a:t>
-            </a:r>
-          </a:p>
-        </p:txBody>
-      </p:sp>
-      <p:pic>
-        <p:nvPicPr>
-          <p:cNvPr id="8" name="Picture 7" descr="A screen shot of a cat&#10;&#10;Description automatically generated">
-            <a:extLst>
-              <a:ext uri="{FF2B5EF4-FFF2-40B4-BE49-F238E27FC236}">
-                <a16:creationId xmlns:a16="http://schemas.microsoft.com/office/drawing/2014/main" id="{C25057A4-D16F-7842-A208-5C9693F526F6}"/>
-              </a:ext>
-            </a:extLst>
-          </p:cNvPr>
-          <p:cNvPicPr>
-            <a:picLocks noChangeAspect="1"/>
-          </p:cNvPicPr>
-          <p:nvPr/>
-        </p:nvPicPr>
-        <p:blipFill rotWithShape="1">
-          <a:blip r:embed="rId3"/>
-          <a:srcRect r="1904"/>
-          <a:stretch/>
-        </p:blipFill>
-        <p:spPr>
-          <a:xfrm>
-            <a:off x="5618921" y="749114"/>
-            <a:ext cx="5890993" cy="5359771"/>
-          </a:xfrm>
-          <a:prstGeom prst="rect">
-            <a:avLst/>
-          </a:prstGeom>
-        </p:spPr>
-      </p:pic>
-      <p:sp>
-        <p:nvSpPr>
-          <p:cNvPr id="4" name="Footer Placeholder 3">
-            <a:extLst>
-              <a:ext uri="{FF2B5EF4-FFF2-40B4-BE49-F238E27FC236}">
-                <a16:creationId xmlns:a16="http://schemas.microsoft.com/office/drawing/2014/main" id="{5293465A-4C2A-754E-8F5A-63A08A730A0E}"/>
-              </a:ext>
-            </a:extLst>
-          </p:cNvPr>
-          <p:cNvSpPr>
-            <a:spLocks noGrp="1"/>
-          </p:cNvSpPr>
-          <p:nvPr>
-            <p:ph type="ftr" sz="quarter" idx="11"/>
-          </p:nvPr>
-        </p:nvSpPr>
-        <p:spPr>
-          <a:xfrm>
-            <a:off x="745206" y="6415088"/>
-            <a:ext cx="3163885" cy="258404"/>
-          </a:xfrm>
-        </p:spPr>
-        <p:txBody>
-          <a:bodyPr vert="horz" lIns="91440" tIns="45720" rIns="91440" bIns="45720" rtlCol="0" anchor="ctr">
-            <a:normAutofit/>
-          </a:bodyPr>
-          <a:lstStyle/>
-          <a:p>
-            <a:pPr algn="r">
-              <a:spcAft>
-                <a:spcPts val="600"/>
-              </a:spcAft>
+            <a:pPr marL="36900" indent="0" algn="ctr">
+              <a:buNone/>
             </a:pPr>
             <a:r>
-              <a:rPr lang="en-US" sz="1000" kern="1200">
-                <a:solidFill>
-                  <a:srgbClr val="FFFFFF"/>
-                </a:solidFill>
-                <a:effectLst>
-                  <a:outerShdw blurRad="50800" dist="38100" dir="2700000" algn="tl" rotWithShape="0">
-                    <a:schemeClr val="bg1">
-                      <a:alpha val="43000"/>
-                    </a:schemeClr>
-                  </a:outerShdw>
-                </a:effectLst>
-                <a:latin typeface="+mn-lt"/>
-                <a:ea typeface="+mn-ea"/>
-                <a:cs typeface="+mn-cs"/>
-              </a:rPr>
-              <a:t>1 Cheezeburger https://cheezburger.com/2977329152</a:t>
-            </a:r>
+              <a:rPr lang="en-AU" sz="4000" b="1" dirty="0">
+                <a:latin typeface="Arial" panose="020B0604020202020204" pitchFamily="34" charset="0"/>
+                <a:cs typeface="Arial" panose="020B0604020202020204" pitchFamily="34" charset="0"/>
+              </a:rPr>
+              <a:t>Commonwealth of Australia</a:t>
+            </a:r>
+          </a:p>
+          <a:p>
+            <a:pPr marL="36900" indent="0" algn="ctr">
+              <a:buNone/>
+            </a:pPr>
+            <a:endParaRPr lang="en-AU" dirty="0">
+              <a:latin typeface="Arial" panose="020B0604020202020204" pitchFamily="34" charset="0"/>
+              <a:cs typeface="Arial" panose="020B0604020202020204" pitchFamily="34" charset="0"/>
+            </a:endParaRPr>
+          </a:p>
+          <a:p>
+            <a:pPr marL="36900" indent="0" algn="ctr">
+              <a:buNone/>
+            </a:pPr>
+            <a:r>
+              <a:rPr lang="en-AU" dirty="0">
+                <a:latin typeface="Arial" panose="020B0604020202020204" pitchFamily="34" charset="0"/>
+                <a:cs typeface="Arial" panose="020B0604020202020204" pitchFamily="34" charset="0"/>
+              </a:rPr>
+              <a:t>Copyright Regulations 1969</a:t>
+            </a:r>
+          </a:p>
+          <a:p>
+            <a:pPr marL="36900" indent="0" algn="ctr">
+              <a:buNone/>
+            </a:pPr>
+            <a:endParaRPr lang="en-AU" dirty="0">
+              <a:latin typeface="Arial" panose="020B0604020202020204" pitchFamily="34" charset="0"/>
+              <a:cs typeface="Arial" panose="020B0604020202020204" pitchFamily="34" charset="0"/>
+            </a:endParaRPr>
+          </a:p>
+          <a:p>
+            <a:pPr marL="36900" indent="0" algn="ctr">
+              <a:buNone/>
+            </a:pPr>
+            <a:r>
+              <a:rPr lang="en-AU" dirty="0">
+                <a:latin typeface="Arial" panose="020B0604020202020204" pitchFamily="34" charset="0"/>
+                <a:cs typeface="Arial" panose="020B0604020202020204" pitchFamily="34" charset="0"/>
+              </a:rPr>
+              <a:t>WARNING</a:t>
+            </a:r>
+          </a:p>
+          <a:p>
+            <a:pPr marL="36900" indent="0" algn="ctr">
+              <a:buNone/>
+            </a:pPr>
+            <a:endParaRPr lang="en-AU" sz="2400" dirty="0">
+              <a:latin typeface="Arial" panose="020B0604020202020204" pitchFamily="34" charset="0"/>
+              <a:cs typeface="Arial" panose="020B0604020202020204" pitchFamily="34" charset="0"/>
+            </a:endParaRPr>
+          </a:p>
+          <a:p>
+            <a:pPr marL="36900" indent="0">
+              <a:buNone/>
+            </a:pPr>
+            <a:r>
+              <a:rPr lang="en-AU" sz="2400" dirty="0">
+                <a:latin typeface="Arial" panose="020B0604020202020204" pitchFamily="34" charset="0"/>
+                <a:cs typeface="Arial" panose="020B0604020202020204" pitchFamily="34" charset="0"/>
+              </a:rPr>
+              <a:t>Materials in this unit (CITS2401 – Computer Analysis and Visualisation) have been reproduced and communicated to you by or on behalf of The University of Western Australia pursuant to Part VB of the </a:t>
+            </a:r>
+            <a:r>
+              <a:rPr lang="en-AU" sz="2400" i="1" dirty="0">
+                <a:latin typeface="Arial" panose="020B0604020202020204" pitchFamily="34" charset="0"/>
+                <a:cs typeface="Arial" panose="020B0604020202020204" pitchFamily="34" charset="0"/>
+              </a:rPr>
+              <a:t>Copyright Act</a:t>
+            </a:r>
+            <a:r>
+              <a:rPr lang="en-AU" sz="2400" dirty="0">
+                <a:latin typeface="Arial" panose="020B0604020202020204" pitchFamily="34" charset="0"/>
+                <a:cs typeface="Arial" panose="020B0604020202020204" pitchFamily="34" charset="0"/>
+              </a:rPr>
+              <a:t>1968 (</a:t>
+            </a:r>
+            <a:r>
+              <a:rPr lang="en-AU" sz="2400" b="1" dirty="0">
+                <a:latin typeface="Arial" panose="020B0604020202020204" pitchFamily="34" charset="0"/>
+                <a:cs typeface="Arial" panose="020B0604020202020204" pitchFamily="34" charset="0"/>
+              </a:rPr>
+              <a:t>the Act</a:t>
+            </a:r>
+            <a:r>
+              <a:rPr lang="en-AU" sz="2400" dirty="0">
+                <a:latin typeface="Arial" panose="020B0604020202020204" pitchFamily="34" charset="0"/>
+                <a:cs typeface="Arial" panose="020B0604020202020204" pitchFamily="34" charset="0"/>
+              </a:rPr>
+              <a:t>).</a:t>
+            </a:r>
+          </a:p>
+          <a:p>
+            <a:pPr marL="36900" indent="0">
+              <a:buNone/>
+            </a:pPr>
+            <a:endParaRPr lang="en-AU" sz="2400" dirty="0">
+              <a:latin typeface="Arial" panose="020B0604020202020204" pitchFamily="34" charset="0"/>
+              <a:cs typeface="Arial" panose="020B0604020202020204" pitchFamily="34" charset="0"/>
+            </a:endParaRPr>
+          </a:p>
+          <a:p>
+            <a:pPr marL="36900" indent="0">
+              <a:buNone/>
+            </a:pPr>
+            <a:r>
+              <a:rPr lang="en-AU" sz="2400" dirty="0">
+                <a:latin typeface="Arial" panose="020B0604020202020204" pitchFamily="34" charset="0"/>
+                <a:cs typeface="Arial" panose="020B0604020202020204" pitchFamily="34" charset="0"/>
+              </a:rPr>
+              <a:t>The material in this communication may be subject to copyright under the Act. Any further reproduction or communication of this material by you may be the subject of copyright protection under the Act.</a:t>
+            </a:r>
+          </a:p>
+          <a:p>
+            <a:pPr marL="36900" indent="0">
+              <a:buNone/>
+            </a:pPr>
+            <a:endParaRPr lang="en-AU" dirty="0"/>
           </a:p>
         </p:txBody>
       </p:sp>
     </p:spTree>
     <p:extLst>
       <p:ext uri="{BB962C8B-B14F-4D97-AF65-F5344CB8AC3E}">
-        <p14:creationId xmlns:p14="http://schemas.microsoft.com/office/powerpoint/2010/main" val="2972598590"/>
+        <p14:creationId xmlns:p14="http://schemas.microsoft.com/office/powerpoint/2010/main" val="2307588266"/>
       </p:ext>
     </p:extLst>
   </p:cSld>
@@ -11105,14 +13372,6 @@
 <file path=ppt/slides/slide3.xml><?xml version="1.0" encoding="utf-8"?>
 <p:sld xmlns:a="http://schemas.openxmlformats.org/drawingml/2006/main" xmlns:r="http://schemas.openxmlformats.org/officeDocument/2006/relationships" xmlns:p="http://schemas.openxmlformats.org/presentationml/2006/main">
   <p:cSld>
-    <p:bg>
-      <p:bgPr>
-        <a:solidFill>
-          <a:schemeClr val="bg1"/>
-        </a:solidFill>
-        <a:effectLst/>
-      </p:bgPr>
-    </p:bg>
     <p:spTree>
       <p:nvGrpSpPr>
         <p:cNvPr id="1" name=""/>
@@ -11129,70 +13388,38 @@
       </p:grpSpPr>
       <p:sp>
         <p:nvSpPr>
-          <p:cNvPr id="9" name="Rectangle 8">
+          <p:cNvPr id="2" name="Title 1">
             <a:extLst>
               <a:ext uri="{FF2B5EF4-FFF2-40B4-BE49-F238E27FC236}">
-                <a16:creationId xmlns:a16="http://schemas.microsoft.com/office/drawing/2014/main" id="{5BAB7C38-AF9A-43A2-9B1C-F1DEBC80BC7B}"/>
-              </a:ext>
-              <a:ext uri="{C183D7F6-B498-43B3-948B-1728B52AA6E4}">
-                <adec:decorative xmlns:adec="http://schemas.microsoft.com/office/drawing/2017/decorative" val="1"/>
+                <a16:creationId xmlns:a16="http://schemas.microsoft.com/office/drawing/2014/main" id="{5C4F01C5-5333-2248-B03B-703C97F7CC69}"/>
               </a:ext>
             </a:extLst>
           </p:cNvPr>
           <p:cNvSpPr>
-            <a:spLocks noGrp="1" noRot="1" noChangeAspect="1" noMove="1" noResize="1" noEditPoints="1" noAdjustHandles="1" noChangeArrowheads="1" noChangeShapeType="1" noTextEdit="1"/>
-          </p:cNvSpPr>
-          <p:nvPr>
-            <p:extLst>
-              <p:ext uri="{386F3935-93C4-4BCD-93E2-E3B085C9AB24}">
-                <p16:designElem xmlns:p16="http://schemas.microsoft.com/office/powerpoint/2015/main" val="1"/>
-              </p:ext>
-            </p:extLst>
-          </p:nvPr>
-        </p:nvSpPr>
-        <p:spPr>
-          <a:xfrm>
-            <a:off x="0" y="0"/>
-            <a:ext cx="12186676" cy="2108723"/>
-          </a:xfrm>
-          <a:prstGeom prst="rect">
-            <a:avLst/>
-          </a:prstGeom>
-          <a:ln>
-            <a:noFill/>
-          </a:ln>
-        </p:spPr>
-        <p:style>
-          <a:lnRef idx="2">
-            <a:schemeClr val="accent1">
-              <a:shade val="50000"/>
-            </a:schemeClr>
-          </a:lnRef>
-          <a:fillRef idx="1003">
-            <a:schemeClr val="dk1"/>
-          </a:fillRef>
-          <a:effectRef idx="0">
-            <a:schemeClr val="accent1"/>
-          </a:effectRef>
-          <a:fontRef idx="minor">
-            <a:schemeClr val="lt1"/>
-          </a:fontRef>
-        </p:style>
-        <p:txBody>
-          <a:bodyPr rtlCol="0" anchor="ctr"/>
+            <a:spLocks noGrp="1"/>
+          </p:cNvSpPr>
+          <p:nvPr>
+            <p:ph type="title"/>
+          </p:nvPr>
+        </p:nvSpPr>
+        <p:spPr/>
+        <p:txBody>
+          <a:bodyPr/>
           <a:lstStyle/>
           <a:p>
-            <a:pPr algn="ctr"/>
-            <a:endParaRPr lang="en-US"/>
-          </a:p>
-        </p:txBody>
-      </p:sp>
-      <p:sp>
-        <p:nvSpPr>
-          <p:cNvPr id="2" name="Title 1">
+            <a:r>
+              <a:rPr lang="en-AU" dirty="0"/>
+              <a:t>Pre-Requisites and Target Audience</a:t>
+            </a:r>
+          </a:p>
+        </p:txBody>
+      </p:sp>
+      <p:sp>
+        <p:nvSpPr>
+          <p:cNvPr id="3" name="Content Placeholder 2">
             <a:extLst>
               <a:ext uri="{FF2B5EF4-FFF2-40B4-BE49-F238E27FC236}">
-                <a16:creationId xmlns:a16="http://schemas.microsoft.com/office/drawing/2014/main" id="{8D0C49C1-730C-F94A-AE4C-BE3A366F79A1}"/>
+                <a16:creationId xmlns:a16="http://schemas.microsoft.com/office/drawing/2014/main" id="{F7DD7DCB-C7E2-1B4F-BD83-3B7AF005DD76}"/>
               </a:ext>
             </a:extLst>
           </p:cNvPr>
@@ -11200,13 +13427,13 @@
             <a:spLocks noGrp="1"/>
           </p:cNvSpPr>
           <p:nvPr>
-            <p:ph type="title"/>
+            <p:ph idx="1"/>
           </p:nvPr>
         </p:nvSpPr>
         <p:spPr>
           <a:xfrm>
-            <a:off x="913795" y="609600"/>
-            <a:ext cx="10353762" cy="1257300"/>
+            <a:off x="913795" y="2076450"/>
+            <a:ext cx="10353762" cy="4396539"/>
           </a:xfrm>
         </p:spPr>
         <p:txBody>
@@ -11217,106 +13444,95 @@
           <a:p>
             <a:r>
               <a:rPr lang="en-AU" dirty="0">
-                <a:solidFill>
-                  <a:srgbClr val="FFFFFF"/>
-                </a:solidFill>
-              </a:rPr>
-              <a:t>3 Things</a:t>
-            </a:r>
-          </a:p>
-        </p:txBody>
-      </p:sp>
-      <p:pic>
-        <p:nvPicPr>
-          <p:cNvPr id="11" name="Picture 10">
-            <a:extLst>
-              <a:ext uri="{FF2B5EF4-FFF2-40B4-BE49-F238E27FC236}">
-                <a16:creationId xmlns:a16="http://schemas.microsoft.com/office/drawing/2014/main" id="{A8D526D7-C782-4F65-A21F-A6B40D869B47}"/>
-              </a:ext>
-              <a:ext uri="{C183D7F6-B498-43B3-948B-1728B52AA6E4}">
-                <adec:decorative xmlns:adec="http://schemas.microsoft.com/office/drawing/2017/decorative" val="1"/>
-              </a:ext>
-            </a:extLst>
-          </p:cNvPr>
-          <p:cNvPicPr preferRelativeResize="0">
-            <a:picLocks noGrp="1" noRot="1" noChangeAspect="1" noMove="1" noResize="1" noEditPoints="1" noAdjustHandles="1" noChangeArrowheads="1" noChangeShapeType="1" noCrop="1"/>
-          </p:cNvPicPr>
-          <p:nvPr>
-            <p:extLst>
-              <p:ext uri="{386F3935-93C4-4BCD-93E2-E3B085C9AB24}">
-                <p16:designElem xmlns:p16="http://schemas.microsoft.com/office/powerpoint/2015/main" val="1"/>
-              </p:ext>
-            </p:extLst>
-          </p:nvPr>
-        </p:nvPicPr>
-        <p:blipFill rotWithShape="1">
-          <a:blip r:embed="rId2">
-            <a:extLst>
-              <a:ext uri="{28A0092B-C50C-407E-A947-70E740481C1C}">
-                <a14:useLocalDpi xmlns:a14="http://schemas.microsoft.com/office/drawing/2010/main" val="0"/>
-              </a:ext>
-            </a:extLst>
-          </a:blip>
-          <a:srcRect l="798" t="2669" r="616"/>
-          <a:stretch/>
-        </p:blipFill>
-        <p:spPr>
-          <a:xfrm>
-            <a:off x="-5325" y="2049331"/>
-            <a:ext cx="12192001" cy="4808669"/>
-          </a:xfrm>
-          <a:prstGeom prst="rect">
-            <a:avLst/>
-          </a:prstGeom>
-          <a:effectLst>
-            <a:innerShdw blurRad="63500" dist="50800" dir="16200000">
-              <a:prstClr val="black">
-                <a:alpha val="50000"/>
-              </a:prstClr>
-            </a:innerShdw>
-          </a:effectLst>
-        </p:spPr>
-      </p:pic>
-      <p:graphicFrame>
-        <p:nvGraphicFramePr>
-          <p:cNvPr id="5" name="Content Placeholder 2">
-            <a:extLst>
-              <a:ext uri="{FF2B5EF4-FFF2-40B4-BE49-F238E27FC236}">
-                <a16:creationId xmlns:a16="http://schemas.microsoft.com/office/drawing/2014/main" id="{2B81B40E-1876-4B42-AF04-04C3FC3951A0}"/>
-              </a:ext>
-            </a:extLst>
-          </p:cNvPr>
-          <p:cNvGraphicFramePr>
-            <a:graphicFrameLocks noGrp="1"/>
-          </p:cNvGraphicFramePr>
-          <p:nvPr>
-            <p:ph idx="1"/>
-            <p:extLst>
-              <p:ext uri="{D42A27DB-BD31-4B8C-83A1-F6EECF244321}">
-                <p14:modId xmlns:p14="http://schemas.microsoft.com/office/powerpoint/2010/main" val="2309335205"/>
-              </p:ext>
-            </p:extLst>
-          </p:nvPr>
-        </p:nvGraphicFramePr>
-        <p:xfrm>
-          <a:off x="914400" y="2647784"/>
-          <a:ext cx="10353675" cy="3143416"/>
-        </p:xfrm>
-        <a:graphic>
-          <a:graphicData uri="http://schemas.openxmlformats.org/drawingml/2006/diagram">
-            <dgm:relIds xmlns:dgm="http://schemas.openxmlformats.org/drawingml/2006/diagram" xmlns:r="http://schemas.openxmlformats.org/officeDocument/2006/relationships" r:dm="rId3" r:lo="rId4" r:qs="rId5" r:cs="rId6"/>
-          </a:graphicData>
-        </a:graphic>
-      </p:graphicFrame>
+                <a:latin typeface="Arial" panose="020B0604020202020204" pitchFamily="34" charset="0"/>
+                <a:cs typeface="Arial" panose="020B0604020202020204" pitchFamily="34" charset="0"/>
+              </a:rPr>
+              <a:t>There are hundreds of students enrolled in the unit from diverse backgrounds</a:t>
+            </a:r>
+          </a:p>
+          <a:p>
+            <a:r>
+              <a:rPr lang="en-AU" dirty="0">
+                <a:latin typeface="Arial" panose="020B0604020202020204" pitchFamily="34" charset="0"/>
+                <a:cs typeface="Arial" panose="020B0604020202020204" pitchFamily="34" charset="0"/>
+              </a:rPr>
+              <a:t>There will be minimal coding (unless you want to do more) in this unit and no assumption of prior knowledge in computer science or mathematics</a:t>
+            </a:r>
+          </a:p>
+          <a:p>
+            <a:r>
+              <a:rPr lang="en-AU" dirty="0">
+                <a:latin typeface="Arial" panose="020B0604020202020204" pitchFamily="34" charset="0"/>
+                <a:cs typeface="Arial" panose="020B0604020202020204" pitchFamily="34" charset="0"/>
+              </a:rPr>
+              <a:t>This is an introductory course and so suitable for anyone wishing to familiarise themselves with the terms, concepts and practical aspects of Cybersecurity</a:t>
+            </a:r>
+          </a:p>
+          <a:p>
+            <a:r>
+              <a:rPr lang="en-AU" dirty="0">
+                <a:latin typeface="Arial" panose="020B0604020202020204" pitchFamily="34" charset="0"/>
+                <a:cs typeface="Arial" panose="020B0604020202020204" pitchFamily="34" charset="0"/>
+              </a:rPr>
+              <a:t>The course is based on </a:t>
+            </a:r>
+            <a:r>
+              <a:rPr lang="en-AU" dirty="0" err="1">
+                <a:latin typeface="Arial" panose="020B0604020202020204" pitchFamily="34" charset="0"/>
+                <a:cs typeface="Arial" panose="020B0604020202020204" pitchFamily="34" charset="0"/>
+              </a:rPr>
+              <a:t>CyBOK</a:t>
+            </a:r>
+            <a:r>
+              <a:rPr lang="en-AU" dirty="0">
+                <a:latin typeface="Arial" panose="020B0604020202020204" pitchFamily="34" charset="0"/>
+                <a:cs typeface="Arial" panose="020B0604020202020204" pitchFamily="34" charset="0"/>
+              </a:rPr>
+              <a:t> - the Cybersecurity Book of Knowledge project (</a:t>
+            </a:r>
+            <a:r>
+              <a:rPr lang="en-AU" dirty="0">
+                <a:latin typeface="Arial" panose="020B0604020202020204" pitchFamily="34" charset="0"/>
+                <a:cs typeface="Arial" panose="020B0604020202020204" pitchFamily="34" charset="0"/>
+                <a:hlinkClick r:id="rId2"/>
+              </a:rPr>
+              <a:t>https://www.cybok.org/</a:t>
+            </a:r>
+            <a:r>
+              <a:rPr lang="en-AU" dirty="0">
+                <a:latin typeface="Arial" panose="020B0604020202020204" pitchFamily="34" charset="0"/>
+                <a:cs typeface="Arial" panose="020B0604020202020204" pitchFamily="34" charset="0"/>
+              </a:rPr>
+              <a:t>) and some elements of CISSP (Certified Information Systems Security Professional) from ISC</a:t>
+            </a:r>
+            <a:r>
+              <a:rPr lang="en-AU" baseline="30000" dirty="0">
+                <a:latin typeface="Arial" panose="020B0604020202020204" pitchFamily="34" charset="0"/>
+                <a:cs typeface="Arial" panose="020B0604020202020204" pitchFamily="34" charset="0"/>
+              </a:rPr>
+              <a:t>2</a:t>
+            </a:r>
+          </a:p>
+          <a:p>
+            <a:pPr marL="36900" indent="0">
+              <a:buNone/>
+            </a:pPr>
+            <a:endParaRPr lang="en-AU" dirty="0">
+              <a:latin typeface="Arial" panose="020B0604020202020204" pitchFamily="34" charset="0"/>
+              <a:cs typeface="Arial" panose="020B0604020202020204" pitchFamily="34" charset="0"/>
+            </a:endParaRPr>
+          </a:p>
+        </p:txBody>
+      </p:sp>
     </p:spTree>
     <p:extLst>
       <p:ext uri="{BB962C8B-B14F-4D97-AF65-F5344CB8AC3E}">
-        <p14:creationId xmlns:p14="http://schemas.microsoft.com/office/powerpoint/2010/main" val="1128614340"/>
+        <p14:creationId xmlns:p14="http://schemas.microsoft.com/office/powerpoint/2010/main" val="3503711615"/>
       </p:ext>
     </p:extLst>
   </p:cSld>
   <p:clrMapOvr>
-    <a:overrideClrMapping bg1="lt1" tx1="dk1" bg2="lt2" tx2="dk2" accent1="accent1" accent2="accent2" accent3="accent3" accent4="accent4" accent5="accent5" accent6="accent6" hlink="hlink" folHlink="folHlink"/>
+    <a:masterClrMapping/>
   </p:clrMapOvr>
 </p:sld>
 </file>
@@ -11340,13 +13556,7 @@
       </p:grpSpPr>
       <p:sp>
         <p:nvSpPr>
-          <p:cNvPr id="2" name="Title 1">
-            <a:extLst>
-              <a:ext uri="{FF2B5EF4-FFF2-40B4-BE49-F238E27FC236}">
-                <a16:creationId xmlns:a16="http://schemas.microsoft.com/office/drawing/2014/main" id="{5C4F01C5-5333-2248-B03B-703C97F7CC69}"/>
-              </a:ext>
-            </a:extLst>
-          </p:cNvPr>
+          <p:cNvPr id="2" name="Title 1"/>
           <p:cNvSpPr>
             <a:spLocks noGrp="1"/>
           </p:cNvSpPr>
@@ -11360,21 +13570,15 @@
           <a:lstStyle/>
           <a:p>
             <a:r>
-              <a:rPr lang="en-AU" dirty="0"/>
-              <a:t>Pre-Requisites and Target Audience</a:t>
-            </a:r>
-          </a:p>
-        </p:txBody>
-      </p:sp>
-      <p:sp>
-        <p:nvSpPr>
-          <p:cNvPr id="3" name="Content Placeholder 2">
-            <a:extLst>
-              <a:ext uri="{FF2B5EF4-FFF2-40B4-BE49-F238E27FC236}">
-                <a16:creationId xmlns:a16="http://schemas.microsoft.com/office/drawing/2014/main" id="{F7DD7DCB-C7E2-1B4F-BD83-3B7AF005DD76}"/>
-              </a:ext>
-            </a:extLst>
-          </p:cNvPr>
+              <a:rPr lang="en-AU" sz="3200" b="1" dirty="0"/>
+              <a:t>Getting started</a:t>
+            </a:r>
+          </a:p>
+        </p:txBody>
+      </p:sp>
+      <p:sp>
+        <p:nvSpPr>
+          <p:cNvPr id="3" name="Content Placeholder 2"/>
           <p:cNvSpPr>
             <a:spLocks noGrp="1"/>
           </p:cNvSpPr>
@@ -11384,60 +13588,75 @@
         </p:nvSpPr>
         <p:spPr/>
         <p:txBody>
-          <a:bodyPr>
+          <a:bodyPr numCol="2">
             <a:normAutofit/>
           </a:bodyPr>
           <a:lstStyle/>
           <a:p>
             <a:r>
-              <a:rPr lang="en-AU" dirty="0"/>
-              <a:t>There are over 500 students enrolled in the unit from diverse backgrounds</a:t>
-            </a:r>
-          </a:p>
-          <a:p>
-            <a:r>
-              <a:rPr lang="en-AU" dirty="0"/>
-              <a:t>There will be no coding (unless you want to) in this unit and no assumption of prior knowledge in computer science or mathematics</a:t>
-            </a:r>
-          </a:p>
-          <a:p>
-            <a:r>
-              <a:rPr lang="en-AU" dirty="0"/>
-              <a:t>This is an introductory course and so suitable for anyone wishing to familiarise themselves with the terms, concepts and practical aspects of Cybersecurity</a:t>
-            </a:r>
-          </a:p>
-          <a:p>
-            <a:r>
-              <a:rPr lang="en-AU" dirty="0"/>
-              <a:t>The course is based on </a:t>
-            </a:r>
-            <a:r>
-              <a:rPr lang="en-AU" dirty="0" err="1"/>
-              <a:t>CyBOK</a:t>
-            </a:r>
-            <a:r>
-              <a:rPr lang="en-AU" dirty="0"/>
-              <a:t> - the Cybersecurity Book of Knowledge project (</a:t>
-            </a:r>
-            <a:r>
-              <a:rPr lang="en-AU" dirty="0">
-                <a:hlinkClick r:id="rId2"/>
-              </a:rPr>
-              <a:t>https://www.cybok.org/</a:t>
-            </a:r>
-            <a:r>
-              <a:rPr lang="en-AU" dirty="0"/>
-              <a:t>) and some elements of CISSP (Certified Information Systems Security Professional) from ISC</a:t>
-            </a:r>
-            <a:r>
-              <a:rPr lang="en-AU" baseline="30000" dirty="0"/>
-              <a:t>2</a:t>
-            </a:r>
-          </a:p>
-          <a:p>
-            <a:pPr marL="36900" indent="0">
-              <a:buNone/>
-            </a:pPr>
+              <a:rPr lang="en-AU" b="1" dirty="0"/>
+              <a:t>People</a:t>
+            </a:r>
+          </a:p>
+          <a:p>
+            <a:r>
+              <a:rPr lang="en-AU" b="1" dirty="0"/>
+              <a:t>Emergency</a:t>
+            </a:r>
+          </a:p>
+          <a:p>
+            <a:r>
+              <a:rPr lang="en-AU" b="1" dirty="0"/>
+              <a:t>Locations</a:t>
+            </a:r>
+          </a:p>
+          <a:p>
+            <a:r>
+              <a:rPr lang="en-AU" b="1" dirty="0"/>
+              <a:t>Topics</a:t>
+            </a:r>
+          </a:p>
+          <a:p>
+            <a:r>
+              <a:rPr lang="en-AU" b="1" dirty="0"/>
+              <a:t>Items of assessment</a:t>
+            </a:r>
+          </a:p>
+          <a:p>
+            <a:endParaRPr lang="en-AU" b="1" dirty="0"/>
+          </a:p>
+          <a:p>
+            <a:endParaRPr lang="en-AU" b="1" dirty="0"/>
+          </a:p>
+          <a:p>
+            <a:r>
+              <a:rPr lang="en-AU" b="1" dirty="0"/>
+              <a:t>Online resources</a:t>
+            </a:r>
+          </a:p>
+          <a:p>
+            <a:r>
+              <a:rPr lang="en-AU" b="1" dirty="0"/>
+              <a:t>FAQ</a:t>
+            </a:r>
+          </a:p>
+          <a:p>
+            <a:r>
+              <a:rPr lang="en-US" b="1" dirty="0"/>
+              <a:t>What is Cybersecurity?</a:t>
+            </a:r>
+          </a:p>
+          <a:p>
+            <a:r>
+              <a:rPr lang="en-US" b="1" dirty="0"/>
+              <a:t>Learning outcomes</a:t>
+            </a:r>
+          </a:p>
+          <a:p>
+            <a:r>
+              <a:rPr lang="en-US" b="1" dirty="0"/>
+              <a:t>Ethics</a:t>
+            </a:r>
             <a:endParaRPr lang="en-AU" dirty="0"/>
           </a:p>
         </p:txBody>
@@ -11445,7 +13664,7 @@
     </p:spTree>
     <p:extLst>
       <p:ext uri="{BB962C8B-B14F-4D97-AF65-F5344CB8AC3E}">
-        <p14:creationId xmlns:p14="http://schemas.microsoft.com/office/powerpoint/2010/main" val="1112541085"/>
+        <p14:creationId xmlns:p14="http://schemas.microsoft.com/office/powerpoint/2010/main" val="1786005080"/>
       </p:ext>
     </p:extLst>
   </p:cSld>
@@ -11477,7 +13696,7 @@
           <p:cNvPr id="2" name="Title 1">
             <a:extLst>
               <a:ext uri="{FF2B5EF4-FFF2-40B4-BE49-F238E27FC236}">
-                <a16:creationId xmlns:a16="http://schemas.microsoft.com/office/drawing/2014/main" id="{92B3B218-E6B7-E949-9413-DBDFA9A361B9}"/>
+                <a16:creationId xmlns:a16="http://schemas.microsoft.com/office/drawing/2014/main" id="{5C4F01C5-5333-2248-B03B-703C97F7CC69}"/>
               </a:ext>
             </a:extLst>
           </p:cNvPr>
@@ -11495,157 +13714,1546 @@
           <a:p>
             <a:r>
               <a:rPr lang="en-AU" dirty="0"/>
-              <a:t>Topics</a:t>
-            </a:r>
-          </a:p>
-        </p:txBody>
-      </p:sp>
-      <p:sp>
-        <p:nvSpPr>
-          <p:cNvPr id="3" name="Content Placeholder 2">
+              <a:t>People</a:t>
+            </a:r>
+          </a:p>
+        </p:txBody>
+      </p:sp>
+      <p:sp>
+        <p:nvSpPr>
+          <p:cNvPr id="6" name="Shape 75">
             <a:extLst>
               <a:ext uri="{FF2B5EF4-FFF2-40B4-BE49-F238E27FC236}">
-                <a16:creationId xmlns:a16="http://schemas.microsoft.com/office/drawing/2014/main" id="{13DB3674-2D4B-8645-8753-8E30E629B377}"/>
+                <a16:creationId xmlns:a16="http://schemas.microsoft.com/office/drawing/2014/main" id="{823E95F5-393A-43E7-9F14-C47021EF0545}"/>
               </a:ext>
             </a:extLst>
           </p:cNvPr>
-          <p:cNvSpPr>
-            <a:spLocks noGrp="1"/>
-          </p:cNvSpPr>
-          <p:nvPr>
-            <p:ph idx="1"/>
-          </p:nvPr>
-        </p:nvSpPr>
-        <p:spPr/>
-        <p:txBody>
-          <a:bodyPr>
-            <a:normAutofit fontScale="70000" lnSpcReduction="20000"/>
+          <p:cNvSpPr txBox="1"/>
+          <p:nvPr/>
+        </p:nvSpPr>
+        <p:spPr>
+          <a:xfrm>
+            <a:off x="3244480" y="1764366"/>
+            <a:ext cx="3472902" cy="5069456"/>
+          </a:xfrm>
+          <a:prstGeom prst="rect">
+            <a:avLst/>
+          </a:prstGeom>
+          <a:noFill/>
+          <a:ln>
+            <a:noFill/>
+          </a:ln>
+        </p:spPr>
+        <p:txBody>
+          <a:bodyPr lIns="91425" tIns="91425" rIns="91425" bIns="91425" anchor="t" anchorCtr="0">
+            <a:noAutofit/>
           </a:bodyPr>
           <a:lstStyle/>
           <a:p>
-            <a:pPr marL="494100" indent="-457200">
-              <a:buFont typeface="+mj-lt"/>
-              <a:buAutoNum type="arabicPeriod"/>
+            <a:pPr lvl="0">
+              <a:spcBef>
+                <a:spcPts val="0"/>
+              </a:spcBef>
+              <a:buClr>
+                <a:schemeClr val="dk1"/>
+              </a:buClr>
+              <a:buSzPct val="61111"/>
+              <a:buFont typeface="Arial"/>
+              <a:buNone/>
             </a:pPr>
             <a:r>
-              <a:rPr lang="en-AU" dirty="0"/>
-              <a:t>Introduction to overall definitions and concepts of information security, the AIC triad, vulnerabilities, threats and risk</a:t>
-            </a:r>
-          </a:p>
-          <a:p>
-            <a:pPr marL="494100" indent="-457200">
-              <a:buFont typeface="+mj-lt"/>
-              <a:buAutoNum type="arabicPeriod"/>
+              <a:rPr lang="en-US" sz="1400" dirty="0">
+                <a:latin typeface="Times New Roman"/>
+                <a:ea typeface="Times New Roman"/>
+                <a:cs typeface="Times New Roman"/>
+                <a:sym typeface="Times New Roman"/>
+              </a:rPr>
+              <a:t>Jin Hong</a:t>
+            </a:r>
+          </a:p>
+          <a:p>
+            <a:pPr lvl="0">
+              <a:spcBef>
+                <a:spcPts val="0"/>
+              </a:spcBef>
+              <a:buClr>
+                <a:schemeClr val="dk1"/>
+              </a:buClr>
+              <a:buSzPct val="61111"/>
+              <a:buFont typeface="Arial"/>
+              <a:buNone/>
             </a:pPr>
             <a:r>
-              <a:rPr lang="en-AU" dirty="0"/>
-              <a:t>Cryptography: codes and ciphers</a:t>
-            </a:r>
-          </a:p>
-          <a:p>
-            <a:pPr marL="494100" indent="-457200">
-              <a:buFont typeface="+mj-lt"/>
-              <a:buAutoNum type="arabicPeriod"/>
+              <a:rPr lang="en-US" sz="1400" dirty="0">
+                <a:latin typeface="Times New Roman"/>
+                <a:ea typeface="Times New Roman"/>
+                <a:cs typeface="Times New Roman"/>
+                <a:sym typeface="Times New Roman"/>
+              </a:rPr>
+              <a:t>Unit coordinator</a:t>
+            </a:r>
+          </a:p>
+          <a:p>
+            <a:pPr lvl="0">
+              <a:spcBef>
+                <a:spcPts val="0"/>
+              </a:spcBef>
+              <a:buClr>
+                <a:schemeClr val="dk1"/>
+              </a:buClr>
+              <a:buSzPct val="61111"/>
+              <a:buFont typeface="Arial"/>
+              <a:buNone/>
             </a:pPr>
             <a:r>
-              <a:rPr lang="en-AU" dirty="0"/>
-              <a:t>Computers and Networks</a:t>
-            </a:r>
-          </a:p>
-          <a:p>
-            <a:pPr marL="494100" indent="-457200">
-              <a:buFont typeface="+mj-lt"/>
-              <a:buAutoNum type="arabicPeriod"/>
+              <a:rPr lang="en-US" sz="1400" dirty="0">
+                <a:latin typeface="Times New Roman"/>
+                <a:ea typeface="Times New Roman"/>
+                <a:cs typeface="Times New Roman"/>
+                <a:sym typeface="Times New Roman"/>
+              </a:rPr>
+              <a:t>Room 1.10</a:t>
+            </a:r>
+          </a:p>
+          <a:p>
+            <a:pPr lvl="0">
+              <a:spcBef>
+                <a:spcPts val="0"/>
+              </a:spcBef>
+              <a:buClr>
+                <a:schemeClr val="dk1"/>
+              </a:buClr>
+              <a:buFont typeface="Arial"/>
+              <a:buNone/>
             </a:pPr>
             <a:r>
-              <a:rPr lang="en-AU" dirty="0"/>
-              <a:t>Threats</a:t>
-            </a:r>
-          </a:p>
-          <a:p>
-            <a:pPr marL="494100" indent="-457200">
-              <a:buFont typeface="+mj-lt"/>
-              <a:buAutoNum type="arabicPeriod"/>
+              <a:rPr lang="en-US" sz="1400" dirty="0">
+                <a:solidFill>
+                  <a:schemeClr val="dk1"/>
+                </a:solidFill>
+                <a:latin typeface="Times New Roman"/>
+                <a:ea typeface="Times New Roman"/>
+                <a:cs typeface="Times New Roman"/>
+                <a:sym typeface="Times New Roman"/>
+                <a:hlinkClick r:id="rId2"/>
+              </a:rPr>
+              <a:t>jin.hong@uwa.edu.au</a:t>
+            </a:r>
+            <a:endParaRPr lang="en-US" sz="1400" dirty="0">
+              <a:solidFill>
+                <a:schemeClr val="dk1"/>
+              </a:solidFill>
+              <a:latin typeface="Times New Roman"/>
+              <a:ea typeface="Times New Roman"/>
+              <a:cs typeface="Times New Roman"/>
+              <a:sym typeface="Times New Roman"/>
+            </a:endParaRPr>
+          </a:p>
+          <a:p>
+            <a:pPr lvl="0">
+              <a:spcBef>
+                <a:spcPts val="0"/>
+              </a:spcBef>
+              <a:buClr>
+                <a:schemeClr val="dk1"/>
+              </a:buClr>
+              <a:buFont typeface="Arial"/>
+              <a:buNone/>
             </a:pPr>
-            <a:r>
-              <a:rPr lang="en-AU" dirty="0"/>
-              <a:t>Vulnerabilities</a:t>
-            </a:r>
-          </a:p>
-          <a:p>
-            <a:pPr marL="494100" indent="-457200">
-              <a:buFont typeface="+mj-lt"/>
-              <a:buAutoNum type="arabicPeriod"/>
+            <a:endParaRPr lang="en-US" sz="1400" dirty="0">
+              <a:solidFill>
+                <a:schemeClr val="dk1"/>
+              </a:solidFill>
+              <a:latin typeface="Times New Roman"/>
+              <a:ea typeface="Times New Roman"/>
+              <a:cs typeface="Times New Roman"/>
+              <a:sym typeface="Times New Roman"/>
+            </a:endParaRPr>
+          </a:p>
+          <a:p>
+            <a:pPr lvl="0">
+              <a:spcBef>
+                <a:spcPts val="0"/>
+              </a:spcBef>
+              <a:buClr>
+                <a:schemeClr val="dk1"/>
+              </a:buClr>
+              <a:buFont typeface="Arial"/>
+              <a:buNone/>
             </a:pPr>
-            <a:r>
-              <a:rPr lang="en-AU" dirty="0"/>
-              <a:t>Security management</a:t>
-            </a:r>
-          </a:p>
-          <a:p>
-            <a:pPr marL="494100" indent="-457200">
-              <a:buFont typeface="+mj-lt"/>
-              <a:buAutoNum type="arabicPeriod"/>
+            <a:endParaRPr sz="1400" dirty="0">
+              <a:latin typeface="Times New Roman"/>
+              <a:ea typeface="Times New Roman"/>
+              <a:cs typeface="Times New Roman"/>
+              <a:sym typeface="Times New Roman"/>
+            </a:endParaRPr>
+          </a:p>
+          <a:p>
+            <a:pPr lvl="0">
+              <a:spcBef>
+                <a:spcPts val="0"/>
+              </a:spcBef>
+              <a:buClr>
+                <a:schemeClr val="dk1"/>
+              </a:buClr>
+              <a:buSzPct val="61111"/>
+              <a:buFont typeface="Arial"/>
+              <a:buNone/>
             </a:pPr>
             <a:r>
-              <a:rPr lang="en-AU" dirty="0"/>
-              <a:t>Incidents</a:t>
-            </a:r>
-          </a:p>
-          <a:p>
-            <a:pPr marL="494100" indent="-457200">
-              <a:buFont typeface="+mj-lt"/>
-              <a:buAutoNum type="arabicPeriod"/>
+              <a:rPr lang="en-US" sz="1400" dirty="0">
+                <a:latin typeface="Times New Roman"/>
+                <a:ea typeface="Times New Roman"/>
+                <a:cs typeface="Times New Roman"/>
+                <a:sym typeface="Times New Roman"/>
+              </a:rPr>
+              <a:t>Larry Huynh</a:t>
+            </a:r>
+          </a:p>
+          <a:p>
+            <a:pPr lvl="0">
+              <a:spcBef>
+                <a:spcPts val="0"/>
+              </a:spcBef>
+              <a:buClr>
+                <a:schemeClr val="dk1"/>
+              </a:buClr>
+              <a:buSzPct val="61111"/>
+              <a:buFont typeface="Arial"/>
+              <a:buNone/>
             </a:pPr>
             <a:r>
-              <a:rPr lang="en-AU" dirty="0"/>
-              <a:t>Forensics</a:t>
-            </a:r>
-          </a:p>
-          <a:p>
-            <a:pPr marL="494100" indent="-457200">
-              <a:buFont typeface="+mj-lt"/>
-              <a:buAutoNum type="arabicPeriod"/>
+              <a:rPr lang="en-US" sz="1400" dirty="0">
+                <a:latin typeface="Times New Roman"/>
+                <a:ea typeface="Times New Roman"/>
+                <a:cs typeface="Times New Roman"/>
+                <a:sym typeface="Times New Roman"/>
+              </a:rPr>
+              <a:t>Assistant Lecturer</a:t>
+            </a:r>
+          </a:p>
+          <a:p>
+            <a:pPr lvl="0">
+              <a:spcBef>
+                <a:spcPts val="0"/>
+              </a:spcBef>
+              <a:buClr>
+                <a:schemeClr val="dk1"/>
+              </a:buClr>
+              <a:buSzPct val="61111"/>
+              <a:buFont typeface="Arial"/>
+              <a:buNone/>
             </a:pPr>
             <a:r>
-              <a:rPr lang="en-AU" dirty="0"/>
-              <a:t>Critical Infrastructure and </a:t>
-            </a:r>
-            <a:r>
-              <a:rPr lang="en-AU" dirty="0" err="1"/>
-              <a:t>Cyberphysical</a:t>
-            </a:r>
-            <a:r>
-              <a:rPr lang="en-AU" dirty="0"/>
-              <a:t> systems</a:t>
-            </a:r>
-          </a:p>
-          <a:p>
-            <a:pPr marL="494100" indent="-457200">
-              <a:buFont typeface="+mj-lt"/>
-              <a:buAutoNum type="arabicPeriod"/>
+              <a:rPr lang="en-US" sz="1400" dirty="0">
+                <a:latin typeface="Times New Roman"/>
+                <a:ea typeface="Times New Roman"/>
+                <a:cs typeface="Times New Roman"/>
+                <a:sym typeface="Times New Roman"/>
+              </a:rPr>
+              <a:t>Room ???</a:t>
+            </a:r>
+          </a:p>
+          <a:p>
+            <a:pPr lvl="0">
+              <a:spcBef>
+                <a:spcPts val="0"/>
+              </a:spcBef>
+              <a:buClr>
+                <a:schemeClr val="dk1"/>
+              </a:buClr>
+              <a:buSzPct val="61111"/>
+              <a:buFont typeface="Arial"/>
+              <a:buNone/>
             </a:pPr>
             <a:r>
-              <a:rPr lang="en-AU" dirty="0"/>
-              <a:t>Cyber Law</a:t>
-            </a:r>
-          </a:p>
-          <a:p>
-            <a:pPr marL="494100" indent="-457200">
-              <a:buFont typeface="+mj-lt"/>
-              <a:buAutoNum type="arabicPeriod"/>
+              <a:rPr lang="en-US" sz="1400" dirty="0">
+                <a:latin typeface="Times New Roman"/>
+                <a:ea typeface="Times New Roman"/>
+                <a:cs typeface="Times New Roman"/>
+                <a:sym typeface="Times New Roman"/>
+                <a:hlinkClick r:id="rId3"/>
+              </a:rPr>
+              <a:t>larry.</a:t>
+            </a:r>
+            <a:r>
+              <a:rPr lang="en-US" sz="1400" dirty="0" err="1">
+                <a:latin typeface="Times New Roman"/>
+                <a:ea typeface="Times New Roman"/>
+                <a:cs typeface="Times New Roman"/>
+                <a:sym typeface="Times New Roman"/>
+                <a:hlinkClick r:id="rId3"/>
+              </a:rPr>
+              <a:t>huynh</a:t>
+            </a:r>
+            <a:r>
+              <a:rPr lang="en-US" sz="1400" dirty="0">
+                <a:latin typeface="Times New Roman"/>
+                <a:ea typeface="Times New Roman"/>
+                <a:cs typeface="Times New Roman"/>
+                <a:sym typeface="Times New Roman"/>
+                <a:hlinkClick r:id="rId3"/>
+              </a:rPr>
+              <a:t>@.uwa.edu.au</a:t>
+            </a:r>
+            <a:r>
+              <a:rPr lang="en-US" sz="1400" dirty="0">
+                <a:latin typeface="Times New Roman"/>
+                <a:ea typeface="Times New Roman"/>
+                <a:cs typeface="Times New Roman"/>
+                <a:sym typeface="Times New Roman"/>
+              </a:rPr>
+              <a:t> </a:t>
+            </a:r>
+          </a:p>
+          <a:p>
+            <a:pPr lvl="0">
+              <a:spcBef>
+                <a:spcPts val="0"/>
+              </a:spcBef>
+              <a:buClr>
+                <a:schemeClr val="dk1"/>
+              </a:buClr>
+              <a:buSzPct val="61111"/>
+              <a:buFont typeface="Arial"/>
+              <a:buNone/>
             </a:pPr>
-            <a:r>
-              <a:rPr lang="en-AU" dirty="0"/>
-              <a:t>AI and Cybersecurity</a:t>
-            </a:r>
-          </a:p>
-        </p:txBody>
-      </p:sp>
+            <a:endParaRPr lang="en-US" sz="1400" dirty="0">
+              <a:latin typeface="Times New Roman"/>
+              <a:ea typeface="Times New Roman"/>
+              <a:cs typeface="Times New Roman"/>
+              <a:sym typeface="Times New Roman"/>
+            </a:endParaRPr>
+          </a:p>
+          <a:p>
+            <a:pPr lvl="0">
+              <a:spcBef>
+                <a:spcPts val="0"/>
+              </a:spcBef>
+              <a:buClr>
+                <a:schemeClr val="dk1"/>
+              </a:buClr>
+              <a:buSzPct val="61111"/>
+              <a:buFont typeface="Arial"/>
+              <a:buNone/>
+            </a:pPr>
+            <a:endParaRPr lang="en-US" sz="1400" dirty="0">
+              <a:latin typeface="Times New Roman"/>
+              <a:ea typeface="Times New Roman"/>
+              <a:cs typeface="Times New Roman"/>
+              <a:sym typeface="Times New Roman"/>
+            </a:endParaRPr>
+          </a:p>
+          <a:p>
+            <a:pPr lvl="0">
+              <a:spcBef>
+                <a:spcPts val="0"/>
+              </a:spcBef>
+              <a:buClr>
+                <a:schemeClr val="dk1"/>
+              </a:buClr>
+              <a:buSzPct val="61111"/>
+              <a:buFont typeface="Arial"/>
+              <a:buNone/>
+            </a:pPr>
+            <a:r>
+              <a:rPr lang="en-AU" sz="1400" dirty="0">
+                <a:latin typeface="Times New Roman"/>
+                <a:ea typeface="Times New Roman"/>
+                <a:cs typeface="Times New Roman"/>
+                <a:sym typeface="Times New Roman"/>
+              </a:rPr>
+              <a:t>Avery Warddhana</a:t>
+            </a:r>
+          </a:p>
+          <a:p>
+            <a:pPr lvl="0">
+              <a:spcBef>
+                <a:spcPts val="0"/>
+              </a:spcBef>
+              <a:buClr>
+                <a:schemeClr val="dk1"/>
+              </a:buClr>
+              <a:buSzPct val="61111"/>
+              <a:buFont typeface="Arial"/>
+              <a:buNone/>
+            </a:pPr>
+            <a:r>
+              <a:rPr lang="en-US" sz="1400" dirty="0">
+                <a:latin typeface="Times New Roman"/>
+                <a:ea typeface="Times New Roman"/>
+                <a:cs typeface="Times New Roman"/>
+                <a:sym typeface="Times New Roman"/>
+              </a:rPr>
+              <a:t>Lab facilitator</a:t>
+            </a:r>
+          </a:p>
+          <a:p>
+            <a:pPr lvl="0">
+              <a:spcBef>
+                <a:spcPts val="0"/>
+              </a:spcBef>
+              <a:buClr>
+                <a:schemeClr val="dk1"/>
+              </a:buClr>
+              <a:buSzPct val="61111"/>
+              <a:buFont typeface="Arial"/>
+              <a:buNone/>
+            </a:pPr>
+            <a:r>
+              <a:rPr lang="en-AU" sz="1400" dirty="0">
+                <a:latin typeface="Times New Roman"/>
+                <a:ea typeface="Times New Roman"/>
+                <a:cs typeface="Times New Roman"/>
+                <a:sym typeface="Times New Roman"/>
+              </a:rPr>
+              <a:t>Room: ???</a:t>
+            </a:r>
+          </a:p>
+          <a:p>
+            <a:pPr lvl="0">
+              <a:spcBef>
+                <a:spcPts val="0"/>
+              </a:spcBef>
+              <a:buClr>
+                <a:schemeClr val="dk1"/>
+              </a:buClr>
+              <a:buSzPct val="61111"/>
+              <a:buFont typeface="Arial"/>
+              <a:buNone/>
+            </a:pPr>
+            <a:r>
+              <a:rPr lang="en-US" sz="1400" dirty="0">
+                <a:latin typeface="Times New Roman"/>
+                <a:ea typeface="Times New Roman"/>
+                <a:cs typeface="Times New Roman"/>
+                <a:sym typeface="Times New Roman"/>
+                <a:hlinkClick r:id="rId4"/>
+              </a:rPr>
+              <a:t>22984998@student.uwa.edu.au</a:t>
+            </a:r>
+            <a:r>
+              <a:rPr lang="en-US" sz="1400" dirty="0">
+                <a:latin typeface="Times New Roman"/>
+                <a:ea typeface="Times New Roman"/>
+                <a:cs typeface="Times New Roman"/>
+                <a:sym typeface="Times New Roman"/>
+              </a:rPr>
+              <a:t> </a:t>
+            </a:r>
+          </a:p>
+          <a:p>
+            <a:pPr lvl="0">
+              <a:spcBef>
+                <a:spcPts val="0"/>
+              </a:spcBef>
+              <a:buClr>
+                <a:schemeClr val="dk1"/>
+              </a:buClr>
+              <a:buSzPct val="61111"/>
+              <a:buFont typeface="Arial"/>
+              <a:buNone/>
+            </a:pPr>
+            <a:endParaRPr lang="en-US" sz="1400" dirty="0">
+              <a:latin typeface="Times New Roman"/>
+              <a:ea typeface="Times New Roman"/>
+              <a:cs typeface="Times New Roman"/>
+              <a:sym typeface="Times New Roman"/>
+            </a:endParaRPr>
+          </a:p>
+          <a:p>
+            <a:pPr lvl="0">
+              <a:spcBef>
+                <a:spcPts val="0"/>
+              </a:spcBef>
+              <a:buClr>
+                <a:schemeClr val="dk1"/>
+              </a:buClr>
+              <a:buSzPct val="61111"/>
+              <a:buFont typeface="Arial"/>
+              <a:buNone/>
+            </a:pPr>
+            <a:endParaRPr lang="en-US" sz="1400" dirty="0">
+              <a:latin typeface="Times New Roman"/>
+              <a:ea typeface="Times New Roman"/>
+              <a:cs typeface="Times New Roman"/>
+              <a:sym typeface="Times New Roman"/>
+            </a:endParaRPr>
+          </a:p>
+          <a:p>
+            <a:pPr lvl="0">
+              <a:spcBef>
+                <a:spcPts val="0"/>
+              </a:spcBef>
+              <a:buClr>
+                <a:schemeClr val="dk1"/>
+              </a:buClr>
+              <a:buSzPct val="61111"/>
+              <a:buFont typeface="Arial"/>
+              <a:buNone/>
+            </a:pPr>
+            <a:r>
+              <a:rPr lang="en-AU" sz="1400" dirty="0">
+                <a:latin typeface="Times New Roman"/>
+                <a:ea typeface="Times New Roman"/>
+                <a:cs typeface="Times New Roman"/>
+                <a:sym typeface="Times New Roman"/>
+              </a:rPr>
+              <a:t>Terra Tormey</a:t>
+            </a:r>
+          </a:p>
+          <a:p>
+            <a:pPr lvl="0">
+              <a:spcBef>
+                <a:spcPts val="0"/>
+              </a:spcBef>
+              <a:buClr>
+                <a:schemeClr val="dk1"/>
+              </a:buClr>
+              <a:buSzPct val="61111"/>
+              <a:buFont typeface="Arial"/>
+              <a:buNone/>
+            </a:pPr>
+            <a:r>
+              <a:rPr lang="en-AU" sz="1400" dirty="0">
+                <a:latin typeface="Times New Roman"/>
+                <a:ea typeface="Times New Roman"/>
+                <a:cs typeface="Times New Roman"/>
+                <a:sym typeface="Times New Roman"/>
+              </a:rPr>
+              <a:t>Lab facilitator</a:t>
+            </a:r>
+          </a:p>
+          <a:p>
+            <a:pPr lvl="0">
+              <a:spcBef>
+                <a:spcPts val="0"/>
+              </a:spcBef>
+              <a:buClr>
+                <a:schemeClr val="dk1"/>
+              </a:buClr>
+              <a:buSzPct val="61111"/>
+              <a:buFont typeface="Arial"/>
+              <a:buNone/>
+            </a:pPr>
+            <a:r>
+              <a:rPr lang="en-AU" sz="1400" dirty="0">
+                <a:latin typeface="Times New Roman"/>
+                <a:ea typeface="Times New Roman"/>
+                <a:cs typeface="Times New Roman"/>
+                <a:sym typeface="Times New Roman"/>
+              </a:rPr>
+              <a:t>Room: ???</a:t>
+            </a:r>
+          </a:p>
+          <a:p>
+            <a:pPr lvl="0">
+              <a:spcBef>
+                <a:spcPts val="0"/>
+              </a:spcBef>
+              <a:buClr>
+                <a:schemeClr val="dk1"/>
+              </a:buClr>
+              <a:buSzPct val="61111"/>
+              <a:buFont typeface="Arial"/>
+              <a:buNone/>
+            </a:pPr>
+            <a:r>
+              <a:rPr lang="en-US" sz="1400" dirty="0">
+                <a:latin typeface="Times New Roman"/>
+                <a:ea typeface="Times New Roman"/>
+                <a:cs typeface="Times New Roman"/>
+                <a:sym typeface="Times New Roman"/>
+                <a:hlinkClick r:id="rId5"/>
+              </a:rPr>
+              <a:t>21114519@student.uwa.edu.au</a:t>
+            </a:r>
+            <a:r>
+              <a:rPr lang="en-US" sz="1400" dirty="0">
+                <a:latin typeface="Times New Roman"/>
+                <a:ea typeface="Times New Roman"/>
+                <a:cs typeface="Times New Roman"/>
+                <a:sym typeface="Times New Roman"/>
+              </a:rPr>
+              <a:t>  </a:t>
+            </a:r>
+          </a:p>
+          <a:p>
+            <a:pPr lvl="0">
+              <a:spcBef>
+                <a:spcPts val="0"/>
+              </a:spcBef>
+              <a:buClr>
+                <a:schemeClr val="dk1"/>
+              </a:buClr>
+              <a:buFont typeface="Arial"/>
+              <a:buNone/>
+            </a:pPr>
+            <a:endParaRPr lang="en-AU" sz="1400" dirty="0">
+              <a:latin typeface="Times New Roman"/>
+              <a:ea typeface="Times New Roman"/>
+              <a:cs typeface="Times New Roman"/>
+              <a:sym typeface="Times New Roman"/>
+            </a:endParaRPr>
+          </a:p>
+          <a:p>
+            <a:pPr lvl="0">
+              <a:spcBef>
+                <a:spcPts val="0"/>
+              </a:spcBef>
+              <a:buClr>
+                <a:schemeClr val="dk1"/>
+              </a:buClr>
+              <a:buSzPct val="61111"/>
+              <a:buFont typeface="Arial"/>
+              <a:buNone/>
+            </a:pPr>
+            <a:endParaRPr lang="en-US" sz="1400" dirty="0">
+              <a:latin typeface="Times New Roman"/>
+              <a:ea typeface="Times New Roman"/>
+              <a:cs typeface="Times New Roman"/>
+              <a:sym typeface="Times New Roman"/>
+            </a:endParaRPr>
+          </a:p>
+          <a:p>
+            <a:pPr lvl="0">
+              <a:spcBef>
+                <a:spcPts val="0"/>
+              </a:spcBef>
+              <a:buClr>
+                <a:schemeClr val="dk1"/>
+              </a:buClr>
+              <a:buFont typeface="Arial"/>
+              <a:buNone/>
+            </a:pPr>
+            <a:endParaRPr sz="1400" dirty="0">
+              <a:latin typeface="Times New Roman"/>
+              <a:ea typeface="Times New Roman"/>
+              <a:cs typeface="Times New Roman"/>
+              <a:sym typeface="Times New Roman"/>
+            </a:endParaRPr>
+          </a:p>
+          <a:p>
+            <a:pPr lvl="0">
+              <a:spcBef>
+                <a:spcPts val="0"/>
+              </a:spcBef>
+              <a:buNone/>
+            </a:pPr>
+            <a:endParaRPr sz="1400" dirty="0"/>
+          </a:p>
+        </p:txBody>
+      </p:sp>
+      <p:sp>
+        <p:nvSpPr>
+          <p:cNvPr id="7" name="Shape 76">
+            <a:extLst>
+              <a:ext uri="{FF2B5EF4-FFF2-40B4-BE49-F238E27FC236}">
+                <a16:creationId xmlns:a16="http://schemas.microsoft.com/office/drawing/2014/main" id="{0B403A3E-5FF0-4752-8688-39CA304628D9}"/>
+              </a:ext>
+            </a:extLst>
+          </p:cNvPr>
+          <p:cNvSpPr txBox="1"/>
+          <p:nvPr/>
+        </p:nvSpPr>
+        <p:spPr>
+          <a:xfrm>
+            <a:off x="8052498" y="1764366"/>
+            <a:ext cx="2896838" cy="4925440"/>
+          </a:xfrm>
+          <a:prstGeom prst="rect">
+            <a:avLst/>
+          </a:prstGeom>
+          <a:noFill/>
+          <a:ln>
+            <a:noFill/>
+          </a:ln>
+        </p:spPr>
+        <p:txBody>
+          <a:bodyPr lIns="91425" tIns="91425" rIns="91425" bIns="91425" anchor="t" anchorCtr="0">
+            <a:noAutofit/>
+          </a:bodyPr>
+          <a:lstStyle/>
+          <a:p>
+            <a:pPr lvl="0">
+              <a:spcBef>
+                <a:spcPts val="0"/>
+              </a:spcBef>
+              <a:buClr>
+                <a:schemeClr val="dk1"/>
+              </a:buClr>
+              <a:buSzPct val="61111"/>
+              <a:buFont typeface="Arial"/>
+              <a:buNone/>
+            </a:pPr>
+            <a:r>
+              <a:rPr lang="en-US" sz="1400" dirty="0">
+                <a:latin typeface="Times New Roman"/>
+                <a:ea typeface="Times New Roman"/>
+                <a:cs typeface="Times New Roman"/>
+                <a:sym typeface="Times New Roman"/>
+              </a:rPr>
+              <a:t>Aliah Al-shabib</a:t>
+            </a:r>
+          </a:p>
+          <a:p>
+            <a:pPr lvl="0">
+              <a:spcBef>
+                <a:spcPts val="0"/>
+              </a:spcBef>
+              <a:buClr>
+                <a:schemeClr val="dk1"/>
+              </a:buClr>
+              <a:buSzPct val="61111"/>
+              <a:buFont typeface="Arial"/>
+              <a:buNone/>
+            </a:pPr>
+            <a:r>
+              <a:rPr lang="en-US" sz="1400" dirty="0">
+                <a:latin typeface="Times New Roman"/>
+                <a:ea typeface="Times New Roman"/>
+                <a:cs typeface="Times New Roman"/>
+                <a:sym typeface="Times New Roman"/>
+              </a:rPr>
+              <a:t>Lab facilitator</a:t>
+            </a:r>
+          </a:p>
+          <a:p>
+            <a:pPr lvl="0">
+              <a:spcBef>
+                <a:spcPts val="0"/>
+              </a:spcBef>
+              <a:buNone/>
+            </a:pPr>
+            <a:r>
+              <a:rPr lang="en-US" sz="1400" dirty="0">
+                <a:latin typeface="Times New Roman"/>
+                <a:ea typeface="Times New Roman"/>
+                <a:cs typeface="Times New Roman"/>
+                <a:sym typeface="Times New Roman"/>
+              </a:rPr>
+              <a:t>Room ???</a:t>
+            </a:r>
+          </a:p>
+          <a:p>
+            <a:pPr lvl="0">
+              <a:spcBef>
+                <a:spcPts val="0"/>
+              </a:spcBef>
+              <a:buClr>
+                <a:schemeClr val="dk1"/>
+              </a:buClr>
+              <a:buFont typeface="Arial"/>
+              <a:buNone/>
+            </a:pPr>
+            <a:r>
+              <a:rPr lang="en-US" sz="1400" dirty="0">
+                <a:latin typeface="Times New Roman"/>
+                <a:ea typeface="Times New Roman"/>
+                <a:cs typeface="Times New Roman"/>
+                <a:sym typeface="Times New Roman"/>
+                <a:hlinkClick r:id="rId6"/>
+              </a:rPr>
+              <a:t>23139394@student.uwa.edu.au</a:t>
+            </a:r>
+            <a:r>
+              <a:rPr lang="en-US" sz="1400" dirty="0">
+                <a:latin typeface="Times New Roman"/>
+                <a:ea typeface="Times New Roman"/>
+                <a:cs typeface="Times New Roman"/>
+                <a:sym typeface="Times New Roman"/>
+              </a:rPr>
+              <a:t>  </a:t>
+            </a:r>
+            <a:endParaRPr sz="1400" dirty="0">
+              <a:latin typeface="Times New Roman"/>
+              <a:ea typeface="Times New Roman"/>
+              <a:cs typeface="Times New Roman"/>
+              <a:sym typeface="Times New Roman"/>
+            </a:endParaRPr>
+          </a:p>
+          <a:p>
+            <a:pPr lvl="0">
+              <a:spcBef>
+                <a:spcPts val="0"/>
+              </a:spcBef>
+              <a:buNone/>
+            </a:pPr>
+            <a:endParaRPr lang="en-US" sz="1400" dirty="0">
+              <a:latin typeface="Times New Roman"/>
+              <a:ea typeface="Times New Roman"/>
+              <a:cs typeface="Times New Roman"/>
+              <a:sym typeface="Times New Roman"/>
+            </a:endParaRPr>
+          </a:p>
+          <a:p>
+            <a:pPr lvl="0">
+              <a:spcBef>
+                <a:spcPts val="0"/>
+              </a:spcBef>
+              <a:buNone/>
+            </a:pPr>
+            <a:endParaRPr sz="1400" dirty="0">
+              <a:latin typeface="Times New Roman"/>
+              <a:ea typeface="Times New Roman"/>
+              <a:cs typeface="Times New Roman"/>
+              <a:sym typeface="Times New Roman"/>
+            </a:endParaRPr>
+          </a:p>
+          <a:p>
+            <a:pPr lvl="0">
+              <a:spcBef>
+                <a:spcPts val="0"/>
+              </a:spcBef>
+              <a:buClr>
+                <a:schemeClr val="dk1"/>
+              </a:buClr>
+              <a:buSzPct val="61111"/>
+              <a:buFont typeface="Arial"/>
+              <a:buNone/>
+            </a:pPr>
+            <a:r>
+              <a:rPr lang="en-US" sz="1400" dirty="0">
+                <a:latin typeface="Times New Roman"/>
+                <a:ea typeface="Times New Roman"/>
+                <a:cs typeface="Times New Roman"/>
+                <a:sym typeface="Times New Roman"/>
+              </a:rPr>
+              <a:t>Emma Paterson</a:t>
+            </a:r>
+          </a:p>
+          <a:p>
+            <a:pPr lvl="0">
+              <a:spcBef>
+                <a:spcPts val="0"/>
+              </a:spcBef>
+              <a:buClr>
+                <a:schemeClr val="dk1"/>
+              </a:buClr>
+              <a:buSzPct val="61111"/>
+              <a:buFont typeface="Arial"/>
+              <a:buNone/>
+            </a:pPr>
+            <a:r>
+              <a:rPr lang="en-US" sz="1400" dirty="0">
+                <a:latin typeface="Times New Roman"/>
+                <a:ea typeface="Times New Roman"/>
+                <a:cs typeface="Times New Roman"/>
+                <a:sym typeface="Times New Roman"/>
+              </a:rPr>
+              <a:t>Lab facilitator</a:t>
+            </a:r>
+          </a:p>
+          <a:p>
+            <a:pPr lvl="0">
+              <a:spcBef>
+                <a:spcPts val="0"/>
+              </a:spcBef>
+              <a:buNone/>
+            </a:pPr>
+            <a:r>
+              <a:rPr lang="en-US" sz="1400" dirty="0">
+                <a:latin typeface="Times New Roman"/>
+                <a:ea typeface="Times New Roman"/>
+                <a:cs typeface="Times New Roman"/>
+                <a:sym typeface="Times New Roman"/>
+              </a:rPr>
+              <a:t>Room ???</a:t>
+            </a:r>
+          </a:p>
+          <a:p>
+            <a:pPr lvl="0">
+              <a:spcBef>
+                <a:spcPts val="0"/>
+              </a:spcBef>
+              <a:buClr>
+                <a:schemeClr val="dk1"/>
+              </a:buClr>
+              <a:buFont typeface="Arial"/>
+              <a:buNone/>
+            </a:pPr>
+            <a:r>
+              <a:rPr lang="en-US" sz="1400" dirty="0">
+                <a:latin typeface="Times New Roman"/>
+                <a:ea typeface="Times New Roman"/>
+                <a:cs typeface="Times New Roman"/>
+                <a:sym typeface="Times New Roman"/>
+                <a:hlinkClick r:id="rId7"/>
+              </a:rPr>
+              <a:t>22734222@student.uwa.edu.au</a:t>
+            </a:r>
+            <a:r>
+              <a:rPr lang="en-US" sz="1400" dirty="0">
+                <a:latin typeface="Times New Roman"/>
+                <a:ea typeface="Times New Roman"/>
+                <a:cs typeface="Times New Roman"/>
+                <a:sym typeface="Times New Roman"/>
+              </a:rPr>
+              <a:t> </a:t>
+            </a:r>
+          </a:p>
+          <a:p>
+            <a:pPr lvl="0">
+              <a:spcBef>
+                <a:spcPts val="0"/>
+              </a:spcBef>
+              <a:buClr>
+                <a:schemeClr val="dk1"/>
+              </a:buClr>
+              <a:buFont typeface="Arial"/>
+              <a:buNone/>
+            </a:pPr>
+            <a:endParaRPr lang="en-US" sz="1400" dirty="0">
+              <a:latin typeface="Times New Roman"/>
+              <a:ea typeface="Times New Roman"/>
+              <a:cs typeface="Times New Roman"/>
+              <a:sym typeface="Times New Roman"/>
+            </a:endParaRPr>
+          </a:p>
+          <a:p>
+            <a:pPr lvl="0">
+              <a:spcBef>
+                <a:spcPts val="0"/>
+              </a:spcBef>
+              <a:buClr>
+                <a:schemeClr val="dk1"/>
+              </a:buClr>
+              <a:buFont typeface="Arial"/>
+              <a:buNone/>
+            </a:pPr>
+            <a:endParaRPr lang="en-US" sz="1400" dirty="0">
+              <a:latin typeface="Times New Roman"/>
+              <a:ea typeface="Times New Roman"/>
+              <a:cs typeface="Times New Roman"/>
+              <a:sym typeface="Times New Roman"/>
+            </a:endParaRPr>
+          </a:p>
+          <a:p>
+            <a:pPr lvl="0">
+              <a:spcBef>
+                <a:spcPts val="0"/>
+              </a:spcBef>
+              <a:buClr>
+                <a:schemeClr val="dk1"/>
+              </a:buClr>
+              <a:buSzPct val="61111"/>
+              <a:buFont typeface="Arial"/>
+              <a:buNone/>
+            </a:pPr>
+            <a:r>
+              <a:rPr lang="en-AU" sz="1400" dirty="0">
+                <a:latin typeface="Times New Roman"/>
+                <a:ea typeface="Times New Roman"/>
+                <a:cs typeface="Times New Roman"/>
+                <a:sym typeface="Times New Roman"/>
+              </a:rPr>
+              <a:t>Mia Blessas</a:t>
+            </a:r>
+          </a:p>
+          <a:p>
+            <a:pPr lvl="0">
+              <a:spcBef>
+                <a:spcPts val="0"/>
+              </a:spcBef>
+              <a:buClr>
+                <a:schemeClr val="dk1"/>
+              </a:buClr>
+              <a:buSzPct val="61111"/>
+              <a:buFont typeface="Arial"/>
+              <a:buNone/>
+            </a:pPr>
+            <a:r>
+              <a:rPr lang="en-AU" sz="1400" dirty="0">
+                <a:latin typeface="Times New Roman"/>
+                <a:ea typeface="Times New Roman"/>
+                <a:cs typeface="Times New Roman"/>
+                <a:sym typeface="Times New Roman"/>
+              </a:rPr>
+              <a:t>Lab facilitator</a:t>
+            </a:r>
+          </a:p>
+          <a:p>
+            <a:pPr lvl="0">
+              <a:spcBef>
+                <a:spcPts val="0"/>
+              </a:spcBef>
+              <a:buClr>
+                <a:schemeClr val="dk1"/>
+              </a:buClr>
+              <a:buSzPct val="61111"/>
+              <a:buFont typeface="Arial"/>
+              <a:buNone/>
+            </a:pPr>
+            <a:r>
+              <a:rPr lang="en-AU" sz="1400" dirty="0">
+                <a:latin typeface="Times New Roman"/>
+                <a:ea typeface="Times New Roman"/>
+                <a:cs typeface="Times New Roman"/>
+                <a:sym typeface="Times New Roman"/>
+              </a:rPr>
+              <a:t>Room: ???</a:t>
+            </a:r>
+          </a:p>
+          <a:p>
+            <a:pPr lvl="0">
+              <a:spcBef>
+                <a:spcPts val="0"/>
+              </a:spcBef>
+              <a:buClr>
+                <a:schemeClr val="dk1"/>
+              </a:buClr>
+              <a:buSzPct val="61111"/>
+              <a:buFont typeface="Arial"/>
+              <a:buNone/>
+            </a:pPr>
+            <a:r>
+              <a:rPr lang="en-US" sz="1400" dirty="0">
+                <a:latin typeface="Times New Roman"/>
+                <a:ea typeface="Times New Roman"/>
+                <a:cs typeface="Times New Roman"/>
+                <a:sym typeface="Times New Roman"/>
+                <a:hlinkClick r:id="rId5"/>
+              </a:rPr>
+              <a:t>23295523@student.uwa.edu.au</a:t>
+            </a:r>
+            <a:r>
+              <a:rPr lang="en-US" sz="1400" dirty="0">
+                <a:latin typeface="Times New Roman"/>
+                <a:ea typeface="Times New Roman"/>
+                <a:cs typeface="Times New Roman"/>
+                <a:sym typeface="Times New Roman"/>
+              </a:rPr>
+              <a:t>  </a:t>
+            </a:r>
+          </a:p>
+          <a:p>
+            <a:pPr lvl="0">
+              <a:spcBef>
+                <a:spcPts val="0"/>
+              </a:spcBef>
+              <a:buClr>
+                <a:schemeClr val="dk1"/>
+              </a:buClr>
+              <a:buFont typeface="Arial"/>
+              <a:buNone/>
+            </a:pPr>
+            <a:endParaRPr lang="en-US" sz="1400" dirty="0">
+              <a:latin typeface="Times New Roman"/>
+              <a:ea typeface="Times New Roman"/>
+              <a:cs typeface="Times New Roman"/>
+              <a:sym typeface="Times New Roman"/>
+            </a:endParaRPr>
+          </a:p>
+          <a:p>
+            <a:pPr lvl="0">
+              <a:spcBef>
+                <a:spcPts val="0"/>
+              </a:spcBef>
+              <a:buClr>
+                <a:schemeClr val="dk1"/>
+              </a:buClr>
+              <a:buFont typeface="Arial"/>
+              <a:buNone/>
+            </a:pPr>
+            <a:endParaRPr lang="en-US" sz="1400" dirty="0">
+              <a:latin typeface="Times New Roman"/>
+              <a:ea typeface="Times New Roman"/>
+              <a:cs typeface="Times New Roman"/>
+              <a:sym typeface="Times New Roman"/>
+            </a:endParaRPr>
+          </a:p>
+          <a:p>
+            <a:pPr lvl="0">
+              <a:spcBef>
+                <a:spcPts val="0"/>
+              </a:spcBef>
+              <a:buClr>
+                <a:schemeClr val="dk1"/>
+              </a:buClr>
+              <a:buSzPct val="61111"/>
+              <a:buFont typeface="Arial"/>
+              <a:buNone/>
+            </a:pPr>
+            <a:r>
+              <a:rPr lang="en-AU" sz="1400" dirty="0">
+                <a:latin typeface="Times New Roman"/>
+                <a:ea typeface="Times New Roman"/>
+                <a:cs typeface="Times New Roman"/>
+                <a:sym typeface="Times New Roman"/>
+              </a:rPr>
+              <a:t>Hass</a:t>
+            </a:r>
+          </a:p>
+          <a:p>
+            <a:pPr lvl="0">
+              <a:spcBef>
+                <a:spcPts val="0"/>
+              </a:spcBef>
+              <a:buClr>
+                <a:schemeClr val="dk1"/>
+              </a:buClr>
+              <a:buSzPct val="61111"/>
+              <a:buFont typeface="Arial"/>
+              <a:buNone/>
+            </a:pPr>
+            <a:r>
+              <a:rPr lang="en-AU" sz="1400" dirty="0">
+                <a:latin typeface="Times New Roman"/>
+                <a:ea typeface="Times New Roman"/>
+                <a:cs typeface="Times New Roman"/>
+                <a:sym typeface="Times New Roman"/>
+              </a:rPr>
+              <a:t>Admin team</a:t>
+            </a:r>
+          </a:p>
+          <a:p>
+            <a:pPr lvl="0">
+              <a:spcBef>
+                <a:spcPts val="0"/>
+              </a:spcBef>
+              <a:buClr>
+                <a:schemeClr val="dk1"/>
+              </a:buClr>
+              <a:buSzPct val="61111"/>
+              <a:buFont typeface="Arial"/>
+              <a:buNone/>
+            </a:pPr>
+            <a:r>
+              <a:rPr lang="en-AU" sz="1400" dirty="0">
+                <a:latin typeface="Times New Roman"/>
+                <a:ea typeface="Times New Roman"/>
+                <a:cs typeface="Times New Roman"/>
+                <a:sym typeface="Times New Roman"/>
+              </a:rPr>
+              <a:t>Room: Main reception</a:t>
+            </a:r>
+          </a:p>
+          <a:p>
+            <a:pPr lvl="0">
+              <a:spcBef>
+                <a:spcPts val="0"/>
+              </a:spcBef>
+              <a:buClr>
+                <a:schemeClr val="dk1"/>
+              </a:buClr>
+              <a:buSzPct val="61111"/>
+              <a:buFont typeface="Arial"/>
+              <a:buNone/>
+            </a:pPr>
+            <a:r>
+              <a:rPr lang="en-US" sz="1400" dirty="0">
+                <a:latin typeface="Times New Roman"/>
+                <a:ea typeface="Times New Roman"/>
+                <a:cs typeface="Times New Roman"/>
+                <a:sym typeface="Times New Roman"/>
+                <a:hlinkClick r:id="rId8"/>
+              </a:rPr>
+              <a:t>admin-csse@uwa.edu.au</a:t>
+            </a:r>
+            <a:r>
+              <a:rPr lang="en-US" sz="1400" dirty="0">
+                <a:latin typeface="Times New Roman"/>
+                <a:ea typeface="Times New Roman"/>
+                <a:cs typeface="Times New Roman"/>
+                <a:sym typeface="Times New Roman"/>
+              </a:rPr>
+              <a:t> </a:t>
+            </a:r>
+          </a:p>
+          <a:p>
+            <a:pPr lvl="0">
+              <a:spcBef>
+                <a:spcPts val="0"/>
+              </a:spcBef>
+              <a:buClr>
+                <a:schemeClr val="dk1"/>
+              </a:buClr>
+              <a:buFont typeface="Arial"/>
+              <a:buNone/>
+            </a:pPr>
+            <a:endParaRPr lang="en-US" sz="1400" dirty="0">
+              <a:latin typeface="Times New Roman"/>
+              <a:ea typeface="Times New Roman"/>
+              <a:cs typeface="Times New Roman"/>
+              <a:sym typeface="Times New Roman"/>
+            </a:endParaRPr>
+          </a:p>
+          <a:p>
+            <a:pPr lvl="0">
+              <a:spcBef>
+                <a:spcPts val="0"/>
+              </a:spcBef>
+              <a:buClr>
+                <a:schemeClr val="dk1"/>
+              </a:buClr>
+              <a:buFont typeface="Arial"/>
+              <a:buNone/>
+            </a:pPr>
+            <a:endParaRPr lang="en-AU" sz="1400" dirty="0">
+              <a:latin typeface="Times New Roman"/>
+              <a:ea typeface="Times New Roman"/>
+              <a:cs typeface="Times New Roman"/>
+              <a:sym typeface="Times New Roman"/>
+            </a:endParaRPr>
+          </a:p>
+        </p:txBody>
+      </p:sp>
+      <p:pic>
+        <p:nvPicPr>
+          <p:cNvPr id="8" name="Picture 7">
+            <a:extLst>
+              <a:ext uri="{FF2B5EF4-FFF2-40B4-BE49-F238E27FC236}">
+                <a16:creationId xmlns:a16="http://schemas.microsoft.com/office/drawing/2014/main" id="{722B97B0-3151-4252-AEDC-B7D6179E068B}"/>
+              </a:ext>
+            </a:extLst>
+          </p:cNvPr>
+          <p:cNvPicPr>
+            <a:picLocks noChangeAspect="1"/>
+          </p:cNvPicPr>
+          <p:nvPr/>
+        </p:nvPicPr>
+        <p:blipFill rotWithShape="1">
+          <a:blip r:embed="rId9" cstate="print">
+            <a:extLst>
+              <a:ext uri="{28A0092B-C50C-407E-A947-70E740481C1C}">
+                <a14:useLocalDpi xmlns:a14="http://schemas.microsoft.com/office/drawing/2010/main" val="0"/>
+              </a:ext>
+            </a:extLst>
+          </a:blip>
+          <a:srcRect l="14879" t="4481" r="13440" b="19330"/>
+          <a:stretch/>
+        </p:blipFill>
+        <p:spPr>
+          <a:xfrm>
+            <a:off x="2128382" y="1690523"/>
+            <a:ext cx="1011191" cy="1074390"/>
+          </a:xfrm>
+          <a:prstGeom prst="rect">
+            <a:avLst/>
+          </a:prstGeom>
+        </p:spPr>
+      </p:pic>
+      <p:pic>
+        <p:nvPicPr>
+          <p:cNvPr id="9" name="Picture 2" descr="No photo of Hass Sadeghi-Barzani">
+            <a:extLst>
+              <a:ext uri="{FF2B5EF4-FFF2-40B4-BE49-F238E27FC236}">
+                <a16:creationId xmlns:a16="http://schemas.microsoft.com/office/drawing/2014/main" id="{DBFD782F-6DB3-44CB-93E1-1369FE8A4CD8}"/>
+              </a:ext>
+            </a:extLst>
+          </p:cNvPr>
+          <p:cNvPicPr>
+            <a:picLocks noChangeAspect="1" noChangeArrowheads="1"/>
+          </p:cNvPicPr>
+          <p:nvPr/>
+        </p:nvPicPr>
+        <p:blipFill>
+          <a:blip r:embed="rId10">
+            <a:extLst>
+              <a:ext uri="{28A0092B-C50C-407E-A947-70E740481C1C}">
+                <a14:useLocalDpi xmlns:a14="http://schemas.microsoft.com/office/drawing/2010/main" val="0"/>
+              </a:ext>
+            </a:extLst>
+          </a:blip>
+          <a:srcRect/>
+          <a:stretch>
+            <a:fillRect/>
+          </a:stretch>
+        </p:blipFill>
+        <p:spPr bwMode="auto">
+          <a:xfrm>
+            <a:off x="2167573" y="5456285"/>
+            <a:ext cx="972000" cy="1216389"/>
+          </a:xfrm>
+          <a:prstGeom prst="rect">
+            <a:avLst/>
+          </a:prstGeom>
+          <a:noFill/>
+          <a:extLst>
+            <a:ext uri="{909E8E84-426E-40DD-AFC4-6F175D3DCCD1}">
+              <a14:hiddenFill xmlns:a14="http://schemas.microsoft.com/office/drawing/2010/main">
+                <a:solidFill>
+                  <a:srgbClr val="FFFFFF"/>
+                </a:solidFill>
+              </a14:hiddenFill>
+            </a:ext>
+          </a:extLst>
+        </p:spPr>
+      </p:pic>
+      <p:pic>
+        <p:nvPicPr>
+          <p:cNvPr id="12" name="Picture 11">
+            <a:extLst>
+              <a:ext uri="{FF2B5EF4-FFF2-40B4-BE49-F238E27FC236}">
+                <a16:creationId xmlns:a16="http://schemas.microsoft.com/office/drawing/2014/main" id="{ACAF34E7-08E1-420F-9551-3100E69AB4E5}"/>
+              </a:ext>
+            </a:extLst>
+          </p:cNvPr>
+          <p:cNvPicPr>
+            <a:picLocks noChangeAspect="1"/>
+          </p:cNvPicPr>
+          <p:nvPr/>
+        </p:nvPicPr>
+        <p:blipFill rotWithShape="1">
+          <a:blip r:embed="rId11" cstate="print">
+            <a:extLst>
+              <a:ext uri="{28A0092B-C50C-407E-A947-70E740481C1C}">
+                <a14:useLocalDpi xmlns:a14="http://schemas.microsoft.com/office/drawing/2010/main" val="0"/>
+              </a:ext>
+            </a:extLst>
+          </a:blip>
+          <a:srcRect l="21256" r="18127" b="29256"/>
+          <a:stretch/>
+        </p:blipFill>
+        <p:spPr>
+          <a:xfrm>
+            <a:off x="2167573" y="2873382"/>
+            <a:ext cx="972000" cy="1191489"/>
+          </a:xfrm>
+          <a:prstGeom prst="rect">
+            <a:avLst/>
+          </a:prstGeom>
+        </p:spPr>
+      </p:pic>
+      <p:pic>
+        <p:nvPicPr>
+          <p:cNvPr id="15" name="Picture 2" descr="No photo of Hass Sadeghi-Barzani">
+            <a:extLst>
+              <a:ext uri="{FF2B5EF4-FFF2-40B4-BE49-F238E27FC236}">
+                <a16:creationId xmlns:a16="http://schemas.microsoft.com/office/drawing/2014/main" id="{FC511A28-40F5-4001-84B2-B7D03286B12B}"/>
+              </a:ext>
+            </a:extLst>
+          </p:cNvPr>
+          <p:cNvPicPr>
+            <a:picLocks noChangeAspect="1" noChangeArrowheads="1"/>
+          </p:cNvPicPr>
+          <p:nvPr/>
+        </p:nvPicPr>
+        <p:blipFill>
+          <a:blip r:embed="rId10">
+            <a:extLst>
+              <a:ext uri="{28A0092B-C50C-407E-A947-70E740481C1C}">
+                <a14:useLocalDpi xmlns:a14="http://schemas.microsoft.com/office/drawing/2010/main" val="0"/>
+              </a:ext>
+            </a:extLst>
+          </a:blip>
+          <a:srcRect/>
+          <a:stretch>
+            <a:fillRect/>
+          </a:stretch>
+        </p:blipFill>
+        <p:spPr bwMode="auto">
+          <a:xfrm>
+            <a:off x="2147977" y="4173340"/>
+            <a:ext cx="972000" cy="1216389"/>
+          </a:xfrm>
+          <a:prstGeom prst="rect">
+            <a:avLst/>
+          </a:prstGeom>
+          <a:noFill/>
+          <a:extLst>
+            <a:ext uri="{909E8E84-426E-40DD-AFC4-6F175D3DCCD1}">
+              <a14:hiddenFill xmlns:a14="http://schemas.microsoft.com/office/drawing/2010/main">
+                <a:solidFill>
+                  <a:srgbClr val="FFFFFF"/>
+                </a:solidFill>
+              </a14:hiddenFill>
+            </a:ext>
+          </a:extLst>
+        </p:spPr>
+      </p:pic>
+      <p:pic>
+        <p:nvPicPr>
+          <p:cNvPr id="16" name="Picture 2" descr="No photo of Hass Sadeghi-Barzani">
+            <a:extLst>
+              <a:ext uri="{FF2B5EF4-FFF2-40B4-BE49-F238E27FC236}">
+                <a16:creationId xmlns:a16="http://schemas.microsoft.com/office/drawing/2014/main" id="{64722212-B3E7-49BD-9441-1EE4839514FC}"/>
+              </a:ext>
+            </a:extLst>
+          </p:cNvPr>
+          <p:cNvPicPr>
+            <a:picLocks noChangeAspect="1" noChangeArrowheads="1"/>
+          </p:cNvPicPr>
+          <p:nvPr/>
+        </p:nvPicPr>
+        <p:blipFill>
+          <a:blip r:embed="rId10">
+            <a:extLst>
+              <a:ext uri="{28A0092B-C50C-407E-A947-70E740481C1C}">
+                <a14:useLocalDpi xmlns:a14="http://schemas.microsoft.com/office/drawing/2010/main" val="0"/>
+              </a:ext>
+            </a:extLst>
+          </a:blip>
+          <a:srcRect/>
+          <a:stretch>
+            <a:fillRect/>
+          </a:stretch>
+        </p:blipFill>
+        <p:spPr bwMode="auto">
+          <a:xfrm>
+            <a:off x="6898940" y="1487171"/>
+            <a:ext cx="972000" cy="1216389"/>
+          </a:xfrm>
+          <a:prstGeom prst="rect">
+            <a:avLst/>
+          </a:prstGeom>
+          <a:noFill/>
+          <a:extLst>
+            <a:ext uri="{909E8E84-426E-40DD-AFC4-6F175D3DCCD1}">
+              <a14:hiddenFill xmlns:a14="http://schemas.microsoft.com/office/drawing/2010/main">
+                <a:solidFill>
+                  <a:srgbClr val="FFFFFF"/>
+                </a:solidFill>
+              </a14:hiddenFill>
+            </a:ext>
+          </a:extLst>
+        </p:spPr>
+      </p:pic>
+      <p:pic>
+        <p:nvPicPr>
+          <p:cNvPr id="17" name="Picture 2" descr="No photo of Hass Sadeghi-Barzani">
+            <a:extLst>
+              <a:ext uri="{FF2B5EF4-FFF2-40B4-BE49-F238E27FC236}">
+                <a16:creationId xmlns:a16="http://schemas.microsoft.com/office/drawing/2014/main" id="{405C4789-2202-4C71-9BE0-446D8E57853C}"/>
+              </a:ext>
+            </a:extLst>
+          </p:cNvPr>
+          <p:cNvPicPr>
+            <a:picLocks noChangeAspect="1" noChangeArrowheads="1"/>
+          </p:cNvPicPr>
+          <p:nvPr/>
+        </p:nvPicPr>
+        <p:blipFill>
+          <a:blip r:embed="rId10">
+            <a:extLst>
+              <a:ext uri="{28A0092B-C50C-407E-A947-70E740481C1C}">
+                <a14:useLocalDpi xmlns:a14="http://schemas.microsoft.com/office/drawing/2010/main" val="0"/>
+              </a:ext>
+            </a:extLst>
+          </a:blip>
+          <a:srcRect/>
+          <a:stretch>
+            <a:fillRect/>
+          </a:stretch>
+        </p:blipFill>
+        <p:spPr bwMode="auto">
+          <a:xfrm>
+            <a:off x="6898940" y="2824599"/>
+            <a:ext cx="972000" cy="1216389"/>
+          </a:xfrm>
+          <a:prstGeom prst="rect">
+            <a:avLst/>
+          </a:prstGeom>
+          <a:noFill/>
+          <a:extLst>
+            <a:ext uri="{909E8E84-426E-40DD-AFC4-6F175D3DCCD1}">
+              <a14:hiddenFill xmlns:a14="http://schemas.microsoft.com/office/drawing/2010/main">
+                <a:solidFill>
+                  <a:srgbClr val="FFFFFF"/>
+                </a:solidFill>
+              </a14:hiddenFill>
+            </a:ext>
+          </a:extLst>
+        </p:spPr>
+      </p:pic>
+      <p:pic>
+        <p:nvPicPr>
+          <p:cNvPr id="18" name="Picture 2" descr="No photo of Hass Sadeghi-Barzani">
+            <a:extLst>
+              <a:ext uri="{FF2B5EF4-FFF2-40B4-BE49-F238E27FC236}">
+                <a16:creationId xmlns:a16="http://schemas.microsoft.com/office/drawing/2014/main" id="{09343FFF-DDA6-4428-8195-479D6EBE76AE}"/>
+              </a:ext>
+            </a:extLst>
+          </p:cNvPr>
+          <p:cNvPicPr>
+            <a:picLocks noChangeAspect="1" noChangeArrowheads="1"/>
+          </p:cNvPicPr>
+          <p:nvPr/>
+        </p:nvPicPr>
+        <p:blipFill>
+          <a:blip r:embed="rId10">
+            <a:extLst>
+              <a:ext uri="{28A0092B-C50C-407E-A947-70E740481C1C}">
+                <a14:useLocalDpi xmlns:a14="http://schemas.microsoft.com/office/drawing/2010/main" val="0"/>
+              </a:ext>
+            </a:extLst>
+          </a:blip>
+          <a:srcRect/>
+          <a:stretch>
+            <a:fillRect/>
+          </a:stretch>
+        </p:blipFill>
+        <p:spPr bwMode="auto">
+          <a:xfrm>
+            <a:off x="6901525" y="4107544"/>
+            <a:ext cx="972000" cy="1216389"/>
+          </a:xfrm>
+          <a:prstGeom prst="rect">
+            <a:avLst/>
+          </a:prstGeom>
+          <a:noFill/>
+          <a:extLst>
+            <a:ext uri="{909E8E84-426E-40DD-AFC4-6F175D3DCCD1}">
+              <a14:hiddenFill xmlns:a14="http://schemas.microsoft.com/office/drawing/2010/main">
+                <a:solidFill>
+                  <a:srgbClr val="FFFFFF"/>
+                </a:solidFill>
+              </a14:hiddenFill>
+            </a:ext>
+          </a:extLst>
+        </p:spPr>
+      </p:pic>
+      <p:pic>
+        <p:nvPicPr>
+          <p:cNvPr id="19" name="Picture 2" descr="No photo of Hass Sadeghi-Barzani">
+            <a:extLst>
+              <a:ext uri="{FF2B5EF4-FFF2-40B4-BE49-F238E27FC236}">
+                <a16:creationId xmlns:a16="http://schemas.microsoft.com/office/drawing/2014/main" id="{CFD8ACE1-0CC9-4D79-B107-EE52B73CED0B}"/>
+              </a:ext>
+            </a:extLst>
+          </p:cNvPr>
+          <p:cNvPicPr>
+            <a:picLocks noChangeAspect="1" noChangeArrowheads="1"/>
+          </p:cNvPicPr>
+          <p:nvPr/>
+        </p:nvPicPr>
+        <p:blipFill>
+          <a:blip r:embed="rId10">
+            <a:extLst>
+              <a:ext uri="{28A0092B-C50C-407E-A947-70E740481C1C}">
+                <a14:useLocalDpi xmlns:a14="http://schemas.microsoft.com/office/drawing/2010/main" val="0"/>
+              </a:ext>
+            </a:extLst>
+          </a:blip>
+          <a:srcRect/>
+          <a:stretch>
+            <a:fillRect/>
+          </a:stretch>
+        </p:blipFill>
+        <p:spPr bwMode="auto">
+          <a:xfrm>
+            <a:off x="6906359" y="5390489"/>
+            <a:ext cx="972000" cy="1216389"/>
+          </a:xfrm>
+          <a:prstGeom prst="rect">
+            <a:avLst/>
+          </a:prstGeom>
+          <a:noFill/>
+          <a:extLst>
+            <a:ext uri="{909E8E84-426E-40DD-AFC4-6F175D3DCCD1}">
+              <a14:hiddenFill xmlns:a14="http://schemas.microsoft.com/office/drawing/2010/main">
+                <a:solidFill>
+                  <a:srgbClr val="FFFFFF"/>
+                </a:solidFill>
+              </a14:hiddenFill>
+            </a:ext>
+          </a:extLst>
+        </p:spPr>
+      </p:pic>
     </p:spTree>
     <p:extLst>
       <p:ext uri="{BB962C8B-B14F-4D97-AF65-F5344CB8AC3E}">
-        <p14:creationId xmlns:p14="http://schemas.microsoft.com/office/powerpoint/2010/main" val="182683393"/>
+        <p14:creationId xmlns:p14="http://schemas.microsoft.com/office/powerpoint/2010/main" val="4215697357"/>
       </p:ext>
     </p:extLst>
   </p:cSld>
@@ -11674,115 +15282,167 @@
       </p:grpSpPr>
       <p:sp>
         <p:nvSpPr>
-          <p:cNvPr id="2" name="Title 1">
+          <p:cNvPr id="2" name="Title 1"/>
+          <p:cNvSpPr>
+            <a:spLocks noGrp="1"/>
+          </p:cNvSpPr>
+          <p:nvPr>
+            <p:ph type="title"/>
+          </p:nvPr>
+        </p:nvSpPr>
+        <p:spPr/>
+        <p:txBody>
+          <a:bodyPr/>
+          <a:lstStyle/>
+          <a:p>
+            <a:r>
+              <a:rPr lang="en-AU" dirty="0"/>
+              <a:t>Emergency</a:t>
+            </a:r>
+          </a:p>
+        </p:txBody>
+      </p:sp>
+      <p:sp>
+        <p:nvSpPr>
+          <p:cNvPr id="3" name="Content Placeholder 2"/>
+          <p:cNvSpPr>
+            <a:spLocks noGrp="1"/>
+          </p:cNvSpPr>
+          <p:nvPr>
+            <p:ph idx="1"/>
+          </p:nvPr>
+        </p:nvSpPr>
+        <p:spPr>
+          <a:xfrm>
+            <a:off x="757989" y="1600201"/>
+            <a:ext cx="6316579" cy="4525963"/>
+          </a:xfrm>
+        </p:spPr>
+        <p:txBody>
+          <a:bodyPr>
+            <a:normAutofit fontScale="92500" lnSpcReduction="10000"/>
+          </a:bodyPr>
+          <a:lstStyle/>
+          <a:p>
+            <a:r>
+              <a:rPr lang="en-AU" dirty="0">
+                <a:latin typeface="Arial" panose="020B0604020202020204" pitchFamily="34" charset="0"/>
+                <a:cs typeface="Arial" panose="020B0604020202020204" pitchFamily="34" charset="0"/>
+              </a:rPr>
+              <a:t>General emergency: call campus security at 6488 2222</a:t>
+            </a:r>
+          </a:p>
+          <a:p>
+            <a:r>
+              <a:rPr lang="en-AU" dirty="0">
+                <a:latin typeface="Arial" panose="020B0604020202020204" pitchFamily="34" charset="0"/>
+                <a:cs typeface="Arial" panose="020B0604020202020204" pitchFamily="34" charset="0"/>
+              </a:rPr>
+              <a:t>In super emergency: call emergency at 000</a:t>
+            </a:r>
+          </a:p>
+          <a:p>
+            <a:endParaRPr lang="en-AU" dirty="0">
+              <a:latin typeface="Arial" panose="020B0604020202020204" pitchFamily="34" charset="0"/>
+              <a:cs typeface="Arial" panose="020B0604020202020204" pitchFamily="34" charset="0"/>
+            </a:endParaRPr>
+          </a:p>
+          <a:p>
+            <a:r>
+              <a:rPr lang="en-AU" dirty="0">
+                <a:latin typeface="Arial" panose="020B0604020202020204" pitchFamily="34" charset="0"/>
+                <a:cs typeface="Arial" panose="020B0604020202020204" pitchFamily="34" charset="0"/>
+              </a:rPr>
+              <a:t>In all buildings, we have an emergency procedure such as this picture -&gt;</a:t>
+            </a:r>
+          </a:p>
+          <a:p>
+            <a:pPr lvl="1"/>
+            <a:r>
+              <a:rPr lang="en-AU" dirty="0">
+                <a:latin typeface="Arial" panose="020B0604020202020204" pitchFamily="34" charset="0"/>
+                <a:cs typeface="Arial" panose="020B0604020202020204" pitchFamily="34" charset="0"/>
+              </a:rPr>
+              <a:t>Please take a time and read it.</a:t>
+            </a:r>
+          </a:p>
+          <a:p>
+            <a:endParaRPr lang="en-AU" dirty="0">
+              <a:latin typeface="Arial" panose="020B0604020202020204" pitchFamily="34" charset="0"/>
+              <a:cs typeface="Arial" panose="020B0604020202020204" pitchFamily="34" charset="0"/>
+            </a:endParaRPr>
+          </a:p>
+          <a:p>
+            <a:r>
+              <a:rPr lang="en-AU" dirty="0">
+                <a:latin typeface="Arial" panose="020B0604020202020204" pitchFamily="34" charset="0"/>
+                <a:cs typeface="Arial" panose="020B0604020202020204" pitchFamily="34" charset="0"/>
+              </a:rPr>
+              <a:t>For more details, please have a read through our emergency procedure for various potential incidents</a:t>
+            </a:r>
+          </a:p>
+          <a:p>
+            <a:pPr lvl="1"/>
+            <a:r>
+              <a:rPr lang="en-AU" dirty="0">
+                <a:latin typeface="Arial" panose="020B0604020202020204" pitchFamily="34" charset="0"/>
+                <a:cs typeface="Arial" panose="020B0604020202020204" pitchFamily="34" charset="0"/>
+                <a:hlinkClick r:id="rId2"/>
+              </a:rPr>
+              <a:t>http://www.safety.uwa.edu.au/incidents-injuries-emergency/procedures</a:t>
+            </a:r>
+            <a:endParaRPr lang="en-AU" dirty="0">
+              <a:latin typeface="Arial" panose="020B0604020202020204" pitchFamily="34" charset="0"/>
+              <a:cs typeface="Arial" panose="020B0604020202020204" pitchFamily="34" charset="0"/>
+            </a:endParaRPr>
+          </a:p>
+        </p:txBody>
+      </p:sp>
+      <p:pic>
+        <p:nvPicPr>
+          <p:cNvPr id="2050" name="Picture 2" descr="Image result for uwa emergency"/>
+          <p:cNvPicPr>
+            <a:picLocks noChangeAspect="1" noChangeArrowheads="1"/>
+          </p:cNvPicPr>
+          <p:nvPr/>
+        </p:nvPicPr>
+        <p:blipFill>
+          <a:blip r:embed="rId3">
             <a:extLst>
-              <a:ext uri="{FF2B5EF4-FFF2-40B4-BE49-F238E27FC236}">
-                <a16:creationId xmlns:a16="http://schemas.microsoft.com/office/drawing/2014/main" id="{AF12F404-5848-8D4C-8FB6-3349BDEB8F75}"/>
+              <a:ext uri="{28A0092B-C50C-407E-A947-70E740481C1C}">
+                <a14:useLocalDpi xmlns:a14="http://schemas.microsoft.com/office/drawing/2010/main" val="0"/>
               </a:ext>
             </a:extLst>
-          </p:cNvPr>
-          <p:cNvSpPr>
-            <a:spLocks noGrp="1"/>
-          </p:cNvSpPr>
-          <p:nvPr>
-            <p:ph type="title"/>
-          </p:nvPr>
-        </p:nvSpPr>
-        <p:spPr/>
-        <p:txBody>
-          <a:bodyPr/>
-          <a:lstStyle/>
-          <a:p>
-            <a:r>
-              <a:rPr lang="en-AU" dirty="0"/>
-              <a:t>Labs</a:t>
-            </a:r>
-          </a:p>
-        </p:txBody>
-      </p:sp>
-      <p:sp>
-        <p:nvSpPr>
-          <p:cNvPr id="3" name="Content Placeholder 2">
-            <a:extLst>
-              <a:ext uri="{FF2B5EF4-FFF2-40B4-BE49-F238E27FC236}">
-                <a16:creationId xmlns:a16="http://schemas.microsoft.com/office/drawing/2014/main" id="{56279952-E4DB-7445-83D2-1C8ADC55F074}"/>
-              </a:ext>
-            </a:extLst>
-          </p:cNvPr>
-          <p:cNvSpPr>
-            <a:spLocks noGrp="1"/>
-          </p:cNvSpPr>
-          <p:nvPr>
-            <p:ph idx="1"/>
-          </p:nvPr>
-        </p:nvSpPr>
-        <p:spPr/>
-        <p:txBody>
-          <a:bodyPr>
-            <a:normAutofit fontScale="92500" lnSpcReduction="20000"/>
-          </a:bodyPr>
-          <a:lstStyle/>
-          <a:p>
-            <a:r>
-              <a:rPr lang="en-AU" dirty="0"/>
-              <a:t>The labs rely on using a technology called Docker</a:t>
-            </a:r>
-          </a:p>
-          <a:p>
-            <a:r>
-              <a:rPr lang="en-AU" dirty="0"/>
-              <a:t>As this technology is *not* available on UWA lab machines, it must be run on your laptops</a:t>
-            </a:r>
-          </a:p>
-          <a:p>
-            <a:r>
-              <a:rPr lang="en-AU" dirty="0"/>
-              <a:t>If you do not have a laptop that is capable of running the labs, you can arrange to borrow one: </a:t>
-            </a:r>
-            <a:r>
-              <a:rPr lang="en-AU" dirty="0">
-                <a:hlinkClick r:id="rId2"/>
-              </a:rPr>
-              <a:t>https://introlabs.cybermnemosyne.xyz</a:t>
-            </a:r>
-            <a:endParaRPr lang="en-AU" dirty="0"/>
-          </a:p>
-          <a:p>
-            <a:r>
-              <a:rPr lang="en-AU" dirty="0"/>
-              <a:t>Else – invest in a decent laptop – it will make a big difference to your University life.</a:t>
-            </a:r>
-          </a:p>
-          <a:p>
-            <a:r>
-              <a:rPr lang="en-AU" dirty="0"/>
-              <a:t>There is a contingency to run cloud-based sessions but it comes at a cost to us.</a:t>
-            </a:r>
-          </a:p>
-          <a:p>
-            <a:r>
-              <a:rPr lang="en-AU" dirty="0"/>
-              <a:t>Labs start in Week 2</a:t>
-            </a:r>
-          </a:p>
-          <a:p>
-            <a:r>
-              <a:rPr lang="en-AU" dirty="0"/>
-              <a:t>There will be a companion Capture The Flag server where you will need to provide flags that you find during the labs as evidence that you have completed them </a:t>
-            </a:r>
-          </a:p>
-          <a:p>
-            <a:r>
-              <a:rPr lang="en-AU" dirty="0"/>
-              <a:t>Labs are worth 25% of assessment.</a:t>
-            </a:r>
-          </a:p>
-        </p:txBody>
-      </p:sp>
+          </a:blip>
+          <a:srcRect/>
+          <a:stretch>
+            <a:fillRect/>
+          </a:stretch>
+        </p:blipFill>
+        <p:spPr bwMode="auto">
+          <a:xfrm>
+            <a:off x="7739165" y="1600201"/>
+            <a:ext cx="3528392" cy="4738178"/>
+          </a:xfrm>
+          <a:prstGeom prst="rect">
+            <a:avLst/>
+          </a:prstGeom>
+          <a:noFill/>
+          <a:extLst>
+            <a:ext uri="{909E8E84-426E-40DD-AFC4-6F175D3DCCD1}">
+              <a14:hiddenFill xmlns:a14="http://schemas.microsoft.com/office/drawing/2010/main">
+                <a:solidFill>
+                  <a:srgbClr val="FFFFFF"/>
+                </a:solidFill>
+              </a14:hiddenFill>
+            </a:ext>
+          </a:extLst>
+        </p:spPr>
+      </p:pic>
     </p:spTree>
     <p:extLst>
       <p:ext uri="{BB962C8B-B14F-4D97-AF65-F5344CB8AC3E}">
-        <p14:creationId xmlns:p14="http://schemas.microsoft.com/office/powerpoint/2010/main" val="3259726858"/>
+        <p14:creationId xmlns:p14="http://schemas.microsoft.com/office/powerpoint/2010/main" val="1481627793"/>
       </p:ext>
     </p:extLst>
   </p:cSld>
@@ -11811,91 +15471,189 @@
       </p:grpSpPr>
       <p:sp>
         <p:nvSpPr>
-          <p:cNvPr id="2" name="Title 1">
+          <p:cNvPr id="2" name="Title 1"/>
+          <p:cNvSpPr>
+            <a:spLocks noGrp="1"/>
+          </p:cNvSpPr>
+          <p:nvPr>
+            <p:ph type="title"/>
+          </p:nvPr>
+        </p:nvSpPr>
+        <p:spPr/>
+        <p:txBody>
+          <a:bodyPr/>
+          <a:lstStyle/>
+          <a:p>
+            <a:r>
+              <a:rPr lang="en-AU" dirty="0"/>
+              <a:t>Location</a:t>
+            </a:r>
+          </a:p>
+        </p:txBody>
+      </p:sp>
+      <p:sp>
+        <p:nvSpPr>
+          <p:cNvPr id="3" name="Content Placeholder 2"/>
+          <p:cNvSpPr>
+            <a:spLocks noGrp="1"/>
+          </p:cNvSpPr>
+          <p:nvPr>
+            <p:ph idx="1"/>
+          </p:nvPr>
+        </p:nvSpPr>
+        <p:spPr>
+          <a:xfrm>
+            <a:off x="8630852" y="1732553"/>
+            <a:ext cx="2736304" cy="4525963"/>
+          </a:xfrm>
+        </p:spPr>
+        <p:txBody>
+          <a:bodyPr>
+            <a:normAutofit/>
+          </a:bodyPr>
+          <a:lstStyle/>
+          <a:p>
+            <a:r>
+              <a:rPr lang="en-AU" dirty="0">
+                <a:latin typeface="Arial" panose="020B0604020202020204" pitchFamily="34" charset="0"/>
+                <a:cs typeface="Arial" panose="020B0604020202020204" pitchFamily="34" charset="0"/>
+              </a:rPr>
+              <a:t>Notes:</a:t>
+            </a:r>
+          </a:p>
+          <a:p>
+            <a:pPr marL="447675" lvl="1"/>
+            <a:r>
+              <a:rPr lang="en-AU" dirty="0">
+                <a:latin typeface="Arial" panose="020B0604020202020204" pitchFamily="34" charset="0"/>
+                <a:cs typeface="Arial" panose="020B0604020202020204" pitchFamily="34" charset="0"/>
+              </a:rPr>
+              <a:t>Labs are both F2F and online i.e., hybrid (MS Teams call will be used for online students)</a:t>
+            </a:r>
+          </a:p>
+          <a:p>
+            <a:pPr marL="447675" lvl="1"/>
+            <a:r>
+              <a:rPr lang="en-AU" dirty="0">
+                <a:latin typeface="Arial" panose="020B0604020202020204" pitchFamily="34" charset="0"/>
+                <a:cs typeface="Arial" panose="020B0604020202020204" pitchFamily="34" charset="0"/>
+              </a:rPr>
+              <a:t>Lectures are "flipped" – you should watch the video lectures prior to coming to the scheduled lecture</a:t>
+            </a:r>
+          </a:p>
+        </p:txBody>
+      </p:sp>
+      <p:cxnSp>
+        <p:nvCxnSpPr>
+          <p:cNvPr id="8" name="Straight Arrow Connector 7"/>
+          <p:cNvCxnSpPr/>
+          <p:nvPr/>
+        </p:nvCxnSpPr>
+        <p:spPr>
+          <a:xfrm flipH="1">
+            <a:off x="7248128" y="4100804"/>
+            <a:ext cx="864096" cy="192292"/>
+          </a:xfrm>
+          <a:prstGeom prst="straightConnector1">
+            <a:avLst/>
+          </a:prstGeom>
+          <a:ln>
+            <a:tailEnd type="triangle"/>
+          </a:ln>
+        </p:spPr>
+        <p:style>
+          <a:lnRef idx="1">
+            <a:schemeClr val="dk1"/>
+          </a:lnRef>
+          <a:fillRef idx="0">
+            <a:schemeClr val="dk1"/>
+          </a:fillRef>
+          <a:effectRef idx="0">
+            <a:schemeClr val="dk1"/>
+          </a:effectRef>
+          <a:fontRef idx="minor">
+            <a:schemeClr val="tx1"/>
+          </a:fontRef>
+        </p:style>
+      </p:cxnSp>
+      <p:pic>
+        <p:nvPicPr>
+          <p:cNvPr id="7" name="Picture 6">
             <a:extLst>
               <a:ext uri="{FF2B5EF4-FFF2-40B4-BE49-F238E27FC236}">
-                <a16:creationId xmlns:a16="http://schemas.microsoft.com/office/drawing/2014/main" id="{DDA4E7FC-13D5-D64F-970D-EE15EF0A474C}"/>
+                <a16:creationId xmlns:a16="http://schemas.microsoft.com/office/drawing/2014/main" id="{366DAB9D-B573-49B3-9313-06A8CA53FED8}"/>
               </a:ext>
             </a:extLst>
           </p:cNvPr>
-          <p:cNvSpPr>
-            <a:spLocks noGrp="1"/>
-          </p:cNvSpPr>
-          <p:nvPr>
-            <p:ph type="title"/>
-          </p:nvPr>
-        </p:nvSpPr>
-        <p:spPr/>
-        <p:txBody>
-          <a:bodyPr/>
-          <a:lstStyle/>
-          <a:p>
-            <a:r>
-              <a:rPr lang="en-AU" dirty="0"/>
-              <a:t>Other Assessment</a:t>
-            </a:r>
-          </a:p>
-        </p:txBody>
-      </p:sp>
-      <p:sp>
-        <p:nvSpPr>
-          <p:cNvPr id="3" name="Content Placeholder 2">
+          <p:cNvPicPr>
+            <a:picLocks noChangeAspect="1"/>
+          </p:cNvPicPr>
+          <p:nvPr/>
+        </p:nvPicPr>
+        <p:blipFill>
+          <a:blip r:embed="rId2"/>
+          <a:stretch>
+            <a:fillRect/>
+          </a:stretch>
+        </p:blipFill>
+        <p:spPr>
+          <a:xfrm>
+            <a:off x="443863" y="1748683"/>
+            <a:ext cx="7935432" cy="4896533"/>
+          </a:xfrm>
+          <a:prstGeom prst="rect">
+            <a:avLst/>
+          </a:prstGeom>
+        </p:spPr>
+      </p:pic>
+      <p:cxnSp>
+        <p:nvCxnSpPr>
+          <p:cNvPr id="9" name="Straight Arrow Connector 8">
             <a:extLst>
               <a:ext uri="{FF2B5EF4-FFF2-40B4-BE49-F238E27FC236}">
-                <a16:creationId xmlns:a16="http://schemas.microsoft.com/office/drawing/2014/main" id="{D414E03A-E6FC-764F-9D80-282B98177B8B}"/>
+                <a16:creationId xmlns:a16="http://schemas.microsoft.com/office/drawing/2014/main" id="{37870885-EFBC-446D-8BC2-7A8A3CACA893}"/>
               </a:ext>
             </a:extLst>
           </p:cNvPr>
-          <p:cNvSpPr>
-            <a:spLocks noGrp="1"/>
-          </p:cNvSpPr>
-          <p:nvPr>
-            <p:ph idx="1"/>
-          </p:nvPr>
-        </p:nvSpPr>
-        <p:spPr/>
-        <p:txBody>
-          <a:bodyPr/>
-          <a:lstStyle/>
-          <a:p>
-            <a:r>
-              <a:rPr lang="en-AU" dirty="0"/>
-              <a:t>Project released in Week 6 and ending in Week 10. This will be similar in format to the labs – except without the guidance part</a:t>
-            </a:r>
-          </a:p>
-          <a:p>
-            <a:pPr lvl="1"/>
-            <a:r>
-              <a:rPr lang="en-AU" dirty="0"/>
-              <a:t>Project is worth 25% of assessment</a:t>
-            </a:r>
-          </a:p>
-          <a:p>
-            <a:r>
-              <a:rPr lang="en-AU" dirty="0"/>
-              <a:t>Final Exam: 50% of final assessment</a:t>
-            </a:r>
-          </a:p>
-          <a:p>
-            <a:pPr lvl="1"/>
-            <a:r>
-              <a:rPr lang="en-AU" dirty="0"/>
-              <a:t>Part multiple choice 40% of overall exam mark</a:t>
-            </a:r>
-          </a:p>
-          <a:p>
-            <a:pPr lvl="1"/>
-            <a:r>
-              <a:rPr lang="en-AU" dirty="0"/>
-              <a:t>Part short answers – closed book. 60% of overall exam mark.</a:t>
-            </a:r>
-          </a:p>
-        </p:txBody>
-      </p:sp>
+          <p:cNvCxnSpPr>
+            <a:cxnSpLocks/>
+          </p:cNvCxnSpPr>
+          <p:nvPr/>
+        </p:nvCxnSpPr>
+        <p:spPr>
+          <a:xfrm flipH="1">
+            <a:off x="6809874" y="4894955"/>
+            <a:ext cx="2253026" cy="892234"/>
+          </a:xfrm>
+          <a:prstGeom prst="straightConnector1">
+            <a:avLst/>
+          </a:prstGeom>
+          <a:ln>
+            <a:solidFill>
+              <a:srgbClr val="FF0000"/>
+            </a:solidFill>
+            <a:tailEnd type="triangle"/>
+          </a:ln>
+        </p:spPr>
+        <p:style>
+          <a:lnRef idx="1">
+            <a:schemeClr val="dk1"/>
+          </a:lnRef>
+          <a:fillRef idx="0">
+            <a:schemeClr val="dk1"/>
+          </a:fillRef>
+          <a:effectRef idx="0">
+            <a:schemeClr val="dk1"/>
+          </a:effectRef>
+          <a:fontRef idx="minor">
+            <a:schemeClr val="tx1"/>
+          </a:fontRef>
+        </p:style>
+      </p:cxnSp>
     </p:spTree>
     <p:extLst>
       <p:ext uri="{BB962C8B-B14F-4D97-AF65-F5344CB8AC3E}">
-        <p14:creationId xmlns:p14="http://schemas.microsoft.com/office/powerpoint/2010/main" val="1892611882"/>
+        <p14:creationId xmlns:p14="http://schemas.microsoft.com/office/powerpoint/2010/main" val="3921763365"/>
       </p:ext>
     </p:extLst>
   </p:cSld>
@@ -11924,13 +15682,7 @@
       </p:grpSpPr>
       <p:sp>
         <p:nvSpPr>
-          <p:cNvPr id="2" name="Title 1">
-            <a:extLst>
-              <a:ext uri="{FF2B5EF4-FFF2-40B4-BE49-F238E27FC236}">
-                <a16:creationId xmlns:a16="http://schemas.microsoft.com/office/drawing/2014/main" id="{5C4F01C5-5333-2248-B03B-703C97F7CC69}"/>
-              </a:ext>
-            </a:extLst>
-          </p:cNvPr>
+          <p:cNvPr id="2" name="Title 1"/>
           <p:cNvSpPr>
             <a:spLocks noGrp="1"/>
           </p:cNvSpPr>
@@ -11945,20 +15697,14 @@
           <a:p>
             <a:r>
               <a:rPr lang="en-AU" dirty="0"/>
-              <a:t>Information Security</a:t>
-            </a:r>
-          </a:p>
-        </p:txBody>
-      </p:sp>
-      <p:sp>
-        <p:nvSpPr>
-          <p:cNvPr id="3" name="Content Placeholder 2">
-            <a:extLst>
-              <a:ext uri="{FF2B5EF4-FFF2-40B4-BE49-F238E27FC236}">
-                <a16:creationId xmlns:a16="http://schemas.microsoft.com/office/drawing/2014/main" id="{F7DD7DCB-C7E2-1B4F-BD83-3B7AF005DD76}"/>
-              </a:ext>
-            </a:extLst>
-          </p:cNvPr>
+              <a:t>Location</a:t>
+            </a:r>
+          </a:p>
+        </p:txBody>
+      </p:sp>
+      <p:sp>
+        <p:nvSpPr>
+          <p:cNvPr id="3" name="Content Placeholder 2"/>
           <p:cNvSpPr>
             <a:spLocks noGrp="1"/>
           </p:cNvSpPr>
@@ -11966,120 +15712,205 @@
             <p:ph idx="1"/>
           </p:nvPr>
         </p:nvSpPr>
-        <p:spPr/>
+        <p:spPr>
+          <a:xfrm>
+            <a:off x="913795" y="1491916"/>
+            <a:ext cx="10353762" cy="5161547"/>
+          </a:xfrm>
+        </p:spPr>
         <p:txBody>
           <a:bodyPr>
-            <a:normAutofit/>
+            <a:normAutofit fontScale="70000" lnSpcReduction="20000"/>
           </a:bodyPr>
           <a:lstStyle/>
           <a:p>
             <a:r>
-              <a:rPr lang="en-AU" dirty="0"/>
-              <a:t>All human endeavour relies on information </a:t>
+              <a:rPr lang="en-AU" dirty="0">
+                <a:latin typeface="Arial" panose="020B0604020202020204" pitchFamily="34" charset="0"/>
+                <a:cs typeface="Arial" panose="020B0604020202020204" pitchFamily="34" charset="0"/>
+              </a:rPr>
+              <a:t>Lectures </a:t>
             </a:r>
           </a:p>
           <a:p>
             <a:pPr lvl="1"/>
             <a:r>
-              <a:rPr lang="en-AU" dirty="0"/>
-              <a:t>Business, Government, Education, Research, Personal life</a:t>
-            </a:r>
-          </a:p>
-          <a:p>
-            <a:r>
-              <a:rPr lang="en-AU" dirty="0"/>
-              <a:t>Information security is about protecting this information from “unauthorised access, harm or misuse”</a:t>
-            </a:r>
-            <a:r>
-              <a:rPr lang="en-AU" baseline="30000" dirty="0"/>
-              <a:t>1</a:t>
-            </a:r>
-            <a:endParaRPr lang="en-AU" dirty="0"/>
-          </a:p>
-          <a:p>
-            <a:r>
-              <a:rPr lang="en-AU" dirty="0"/>
-              <a:t>This is done by preserving </a:t>
-            </a:r>
-            <a:r>
-              <a:rPr lang="en-AU" u="sng" dirty="0">
+              <a:rPr lang="en-AU" dirty="0">
+                <a:latin typeface="Arial" panose="020B0604020202020204" pitchFamily="34" charset="0"/>
+                <a:cs typeface="Arial" panose="020B0604020202020204" pitchFamily="34" charset="0"/>
+              </a:rPr>
+              <a:t>Content lectures are all available online right now (all 12 weeks worth of lectures!)</a:t>
+            </a:r>
+          </a:p>
+          <a:p>
+            <a:pPr lvl="1"/>
+            <a:r>
+              <a:rPr lang="en-AU" dirty="0">
+                <a:latin typeface="Arial" panose="020B0604020202020204" pitchFamily="34" charset="0"/>
+                <a:cs typeface="Arial" panose="020B0604020202020204" pitchFamily="34" charset="0"/>
+              </a:rPr>
+              <a:t>Go at your own pace (but don't get behind the schedule!)</a:t>
+            </a:r>
+          </a:p>
+          <a:p>
+            <a:pPr lvl="1"/>
+            <a:r>
+              <a:rPr lang="en-AU" dirty="0">
+                <a:latin typeface="Arial" panose="020B0604020202020204" pitchFamily="34" charset="0"/>
+                <a:cs typeface="Arial" panose="020B0604020202020204" pitchFamily="34" charset="0"/>
+              </a:rPr>
+              <a:t>Come to the scheduled lecture for interactive discussions, demos, in-class exercises.</a:t>
+            </a:r>
+          </a:p>
+          <a:p>
+            <a:r>
+              <a:rPr lang="en-AU" dirty="0">
+                <a:latin typeface="Arial" panose="020B0604020202020204" pitchFamily="34" charset="0"/>
+                <a:cs typeface="Arial" panose="020B0604020202020204" pitchFamily="34" charset="0"/>
+              </a:rPr>
+              <a:t>Labs – labs in MATH123 and MS Teams</a:t>
+            </a:r>
+          </a:p>
+          <a:p>
+            <a:pPr lvl="1"/>
+            <a:r>
+              <a:rPr lang="en-AU" dirty="0">
+                <a:latin typeface="Arial" panose="020B0604020202020204" pitchFamily="34" charset="0"/>
+                <a:cs typeface="Arial" panose="020B0604020202020204" pitchFamily="34" charset="0"/>
+              </a:rPr>
+              <a:t>Check your timetable for the lab allocation</a:t>
+            </a:r>
+          </a:p>
+          <a:p>
+            <a:pPr lvl="1"/>
+            <a:r>
+              <a:rPr lang="en-AU" dirty="0">
+                <a:latin typeface="Arial" panose="020B0604020202020204" pitchFamily="34" charset="0"/>
+                <a:cs typeface="Arial" panose="020B0604020202020204" pitchFamily="34" charset="0"/>
+              </a:rPr>
+              <a:t>You may go to another scheduled lab IFF there is a room (normally there is)</a:t>
+            </a:r>
+          </a:p>
+          <a:p>
+            <a:pPr lvl="1"/>
+            <a:r>
+              <a:rPr lang="en-AU" dirty="0">
+                <a:latin typeface="Arial" panose="020B0604020202020204" pitchFamily="34" charset="0"/>
+                <a:cs typeface="Arial" panose="020B0604020202020204" pitchFamily="34" charset="0"/>
+                <a:hlinkClick r:id="rId2"/>
+              </a:rPr>
+              <a:t>https://studentvip.com.au/uwa/main/maps/129665</a:t>
+            </a:r>
+            <a:endParaRPr lang="en-AU" dirty="0">
+              <a:latin typeface="Arial" panose="020B0604020202020204" pitchFamily="34" charset="0"/>
+              <a:cs typeface="Arial" panose="020B0604020202020204" pitchFamily="34" charset="0"/>
+            </a:endParaRPr>
+          </a:p>
+          <a:p>
+            <a:pPr lvl="1"/>
+            <a:r>
+              <a:rPr lang="en-AU" dirty="0">
+                <a:latin typeface="Arial" panose="020B0604020202020204" pitchFamily="34" charset="0"/>
+                <a:cs typeface="Arial" panose="020B0604020202020204" pitchFamily="34" charset="0"/>
+              </a:rPr>
+              <a:t>Labs will start from </a:t>
+            </a:r>
+            <a:r>
+              <a:rPr lang="en-AU" b="1" dirty="0">
                 <a:solidFill>
-                  <a:srgbClr val="00B0F0"/>
+                  <a:srgbClr val="FF0000"/>
                 </a:solidFill>
-              </a:rPr>
-              <a:t>C</a:t>
-            </a:r>
-            <a:r>
-              <a:rPr lang="en-AU" dirty="0"/>
-              <a:t>onfidentiality, </a:t>
-            </a:r>
-            <a:r>
-              <a:rPr lang="en-AU" u="sng" dirty="0">
-                <a:solidFill>
-                  <a:srgbClr val="00B0F0"/>
-                </a:solidFill>
-              </a:rPr>
-              <a:t>I</a:t>
-            </a:r>
-            <a:r>
-              <a:rPr lang="en-AU" dirty="0"/>
-              <a:t>ntegrity and </a:t>
-            </a:r>
-            <a:r>
-              <a:rPr lang="en-AU" u="sng" dirty="0">
-                <a:solidFill>
-                  <a:srgbClr val="00B0F0"/>
-                </a:solidFill>
-              </a:rPr>
-              <a:t>A</a:t>
-            </a:r>
-            <a:r>
-              <a:rPr lang="en-AU" dirty="0"/>
-              <a:t>vailability of information</a:t>
-            </a:r>
-          </a:p>
-        </p:txBody>
-      </p:sp>
-      <p:sp>
-        <p:nvSpPr>
-          <p:cNvPr id="4" name="Footer Placeholder 3">
-            <a:extLst>
-              <a:ext uri="{FF2B5EF4-FFF2-40B4-BE49-F238E27FC236}">
-                <a16:creationId xmlns:a16="http://schemas.microsoft.com/office/drawing/2014/main" id="{5293465A-4C2A-754E-8F5A-63A08A730A0E}"/>
-              </a:ext>
-            </a:extLst>
-          </p:cNvPr>
-          <p:cNvSpPr>
-            <a:spLocks noGrp="1"/>
-          </p:cNvSpPr>
-          <p:nvPr>
-            <p:ph type="ftr" sz="quarter" idx="11"/>
-          </p:nvPr>
-        </p:nvSpPr>
-        <p:spPr/>
-        <p:txBody>
-          <a:bodyPr/>
-          <a:lstStyle/>
-          <a:p>
-            <a:r>
-              <a:rPr lang="en-US" dirty="0"/>
-              <a:t>1 </a:t>
-            </a:r>
-            <a:r>
-              <a:rPr lang="en-US" dirty="0" err="1"/>
-              <a:t>Cybok</a:t>
-            </a:r>
-            <a:r>
-              <a:rPr lang="en-US" dirty="0"/>
-              <a:t> 1.0 2019 https://</a:t>
-            </a:r>
-            <a:r>
-              <a:rPr lang="en-US" dirty="0" err="1"/>
-              <a:t>www.cybok.org</a:t>
-            </a:r>
-            <a:r>
-              <a:rPr lang="en-US" dirty="0"/>
-              <a:t>/media/downloads/CyBOK_version_1.0_YMKBy7a.pdf</a:t>
+                <a:latin typeface="Arial" panose="020B0604020202020204" pitchFamily="34" charset="0"/>
+                <a:cs typeface="Arial" panose="020B0604020202020204" pitchFamily="34" charset="0"/>
+              </a:rPr>
+              <a:t>week 2</a:t>
+            </a:r>
+            <a:endParaRPr lang="en-AU" b="1" dirty="0">
+              <a:latin typeface="Arial" panose="020B0604020202020204" pitchFamily="34" charset="0"/>
+              <a:cs typeface="Arial" panose="020B0604020202020204" pitchFamily="34" charset="0"/>
+            </a:endParaRPr>
+          </a:p>
+          <a:p>
+            <a:r>
+              <a:rPr lang="en-AU" dirty="0">
+                <a:latin typeface="Arial" panose="020B0604020202020204" pitchFamily="34" charset="0"/>
+                <a:cs typeface="Arial" panose="020B0604020202020204" pitchFamily="34" charset="0"/>
+              </a:rPr>
+              <a:t>Office hours</a:t>
+            </a:r>
+          </a:p>
+          <a:p>
+            <a:pPr lvl="1"/>
+            <a:r>
+              <a:rPr lang="en-AU" dirty="0">
+                <a:latin typeface="Arial" panose="020B0604020202020204" pitchFamily="34" charset="0"/>
+                <a:cs typeface="Arial" panose="020B0604020202020204" pitchFamily="34" charset="0"/>
+              </a:rPr>
+              <a:t>Maybe Wed 12 – 2pm (F2F, virtual can be arranged) -&gt; this is just an arbitrary slot</a:t>
+            </a:r>
+          </a:p>
+          <a:p>
+            <a:pPr lvl="1"/>
+            <a:r>
+              <a:rPr lang="en-AU" dirty="0">
+                <a:latin typeface="Arial" panose="020B0604020202020204" pitchFamily="34" charset="0"/>
+                <a:cs typeface="Arial" panose="020B0604020202020204" pitchFamily="34" charset="0"/>
+              </a:rPr>
+              <a:t>Other times can be arranged too (send an email or message on Teams to book) </a:t>
+            </a:r>
+          </a:p>
+          <a:p>
+            <a:pPr lvl="1"/>
+            <a:r>
+              <a:rPr lang="en-AU" dirty="0">
+                <a:latin typeface="Arial" panose="020B0604020202020204" pitchFamily="34" charset="0"/>
+                <a:cs typeface="Arial" panose="020B0604020202020204" pitchFamily="34" charset="0"/>
+              </a:rPr>
+              <a:t>But I am also okay students rocking up anytime as long as I am free while I am in</a:t>
+            </a:r>
+          </a:p>
+          <a:p>
+            <a:pPr lvl="1"/>
+            <a:r>
+              <a:rPr lang="en-AU" dirty="0">
+                <a:latin typeface="Arial" panose="020B0604020202020204" pitchFamily="34" charset="0"/>
+                <a:cs typeface="Arial" panose="020B0604020202020204" pitchFamily="34" charset="0"/>
+              </a:rPr>
+              <a:t>For lab enquiries, please:</a:t>
+            </a:r>
+          </a:p>
+          <a:p>
+            <a:pPr lvl="2"/>
+            <a:r>
+              <a:rPr lang="en-US" dirty="0">
+                <a:latin typeface="Arial" panose="020B0604020202020204" pitchFamily="34" charset="0"/>
+                <a:cs typeface="Arial" panose="020B0604020202020204" pitchFamily="34" charset="0"/>
+              </a:rPr>
+              <a:t>Ask on Teams (but remember not to share answers)</a:t>
+            </a:r>
+            <a:endParaRPr lang="en-AU" dirty="0">
+              <a:latin typeface="Arial" panose="020B0604020202020204" pitchFamily="34" charset="0"/>
+              <a:cs typeface="Arial" panose="020B0604020202020204" pitchFamily="34" charset="0"/>
+            </a:endParaRPr>
+          </a:p>
+          <a:p>
+            <a:pPr lvl="2"/>
+            <a:r>
+              <a:rPr lang="en-AU" dirty="0">
+                <a:latin typeface="Arial" panose="020B0604020202020204" pitchFamily="34" charset="0"/>
+                <a:cs typeface="Arial" panose="020B0604020202020204" pitchFamily="34" charset="0"/>
+              </a:rPr>
+              <a:t>Ping lab facilitators on Teams (you can contact any one of them)!</a:t>
+            </a:r>
+          </a:p>
+          <a:p>
+            <a:pPr lvl="2"/>
+            <a:r>
+              <a:rPr lang="en-AU" dirty="0">
+                <a:latin typeface="Arial" panose="020B0604020202020204" pitchFamily="34" charset="0"/>
+                <a:cs typeface="Arial" panose="020B0604020202020204" pitchFamily="34" charset="0"/>
+              </a:rPr>
+              <a:t>If all fails, contact me via email</a:t>
             </a:r>
           </a:p>
         </p:txBody>
@@ -12087,7 +15918,7 @@
     </p:spTree>
     <p:extLst>
       <p:ext uri="{BB962C8B-B14F-4D97-AF65-F5344CB8AC3E}">
-        <p14:creationId xmlns:p14="http://schemas.microsoft.com/office/powerpoint/2010/main" val="1476963364"/>
+        <p14:creationId xmlns:p14="http://schemas.microsoft.com/office/powerpoint/2010/main" val="2700717229"/>
       </p:ext>
     </p:extLst>
   </p:cSld>
@@ -12119,7 +15950,7 @@
           <p:cNvPr id="2" name="Title 1">
             <a:extLst>
               <a:ext uri="{FF2B5EF4-FFF2-40B4-BE49-F238E27FC236}">
-                <a16:creationId xmlns:a16="http://schemas.microsoft.com/office/drawing/2014/main" id="{5C4F01C5-5333-2248-B03B-703C97F7CC69}"/>
+                <a16:creationId xmlns:a16="http://schemas.microsoft.com/office/drawing/2014/main" id="{6CE1A259-E50D-4EA2-90A3-5321F575131B}"/>
               </a:ext>
             </a:extLst>
           </p:cNvPr>
@@ -12137,111 +15968,45 @@
           <a:p>
             <a:r>
               <a:rPr lang="en-AU" dirty="0"/>
-              <a:t>Cybersecurity</a:t>
-            </a:r>
-          </a:p>
-        </p:txBody>
-      </p:sp>
-      <p:sp>
-        <p:nvSpPr>
-          <p:cNvPr id="3" name="Content Placeholder 2">
+              <a:t>Location</a:t>
+            </a:r>
+          </a:p>
+        </p:txBody>
+      </p:sp>
+      <p:pic>
+        <p:nvPicPr>
+          <p:cNvPr id="5" name="Picture 4">
             <a:extLst>
               <a:ext uri="{FF2B5EF4-FFF2-40B4-BE49-F238E27FC236}">
-                <a16:creationId xmlns:a16="http://schemas.microsoft.com/office/drawing/2014/main" id="{F7DD7DCB-C7E2-1B4F-BD83-3B7AF005DD76}"/>
+                <a16:creationId xmlns:a16="http://schemas.microsoft.com/office/drawing/2014/main" id="{49ACEC07-CD08-4CF9-A24B-F74F06BD1BC1}"/>
               </a:ext>
             </a:extLst>
           </p:cNvPr>
-          <p:cNvSpPr>
-            <a:spLocks noGrp="1"/>
-          </p:cNvSpPr>
-          <p:nvPr>
-            <p:ph idx="1"/>
-          </p:nvPr>
-        </p:nvSpPr>
-        <p:spPr/>
-        <p:txBody>
-          <a:bodyPr>
-            <a:normAutofit/>
-          </a:bodyPr>
-          <a:lstStyle/>
-          <a:p>
-            <a:r>
-              <a:rPr lang="en-AU" dirty="0"/>
-              <a:t>Cybersecurity is a subset of Information Security that concerns the digital realm – so:</a:t>
-            </a:r>
-          </a:p>
-          <a:p>
-            <a:pPr marL="414000" lvl="1" indent="0">
-              <a:buNone/>
-            </a:pPr>
-            <a:r>
-              <a:rPr lang="en-AU" b="1" i="1" dirty="0">
-                <a:effectLst/>
-              </a:rPr>
-              <a:t>Cyber security </a:t>
-            </a:r>
-            <a:r>
-              <a:rPr lang="en-AU" dirty="0">
-                <a:effectLst/>
-              </a:rPr>
-              <a:t>refers to the protection of information systems (hardware, software and associated infrastructure), the data on them, and the services they provide, from unauthorised access, harm or misuse. This includes harm caused intentionally by the operator of the system, or accidentally, as a result of failing to follow security procedures.</a:t>
-            </a:r>
-            <a:r>
-              <a:rPr lang="en-AU" baseline="30000" dirty="0">
-                <a:effectLst/>
-              </a:rPr>
-              <a:t>1</a:t>
-            </a:r>
-            <a:r>
-              <a:rPr lang="en-AU" dirty="0">
-                <a:effectLst/>
-              </a:rPr>
-              <a:t> </a:t>
-            </a:r>
-          </a:p>
-          <a:p>
-            <a:r>
-              <a:rPr lang="en-AU" dirty="0">
-                <a:effectLst/>
-              </a:rPr>
-              <a:t>CIA is sometimes extended to include Authentication, Accountability, Non-Repudiation and Reliability</a:t>
-            </a:r>
-            <a:endParaRPr lang="en-AU" dirty="0"/>
-          </a:p>
-          <a:p>
-            <a:endParaRPr lang="en-AU" dirty="0"/>
-          </a:p>
-        </p:txBody>
-      </p:sp>
-      <p:sp>
-        <p:nvSpPr>
-          <p:cNvPr id="4" name="Footer Placeholder 3">
-            <a:extLst>
-              <a:ext uri="{FF2B5EF4-FFF2-40B4-BE49-F238E27FC236}">
-                <a16:creationId xmlns:a16="http://schemas.microsoft.com/office/drawing/2014/main" id="{5293465A-4C2A-754E-8F5A-63A08A730A0E}"/>
-              </a:ext>
-            </a:extLst>
-          </p:cNvPr>
-          <p:cNvSpPr>
-            <a:spLocks noGrp="1"/>
-          </p:cNvSpPr>
-          <p:nvPr>
-            <p:ph type="ftr" sz="quarter" idx="11"/>
-          </p:nvPr>
-        </p:nvSpPr>
-        <p:spPr/>
-        <p:txBody>
-          <a:bodyPr/>
-          <a:lstStyle/>
-          <a:p>
-            <a:endParaRPr lang="en-US" dirty="0"/>
-          </a:p>
-        </p:txBody>
-      </p:sp>
+          <p:cNvPicPr>
+            <a:picLocks noChangeAspect="1"/>
+          </p:cNvPicPr>
+          <p:nvPr/>
+        </p:nvPicPr>
+        <p:blipFill>
+          <a:blip r:embed="rId2"/>
+          <a:stretch>
+            <a:fillRect/>
+          </a:stretch>
+        </p:blipFill>
+        <p:spPr>
+          <a:xfrm>
+            <a:off x="2145334" y="1841316"/>
+            <a:ext cx="7890684" cy="4632158"/>
+          </a:xfrm>
+          <a:prstGeom prst="rect">
+            <a:avLst/>
+          </a:prstGeom>
+        </p:spPr>
+      </p:pic>
     </p:spTree>
     <p:extLst>
       <p:ext uri="{BB962C8B-B14F-4D97-AF65-F5344CB8AC3E}">
-        <p14:creationId xmlns:p14="http://schemas.microsoft.com/office/powerpoint/2010/main" val="2850690858"/>
+        <p14:creationId xmlns:p14="http://schemas.microsoft.com/office/powerpoint/2010/main" val="2121063541"/>
       </p:ext>
     </p:extLst>
   </p:cSld>

--- a/cits1003-lecture_slides/CITS1003-0 Overview.pptx
+++ b/cits1003-lecture_slides/CITS1003-0 Overview.pptx
@@ -5419,7 +5419,7 @@
           <a:p>
             <a:fld id="{6D6D7260-B7E4-B548-BD1F-84ED14536037}" type="datetimeFigureOut">
               <a:rPr lang="en-AU" smtClean="0"/>
-              <a:t>26/02/2024</a:t>
+              <a:t>5/03/2024</a:t>
             </a:fld>
             <a:endParaRPr lang="en-AU"/>
           </a:p>
@@ -9326,7 +9326,7 @@
           <a:p>
             <a:fld id="{88D38747-4367-4BD2-8D51-C97E202738E2}" type="datetime1">
               <a:rPr lang="en-US" smtClean="0"/>
-              <a:t>2/26/2024</a:t>
+              <a:t>3/5/2024</a:t>
             </a:fld>
             <a:endParaRPr lang="en-US" dirty="0"/>
           </a:p>
@@ -9631,7 +9631,7 @@
           <a:p>
             <a:fld id="{11F1B079-7EF0-44EE-B798-BCC497C9F3B2}" type="datetime1">
               <a:rPr lang="en-US" smtClean="0"/>
-              <a:t>2/26/2024</a:t>
+              <a:t>3/5/2024</a:t>
             </a:fld>
             <a:endParaRPr lang="en-US" dirty="0"/>
           </a:p>
@@ -9825,7 +9825,7 @@
           <a:p>
             <a:fld id="{28FF70A8-1D13-4657-95F0-A9EA54967B8D}" type="datetime1">
               <a:rPr lang="en-US" smtClean="0"/>
-              <a:t>2/26/2024</a:t>
+              <a:t>3/5/2024</a:t>
             </a:fld>
             <a:endParaRPr lang="en-US" dirty="0"/>
           </a:p>
@@ -10088,7 +10088,7 @@
           <a:p>
             <a:fld id="{21EB90AC-71BD-4C7F-8ACA-7B3F18292E63}" type="datetime1">
               <a:rPr lang="en-US" smtClean="0"/>
-              <a:t>2/26/2024</a:t>
+              <a:t>3/5/2024</a:t>
             </a:fld>
             <a:endParaRPr lang="en-US" dirty="0"/>
           </a:p>
@@ -10524,7 +10524,7 @@
           <a:p>
             <a:fld id="{4E6EFC2C-8905-46F0-B443-CE905B76BA01}" type="datetime1">
               <a:rPr lang="en-US" smtClean="0"/>
-              <a:t>2/26/2024</a:t>
+              <a:t>3/5/2024</a:t>
             </a:fld>
             <a:endParaRPr lang="en-US" dirty="0"/>
           </a:p>
@@ -11061,7 +11061,7 @@
           <a:p>
             <a:fld id="{D9079DC3-C9B5-499E-9140-0DC28B7074E2}" type="datetime1">
               <a:rPr lang="en-US" smtClean="0"/>
-              <a:t>2/26/2024</a:t>
+              <a:t>3/5/2024</a:t>
             </a:fld>
             <a:endParaRPr lang="en-US" dirty="0"/>
           </a:p>
@@ -11943,7 +11943,7 @@
           <a:p>
             <a:fld id="{30BB33EA-E472-4D22-9C03-A9C14AA21CED}" type="datetime1">
               <a:rPr lang="en-US" smtClean="0"/>
-              <a:t>2/26/2024</a:t>
+              <a:t>3/5/2024</a:t>
             </a:fld>
             <a:endParaRPr lang="en-US" dirty="0"/>
           </a:p>
@@ -12113,7 +12113,7 @@
           <a:p>
             <a:fld id="{217E833E-1B6D-415F-AD29-75AE8C43BD0D}" type="datetime1">
               <a:rPr lang="en-US" smtClean="0"/>
-              <a:t>2/26/2024</a:t>
+              <a:t>3/5/2024</a:t>
             </a:fld>
             <a:endParaRPr lang="en-US" dirty="0"/>
           </a:p>
@@ -12297,7 +12297,7 @@
           <a:p>
             <a:fld id="{8452596F-08A7-4B70-989A-F2B1CF31E66B}" type="datetime1">
               <a:rPr lang="en-US" smtClean="0"/>
-              <a:t>2/26/2024</a:t>
+              <a:t>3/5/2024</a:t>
             </a:fld>
             <a:endParaRPr lang="en-US" dirty="0"/>
           </a:p>
@@ -12467,7 +12467,7 @@
           <a:p>
             <a:fld id="{73C55A3C-5767-4844-A0A3-83778C2E5409}" type="datetime1">
               <a:rPr lang="en-US" smtClean="0"/>
-              <a:t>2/26/2024</a:t>
+              <a:t>3/5/2024</a:t>
             </a:fld>
             <a:endParaRPr lang="en-US" dirty="0"/>
           </a:p>
@@ -12711,7 +12711,7 @@
           <a:p>
             <a:fld id="{CAE507A8-A5CF-4D38-AB86-7EDDA87A85D4}" type="datetime1">
               <a:rPr lang="en-US" smtClean="0"/>
-              <a:t>2/26/2024</a:t>
+              <a:t>3/5/2024</a:t>
             </a:fld>
             <a:endParaRPr lang="en-US" dirty="0"/>
           </a:p>
@@ -12953,7 +12953,7 @@
           <a:p>
             <a:fld id="{BDFCD27C-8599-43EF-BA1D-14DDC1946E06}" type="datetime1">
               <a:rPr lang="en-US" smtClean="0"/>
-              <a:t>2/26/2024</a:t>
+              <a:t>3/5/2024</a:t>
             </a:fld>
             <a:endParaRPr lang="en-US" dirty="0"/>
           </a:p>
@@ -13434,7 +13434,7 @@
           <a:p>
             <a:fld id="{49343D99-809A-49C0-96E5-4250D0B498EE}" type="datetime1">
               <a:rPr lang="en-US" smtClean="0"/>
-              <a:t>2/26/2024</a:t>
+              <a:t>3/5/2024</a:t>
             </a:fld>
             <a:endParaRPr lang="en-US" dirty="0"/>
           </a:p>
@@ -13552,7 +13552,7 @@
           <a:p>
             <a:fld id="{A143DE9B-B678-4EFB-BB7D-A4370204A0B0}" type="datetime1">
               <a:rPr lang="en-US" smtClean="0"/>
-              <a:t>2/26/2024</a:t>
+              <a:t>3/5/2024</a:t>
             </a:fld>
             <a:endParaRPr lang="en-US" dirty="0"/>
           </a:p>
@@ -13647,7 +13647,7 @@
           <a:p>
             <a:fld id="{E68812DA-F765-4142-A6A3-A8ED7235E082}" type="datetime1">
               <a:rPr lang="en-US" smtClean="0"/>
-              <a:t>2/26/2024</a:t>
+              <a:t>3/5/2024</a:t>
             </a:fld>
             <a:endParaRPr lang="en-US" dirty="0"/>
           </a:p>
@@ -13902,7 +13902,7 @@
           <a:p>
             <a:fld id="{3E0277FD-7DE6-41D4-930D-AC99F5AFE54E}" type="datetime1">
               <a:rPr lang="en-US" smtClean="0"/>
-              <a:t>2/26/2024</a:t>
+              <a:t>3/5/2024</a:t>
             </a:fld>
             <a:endParaRPr lang="en-US" dirty="0"/>
           </a:p>
@@ -14209,7 +14209,7 @@
           <a:p>
             <a:fld id="{9EA15526-7079-4B7B-987C-1B5FAE11A0FF}" type="datetime1">
               <a:rPr lang="en-US" smtClean="0"/>
-              <a:t>2/26/2024</a:t>
+              <a:t>3/5/2024</a:t>
             </a:fld>
             <a:endParaRPr lang="en-US" dirty="0"/>
           </a:p>
@@ -14444,7 +14444,7 @@
           <a:p>
             <a:fld id="{073ED0CC-082F-4160-86E5-0D6041F12778}" type="datetime1">
               <a:rPr lang="en-US" smtClean="0"/>
-              <a:t>2/26/2024</a:t>
+              <a:t>3/5/2024</a:t>
             </a:fld>
             <a:endParaRPr lang="en-US" dirty="0"/>
           </a:p>
@@ -15355,7 +15355,7 @@
           </a:effectLst>
           <a:extLst>
             <a:ext uri="{91240B29-F687-4f45-9708-019B960494DF}">
-              <a14:hiddenLine xmlns="" xmlns:a14="http://schemas.microsoft.com/office/drawing/2010/main" w="9525">
+              <a14:hiddenLine xmlns:a14="http://schemas.microsoft.com/office/drawing/2010/main" xmlns="" w="9525">
                 <a:solidFill>
                   <a:srgbClr val="000000"/>
                 </a:solidFill>
@@ -19160,7 +19160,9 @@
           </a:xfrm>
         </p:spPr>
         <p:txBody>
-          <a:bodyPr/>
+          <a:bodyPr>
+            <a:normAutofit lnSpcReduction="10000"/>
+          </a:bodyPr>
           <a:lstStyle/>
           <a:p>
             <a:r>
@@ -19173,6 +19175,16 @@
           </a:p>
           <a:p>
             <a:pPr lvl="1"/>
+            <a:r>
+              <a:rPr lang="en-AU" b="0" i="0" u="none" strike="noStrike" dirty="0">
+                <a:solidFill>
+                  <a:srgbClr val="92D050"/>
+                </a:solidFill>
+                <a:effectLst/>
+                <a:latin typeface="Roboto" panose="02000000000000000000" pitchFamily="2" charset="0"/>
+              </a:rPr>
+              <a:t>https://2772132586-files.gitbook.io/~/files/v0/b/gitbook-legacy-files/o/assets%2F-M8JUFT2qjA1kHV7SeEI%2F-MbKnPR4PgdotRQvCM-D%2F-MbKqReUfLRQ5bE-3gR3%2FEthicalHackingHTBDGv1.pdf?alt=media&amp;token=6a805194-ead2-44d1-aaa3-98fa03084b91</a:t>
+            </a:r>
             <a:r>
               <a:rPr lang="en-AU" dirty="0">
                 <a:solidFill>
@@ -19181,7 +19193,7 @@
                 <a:latin typeface="Arial" panose="020B0604020202020204" pitchFamily="34" charset="0"/>
                 <a:cs typeface="Arial" panose="020B0604020202020204" pitchFamily="34" charset="0"/>
               </a:rPr>
-              <a:t>https://book.ethicalhackinghtb.xyz/ </a:t>
+              <a:t> </a:t>
             </a:r>
           </a:p>
           <a:p>
@@ -19877,7 +19889,7 @@
           <a:noFill/>
           <a:extLst>
             <a:ext uri="{909E8E84-426E-40dd-AFC4-6F175D3DCCD1}">
-              <a14:hiddenFill xmlns="" xmlns:a14="http://schemas.microsoft.com/office/drawing/2010/main">
+              <a14:hiddenFill xmlns:a14="http://schemas.microsoft.com/office/drawing/2010/main" xmlns="">
                 <a:solidFill>
                   <a:srgbClr val="FFFFFF"/>
                 </a:solidFill>
@@ -23218,7 +23230,7 @@
           <a:noFill/>
           <a:extLst>
             <a:ext uri="{909E8E84-426E-40dd-AFC4-6F175D3DCCD1}">
-              <a14:hiddenFill xmlns="" xmlns:a14="http://schemas.microsoft.com/office/drawing/2010/main">
+              <a14:hiddenFill xmlns:a14="http://schemas.microsoft.com/office/drawing/2010/main" xmlns="">
                 <a:solidFill>
                   <a:srgbClr val="FFFFFF"/>
                 </a:solidFill>
@@ -23300,7 +23312,7 @@
           <a:noFill/>
           <a:extLst>
             <a:ext uri="{909E8E84-426E-40dd-AFC4-6F175D3DCCD1}">
-              <a14:hiddenFill xmlns="" xmlns:a14="http://schemas.microsoft.com/office/drawing/2010/main">
+              <a14:hiddenFill xmlns:a14="http://schemas.microsoft.com/office/drawing/2010/main" xmlns="">
                 <a:solidFill>
                   <a:srgbClr val="FFFFFF"/>
                 </a:solidFill>
@@ -23377,7 +23389,7 @@
           <a:noFill/>
           <a:extLst>
             <a:ext uri="{909E8E84-426E-40dd-AFC4-6F175D3DCCD1}">
-              <a14:hiddenFill xmlns="" xmlns:a14="http://schemas.microsoft.com/office/drawing/2010/main">
+              <a14:hiddenFill xmlns:a14="http://schemas.microsoft.com/office/drawing/2010/main" xmlns="">
                 <a:solidFill>
                   <a:srgbClr val="FFFFFF"/>
                 </a:solidFill>
@@ -23424,7 +23436,7 @@
           <a:noFill/>
           <a:extLst>
             <a:ext uri="{909E8E84-426E-40dd-AFC4-6F175D3DCCD1}">
-              <a14:hiddenFill xmlns="" xmlns:a14="http://schemas.microsoft.com/office/drawing/2010/main">
+              <a14:hiddenFill xmlns:a14="http://schemas.microsoft.com/office/drawing/2010/main" xmlns="">
                 <a:solidFill>
                   <a:srgbClr val="FFFFFF"/>
                 </a:solidFill>
@@ -23471,7 +23483,7 @@
           <a:noFill/>
           <a:extLst>
             <a:ext uri="{909E8E84-426E-40dd-AFC4-6F175D3DCCD1}">
-              <a14:hiddenFill xmlns="" xmlns:a14="http://schemas.microsoft.com/office/drawing/2010/main">
+              <a14:hiddenFill xmlns:a14="http://schemas.microsoft.com/office/drawing/2010/main" xmlns="">
                 <a:solidFill>
                   <a:srgbClr val="FFFFFF"/>
                 </a:solidFill>
@@ -24058,7 +24070,7 @@
           <a:noFill/>
           <a:extLst>
             <a:ext uri="{909E8E84-426E-40dd-AFC4-6F175D3DCCD1}">
-              <a14:hiddenFill xmlns="" xmlns:a14="http://schemas.microsoft.com/office/drawing/2010/main">
+              <a14:hiddenFill xmlns:a14="http://schemas.microsoft.com/office/drawing/2010/main" xmlns="">
                 <a:solidFill>
                   <a:srgbClr val="FFFFFF"/>
                 </a:solidFill>
@@ -24105,7 +24117,7 @@
           <a:noFill/>
           <a:extLst>
             <a:ext uri="{909E8E84-426E-40dd-AFC4-6F175D3DCCD1}">
-              <a14:hiddenFill xmlns="" xmlns:a14="http://schemas.microsoft.com/office/drawing/2010/main">
+              <a14:hiddenFill xmlns:a14="http://schemas.microsoft.com/office/drawing/2010/main" xmlns="">
                 <a:solidFill>
                   <a:srgbClr val="FFFFFF"/>
                 </a:solidFill>
@@ -24152,7 +24164,7 @@
           <a:noFill/>
           <a:extLst>
             <a:ext uri="{909E8E84-426E-40dd-AFC4-6F175D3DCCD1}">
-              <a14:hiddenFill xmlns="" xmlns:a14="http://schemas.microsoft.com/office/drawing/2010/main">
+              <a14:hiddenFill xmlns:a14="http://schemas.microsoft.com/office/drawing/2010/main" xmlns="">
                 <a:solidFill>
                   <a:srgbClr val="FFFFFF"/>
                 </a:solidFill>
@@ -24199,7 +24211,7 @@
           <a:noFill/>
           <a:extLst>
             <a:ext uri="{909E8E84-426E-40dd-AFC4-6F175D3DCCD1}">
-              <a14:hiddenFill xmlns="" xmlns:a14="http://schemas.microsoft.com/office/drawing/2010/main">
+              <a14:hiddenFill xmlns:a14="http://schemas.microsoft.com/office/drawing/2010/main" xmlns="">
                 <a:solidFill>
                   <a:srgbClr val="FFFFFF"/>
                 </a:solidFill>
@@ -24246,7 +24258,7 @@
           <a:noFill/>
           <a:extLst>
             <a:ext uri="{909E8E84-426E-40dd-AFC4-6F175D3DCCD1}">
-              <a14:hiddenFill xmlns="" xmlns:a14="http://schemas.microsoft.com/office/drawing/2010/main">
+              <a14:hiddenFill xmlns:a14="http://schemas.microsoft.com/office/drawing/2010/main" xmlns="">
                 <a:solidFill>
                   <a:srgbClr val="FFFFFF"/>
                 </a:solidFill>
